--- a/doc/简易MVVM的实现.pptx
+++ b/doc/简易MVVM的实现.pptx
@@ -10,6 +10,12 @@
     <p:sldId id="260" r:id="rId4"/>
     <p:sldId id="261" r:id="rId5"/>
     <p:sldId id="258" r:id="rId6"/>
+    <p:sldId id="263" r:id="rId7"/>
+    <p:sldId id="267" r:id="rId8"/>
+    <p:sldId id="269" r:id="rId9"/>
+    <p:sldId id="270" r:id="rId10"/>
+    <p:sldId id="265" r:id="rId11"/>
+    <p:sldId id="262" r:id="rId12"/>
   </p:sldIdLst>
   <p:sldSz cx="12192000" cy="6858000"/>
   <p:notesSz cx="6858000" cy="9144000"/>
@@ -114,6 +120,18 @@
     </p:ext>
   </p:extLst>
 </p:presentation>
+</file>
+
+<file path=ppt/commentAuthors.xml><?xml version="1.0" encoding="utf-8"?>
+<p:cmAuthorLst xmlns:a="http://schemas.openxmlformats.org/drawingml/2006/main" xmlns:r="http://schemas.openxmlformats.org/officeDocument/2006/relationships" xmlns:p="http://schemas.openxmlformats.org/presentationml/2006/main">
+  <p:cmAuthor id="1" name="朱献康" initials="朱献康" lastIdx="2" clrIdx="0">
+    <p:extLst>
+      <p:ext uri="{19B8F6BF-5375-455C-9EA6-DF929625EA0E}">
+        <p15:presenceInfo xmlns:p15="http://schemas.microsoft.com/office/powerpoint/2012/main" userId="S-1-5-21-301378855-1296857468-2813838616-81972" providerId="AD"/>
+      </p:ext>
+    </p:extLst>
+  </p:cmAuthor>
+</p:cmAuthorLst>
 </file>
 
 <file path=ppt/diagrams/colors1.xml><?xml version="1.0" encoding="utf-8"?>
@@ -2733,6 +2751,13 @@
         </dgm:presLayoutVars>
       </dgm:prSet>
       <dgm:spPr/>
+      <dgm:t>
+        <a:bodyPr/>
+        <a:lstStyle/>
+        <a:p>
+          <a:endParaRPr lang="zh-CN" altLang="en-US"/>
+        </a:p>
+      </dgm:t>
     </dgm:pt>
     <dgm:pt modelId="{235EE2D1-119C-4850-89A4-B958A72DBD5C}" type="pres">
       <dgm:prSet presAssocID="{731A502C-C832-4604-B61C-498094B3DA53}" presName="sibTrans" presStyleCnt="0"/>
@@ -2783,6 +2808,13 @@
         </dgm:presLayoutVars>
       </dgm:prSet>
       <dgm:spPr/>
+      <dgm:t>
+        <a:bodyPr/>
+        <a:lstStyle/>
+        <a:p>
+          <a:endParaRPr lang="zh-CN" altLang="en-US"/>
+        </a:p>
+      </dgm:t>
     </dgm:pt>
     <dgm:pt modelId="{891A114B-D7BF-4CB2-8ABB-115E40C443E2}" type="pres">
       <dgm:prSet presAssocID="{593BAC24-1E24-4CE4-BCEF-C0F32CF9DB59}" presName="sibTrans" presStyleCnt="0"/>
@@ -2833,6 +2865,13 @@
         </dgm:presLayoutVars>
       </dgm:prSet>
       <dgm:spPr/>
+      <dgm:t>
+        <a:bodyPr/>
+        <a:lstStyle/>
+        <a:p>
+          <a:endParaRPr lang="zh-CN" altLang="en-US"/>
+        </a:p>
+      </dgm:t>
     </dgm:pt>
     <dgm:pt modelId="{9592E6ED-65CF-42DE-A973-58D2FCDB3289}" type="pres">
       <dgm:prSet presAssocID="{CE5D7698-8A8B-4A9C-84DF-4D4422EC42F4}" presName="sibTrans" presStyleCnt="0"/>
@@ -2845,11 +2884,18 @@
         </dgm:presLayoutVars>
       </dgm:prSet>
       <dgm:spPr/>
+      <dgm:t>
+        <a:bodyPr/>
+        <a:lstStyle/>
+        <a:p>
+          <a:endParaRPr lang="zh-CN" altLang="en-US"/>
+        </a:p>
+      </dgm:t>
     </dgm:pt>
   </dgm:ptLst>
   <dgm:cxnLst>
+    <dgm:cxn modelId="{52AEEBAD-B2F1-474D-9E38-C852ADA0F5B8}" srcId="{1D808AF9-9B3E-4448-8AB3-6FEE64BBD365}" destId="{64883F92-C639-41CA-9D87-2F2387B17E1C}" srcOrd="0" destOrd="0" parTransId="{A3D63391-AD72-42F1-B936-6BBC00B106C5}" sibTransId="{731A502C-C832-4604-B61C-498094B3DA53}"/>
     <dgm:cxn modelId="{40E8AAB7-B466-4073-9813-29599766F355}" type="presOf" srcId="{8128EAE4-D1F7-4C2A-8E7F-A39D7807C42F}" destId="{DA9A80E6-55E3-44D4-8351-061049C13A69}" srcOrd="0" destOrd="0" presId="urn:microsoft.com/office/officeart/2005/8/layout/hProcess9"/>
-    <dgm:cxn modelId="{52AEEBAD-B2F1-474D-9E38-C852ADA0F5B8}" srcId="{1D808AF9-9B3E-4448-8AB3-6FEE64BBD365}" destId="{64883F92-C639-41CA-9D87-2F2387B17E1C}" srcOrd="0" destOrd="0" parTransId="{A3D63391-AD72-42F1-B936-6BBC00B106C5}" sibTransId="{731A502C-C832-4604-B61C-498094B3DA53}"/>
     <dgm:cxn modelId="{59D341D9-F8FE-429F-B30C-D07AAAF2A7FC}" type="presOf" srcId="{3F439979-2038-46B8-9DAD-FAA702C99157}" destId="{50BEA7BB-D3E4-4721-B027-8F425D2B4EAE}" srcOrd="0" destOrd="0" presId="urn:microsoft.com/office/officeart/2005/8/layout/hProcess9"/>
     <dgm:cxn modelId="{57C23D87-62C7-4CE0-AE8D-9F2B6E3E6821}" srcId="{1D808AF9-9B3E-4448-8AB3-6FEE64BBD365}" destId="{559103D3-9D1D-4987-9859-6089FE392B80}" srcOrd="4" destOrd="0" parTransId="{652CF8E3-8DB2-4E72-86D2-7921A96D4912}" sibTransId="{D0CAB22A-0A8B-4A96-A771-58C9F37287AE}"/>
     <dgm:cxn modelId="{489B6800-0D14-4601-82A2-762B5B8FA77A}" type="presOf" srcId="{1D808AF9-9B3E-4448-8AB3-6FEE64BBD365}" destId="{8C439D89-DA1B-4766-A257-8286F6E7F350}" srcOrd="0" destOrd="0" presId="urn:microsoft.com/office/officeart/2005/8/layout/hProcess9"/>
@@ -3077,6 +3123,13 @@
         </dgm:presLayoutVars>
       </dgm:prSet>
       <dgm:spPr/>
+      <dgm:t>
+        <a:bodyPr/>
+        <a:lstStyle/>
+        <a:p>
+          <a:endParaRPr lang="zh-CN" altLang="en-US"/>
+        </a:p>
+      </dgm:t>
     </dgm:pt>
     <dgm:pt modelId="{3E5325A3-6F19-4C58-A856-E669F91B6364}" type="pres">
       <dgm:prSet presAssocID="{8ED31381-462F-4D0F-8933-9D81B02C15B2}" presName="composite" presStyleCnt="0"/>
@@ -3127,6 +3180,13 @@
     <dgm:pt modelId="{D1CFD82C-5F62-4CAE-941D-EC863237A7E1}" type="pres">
       <dgm:prSet presAssocID="{0A443E88-9AEB-4B69-BD41-6AF3FAC447C2}" presName="Accent1Text" presStyleLbl="node1" presStyleIdx="1" presStyleCnt="6" custLinFactNeighborX="-51578" custLinFactNeighborY="84072"/>
       <dgm:spPr/>
+      <dgm:t>
+        <a:bodyPr/>
+        <a:lstStyle/>
+        <a:p>
+          <a:endParaRPr lang="zh-CN" altLang="en-US"/>
+        </a:p>
+      </dgm:t>
     </dgm:pt>
     <dgm:pt modelId="{9EE4BD98-8A5D-42B5-9EAA-63D0C892D55A}" type="pres">
       <dgm:prSet presAssocID="{0A443E88-9AEB-4B69-BD41-6AF3FAC447C2}" presName="spaceBetweenRectangles" presStyleCnt="0"/>
@@ -3181,6 +3241,13 @@
     <dgm:pt modelId="{2049218B-798E-4065-8CD4-8DE3966BC731}" type="pres">
       <dgm:prSet presAssocID="{1D339A73-3B73-459A-A616-88AC7CB3C8B4}" presName="Accent1Text" presStyleLbl="node1" presStyleIdx="3" presStyleCnt="6"/>
       <dgm:spPr/>
+      <dgm:t>
+        <a:bodyPr/>
+        <a:lstStyle/>
+        <a:p>
+          <a:endParaRPr lang="zh-CN" altLang="en-US"/>
+        </a:p>
+      </dgm:t>
     </dgm:pt>
     <dgm:pt modelId="{E79A395E-EC18-4E6A-8187-78D20A24675A}" type="pres">
       <dgm:prSet presAssocID="{1D339A73-3B73-459A-A616-88AC7CB3C8B4}" presName="spaceBetweenRectangles" presStyleCnt="0"/>
@@ -3235,19 +3302,26 @@
     <dgm:pt modelId="{49C2E8DB-396C-4049-82DE-06EF67959EF0}" type="pres">
       <dgm:prSet presAssocID="{FCC9E8C4-6407-45AC-8604-12EA7211F1F6}" presName="Accent1Text" presStyleLbl="node1" presStyleIdx="5" presStyleCnt="6"/>
       <dgm:spPr/>
+      <dgm:t>
+        <a:bodyPr/>
+        <a:lstStyle/>
+        <a:p>
+          <a:endParaRPr lang="zh-CN" altLang="en-US"/>
+        </a:p>
+      </dgm:t>
     </dgm:pt>
   </dgm:ptLst>
   <dgm:cxnLst>
+    <dgm:cxn modelId="{811E800F-00D5-40B2-9418-BDC8131419B9}" type="presOf" srcId="{C43A84C5-5BD6-429E-BF1E-B0B266E04DF4}" destId="{FED7ED05-9229-41DD-BF31-D9EF5DAC0A73}" srcOrd="0" destOrd="0" presId="urn:microsoft.com/office/officeart/2008/layout/AlternatingHexagons"/>
     <dgm:cxn modelId="{F05B22CE-6832-4013-91E9-023436D9876D}" type="presOf" srcId="{FCC9E8C4-6407-45AC-8604-12EA7211F1F6}" destId="{49C2E8DB-396C-4049-82DE-06EF67959EF0}" srcOrd="0" destOrd="0" presId="urn:microsoft.com/office/officeart/2008/layout/AlternatingHexagons"/>
-    <dgm:cxn modelId="{35FE298C-710C-48D3-AEA4-06C0B28F8F6D}" type="presOf" srcId="{5D292F55-5451-4565-A6C2-557898F385D5}" destId="{C1039335-A40B-4624-AEEA-F32729F2BB0E}" srcOrd="0" destOrd="0" presId="urn:microsoft.com/office/officeart/2008/layout/AlternatingHexagons"/>
-    <dgm:cxn modelId="{811E800F-00D5-40B2-9418-BDC8131419B9}" type="presOf" srcId="{C43A84C5-5BD6-429E-BF1E-B0B266E04DF4}" destId="{FED7ED05-9229-41DD-BF31-D9EF5DAC0A73}" srcOrd="0" destOrd="0" presId="urn:microsoft.com/office/officeart/2008/layout/AlternatingHexagons"/>
     <dgm:cxn modelId="{DC584052-7DBC-43F1-909C-AF3756999CFF}" type="presOf" srcId="{0A443E88-9AEB-4B69-BD41-6AF3FAC447C2}" destId="{D1CFD82C-5F62-4CAE-941D-EC863237A7E1}" srcOrd="0" destOrd="0" presId="urn:microsoft.com/office/officeart/2008/layout/AlternatingHexagons"/>
-    <dgm:cxn modelId="{0BF39849-9253-4078-B0BE-E7A459C9C4B7}" srcId="{C43A84C5-5BD6-429E-BF1E-B0B266E04DF4}" destId="{8ED31381-462F-4D0F-8933-9D81B02C15B2}" srcOrd="0" destOrd="0" parTransId="{8CACB556-97DE-4CFC-9F18-4BAEB467C06A}" sibTransId="{0A443E88-9AEB-4B69-BD41-6AF3FAC447C2}"/>
-    <dgm:cxn modelId="{7B6EB005-FD18-430A-A0AE-45368982B245}" type="presOf" srcId="{8ED31381-462F-4D0F-8933-9D81B02C15B2}" destId="{D68C361D-5C4F-4332-A92A-1E4A7B716105}" srcOrd="0" destOrd="0" presId="urn:microsoft.com/office/officeart/2008/layout/AlternatingHexagons"/>
     <dgm:cxn modelId="{43D8AF52-BFC4-4639-B703-319650EFBD5C}" type="presOf" srcId="{1D339A73-3B73-459A-A616-88AC7CB3C8B4}" destId="{2049218B-798E-4065-8CD4-8DE3966BC731}" srcOrd="0" destOrd="0" presId="urn:microsoft.com/office/officeart/2008/layout/AlternatingHexagons"/>
     <dgm:cxn modelId="{524189DE-7972-4023-A848-F190CBFD17B5}" srcId="{C43A84C5-5BD6-429E-BF1E-B0B266E04DF4}" destId="{5D292F55-5451-4565-A6C2-557898F385D5}" srcOrd="2" destOrd="0" parTransId="{AD53490B-3028-4228-8461-8250CFFCC7D8}" sibTransId="{FCC9E8C4-6407-45AC-8604-12EA7211F1F6}"/>
+    <dgm:cxn modelId="{36B4B108-CB4B-486E-8B33-92E1AD3B5C61}" type="presOf" srcId="{DCFD05AC-0877-4EC6-B17E-332F465792C3}" destId="{E2E05A1E-78D9-4989-A7E8-6B971C5E88D3}" srcOrd="0" destOrd="0" presId="urn:microsoft.com/office/officeart/2008/layout/AlternatingHexagons"/>
+    <dgm:cxn modelId="{7B6EB005-FD18-430A-A0AE-45368982B245}" type="presOf" srcId="{8ED31381-462F-4D0F-8933-9D81B02C15B2}" destId="{D68C361D-5C4F-4332-A92A-1E4A7B716105}" srcOrd="0" destOrd="0" presId="urn:microsoft.com/office/officeart/2008/layout/AlternatingHexagons"/>
+    <dgm:cxn modelId="{0BF39849-9253-4078-B0BE-E7A459C9C4B7}" srcId="{C43A84C5-5BD6-429E-BF1E-B0B266E04DF4}" destId="{8ED31381-462F-4D0F-8933-9D81B02C15B2}" srcOrd="0" destOrd="0" parTransId="{8CACB556-97DE-4CFC-9F18-4BAEB467C06A}" sibTransId="{0A443E88-9AEB-4B69-BD41-6AF3FAC447C2}"/>
     <dgm:cxn modelId="{7027E79B-4F15-41D2-8053-35A273CEAA93}" srcId="{C43A84C5-5BD6-429E-BF1E-B0B266E04DF4}" destId="{DCFD05AC-0877-4EC6-B17E-332F465792C3}" srcOrd="1" destOrd="0" parTransId="{2368332A-027C-4A95-8E56-36817F72765B}" sibTransId="{1D339A73-3B73-459A-A616-88AC7CB3C8B4}"/>
-    <dgm:cxn modelId="{36B4B108-CB4B-486E-8B33-92E1AD3B5C61}" type="presOf" srcId="{DCFD05AC-0877-4EC6-B17E-332F465792C3}" destId="{E2E05A1E-78D9-4989-A7E8-6B971C5E88D3}" srcOrd="0" destOrd="0" presId="urn:microsoft.com/office/officeart/2008/layout/AlternatingHexagons"/>
+    <dgm:cxn modelId="{35FE298C-710C-48D3-AEA4-06C0B28F8F6D}" type="presOf" srcId="{5D292F55-5451-4565-A6C2-557898F385D5}" destId="{C1039335-A40B-4624-AEEA-F32729F2BB0E}" srcOrd="0" destOrd="0" presId="urn:microsoft.com/office/officeart/2008/layout/AlternatingHexagons"/>
     <dgm:cxn modelId="{A3545D0C-5090-46EF-B13C-D92E6B715F59}" type="presParOf" srcId="{FED7ED05-9229-41DD-BF31-D9EF5DAC0A73}" destId="{3E5325A3-6F19-4C58-A856-E669F91B6364}" srcOrd="0" destOrd="0" presId="urn:microsoft.com/office/officeart/2008/layout/AlternatingHexagons"/>
     <dgm:cxn modelId="{F62470A2-2548-45AD-AEFD-1222E2930CB8}" type="presParOf" srcId="{3E5325A3-6F19-4C58-A856-E669F91B6364}" destId="{D68C361D-5C4F-4332-A92A-1E4A7B716105}" srcOrd="0" destOrd="0" presId="urn:microsoft.com/office/officeart/2008/layout/AlternatingHexagons"/>
     <dgm:cxn modelId="{771EC35D-6942-470E-A8F7-04398B1D21C6}" type="presParOf" srcId="{3E5325A3-6F19-4C58-A856-E669F91B6364}" destId="{E261FF97-C4F9-4108-B022-5567AB43608E}" srcOrd="1" destOrd="0" presId="urn:microsoft.com/office/officeart/2008/layout/AlternatingHexagons"/>
@@ -3445,10 +3519,24 @@
     <dgm:pt modelId="{522ECA2F-352D-4E20-B61F-0D244393CBF3}" type="pres">
       <dgm:prSet presAssocID="{00EB3D78-E413-4E3E-A51E-6D27E06228EE}" presName="sibTrans" presStyleLbl="sibTrans2D1" presStyleIdx="0" presStyleCnt="2"/>
       <dgm:spPr/>
+      <dgm:t>
+        <a:bodyPr/>
+        <a:lstStyle/>
+        <a:p>
+          <a:endParaRPr lang="zh-CN" altLang="en-US"/>
+        </a:p>
+      </dgm:t>
     </dgm:pt>
     <dgm:pt modelId="{E562F05A-5E21-4E0D-A28A-D03859F0608E}" type="pres">
       <dgm:prSet presAssocID="{00EB3D78-E413-4E3E-A51E-6D27E06228EE}" presName="connectorText" presStyleLbl="sibTrans2D1" presStyleIdx="0" presStyleCnt="2"/>
       <dgm:spPr/>
+      <dgm:t>
+        <a:bodyPr/>
+        <a:lstStyle/>
+        <a:p>
+          <a:endParaRPr lang="zh-CN" altLang="en-US"/>
+        </a:p>
+      </dgm:t>
     </dgm:pt>
     <dgm:pt modelId="{054FF328-A397-428D-9D34-36AD57EBA2DE}" type="pres">
       <dgm:prSet presAssocID="{C1DBD29D-464A-4AA5-BB43-D283CA802BF1}" presName="node" presStyleLbl="node1" presStyleIdx="1" presStyleCnt="3">
@@ -3468,10 +3556,24 @@
     <dgm:pt modelId="{2214B29F-239F-4E3D-9990-4C43856B10F7}" type="pres">
       <dgm:prSet presAssocID="{5B93B002-6D08-4B93-9427-8C1E2B2774D7}" presName="sibTrans" presStyleLbl="sibTrans2D1" presStyleIdx="1" presStyleCnt="2"/>
       <dgm:spPr/>
+      <dgm:t>
+        <a:bodyPr/>
+        <a:lstStyle/>
+        <a:p>
+          <a:endParaRPr lang="zh-CN" altLang="en-US"/>
+        </a:p>
+      </dgm:t>
     </dgm:pt>
     <dgm:pt modelId="{B7FB8D17-71E2-4A14-96BC-74F40A1F3576}" type="pres">
       <dgm:prSet presAssocID="{5B93B002-6D08-4B93-9427-8C1E2B2774D7}" presName="connectorText" presStyleLbl="sibTrans2D1" presStyleIdx="1" presStyleCnt="2"/>
       <dgm:spPr/>
+      <dgm:t>
+        <a:bodyPr/>
+        <a:lstStyle/>
+        <a:p>
+          <a:endParaRPr lang="zh-CN" altLang="en-US"/>
+        </a:p>
+      </dgm:t>
     </dgm:pt>
     <dgm:pt modelId="{2627753C-881A-4A4D-B96E-E37EA9F81C3E}" type="pres">
       <dgm:prSet presAssocID="{D1EC72E2-24AF-47EB-8A06-0D4EDD484B2B}" presName="node" presStyleLbl="node1" presStyleIdx="2" presStyleCnt="3">
@@ -3480,20 +3582,27 @@
         </dgm:presLayoutVars>
       </dgm:prSet>
       <dgm:spPr/>
+      <dgm:t>
+        <a:bodyPr/>
+        <a:lstStyle/>
+        <a:p>
+          <a:endParaRPr lang="zh-CN" altLang="en-US"/>
+        </a:p>
+      </dgm:t>
     </dgm:pt>
   </dgm:ptLst>
   <dgm:cxnLst>
-    <dgm:cxn modelId="{ED005604-D9EF-4C6F-AF18-5D50B4067615}" type="presOf" srcId="{5B93B002-6D08-4B93-9427-8C1E2B2774D7}" destId="{2214B29F-239F-4E3D-9990-4C43856B10F7}" srcOrd="0" destOrd="0" presId="urn:microsoft.com/office/officeart/2005/8/layout/process1"/>
     <dgm:cxn modelId="{7D47D16A-EE56-42C8-9FE9-053FABBC14EA}" srcId="{C4FEADD5-B8D3-4AD8-93DC-FCD325123E55}" destId="{AA56C10F-EDFB-4D8B-A08D-B25B74CB0C02}" srcOrd="0" destOrd="0" parTransId="{D7905D0B-C967-45A1-B4CE-DB54439BF42C}" sibTransId="{00EB3D78-E413-4E3E-A51E-6D27E06228EE}"/>
-    <dgm:cxn modelId="{603B6CC6-3E0F-4016-9B98-6CBF4AA5DD54}" type="presOf" srcId="{00EB3D78-E413-4E3E-A51E-6D27E06228EE}" destId="{E562F05A-5E21-4E0D-A28A-D03859F0608E}" srcOrd="1" destOrd="0" presId="urn:microsoft.com/office/officeart/2005/8/layout/process1"/>
-    <dgm:cxn modelId="{B159A9FA-2E89-4764-B0F4-63FAD7227BEA}" type="presOf" srcId="{00EB3D78-E413-4E3E-A51E-6D27E06228EE}" destId="{522ECA2F-352D-4E20-B61F-0D244393CBF3}" srcOrd="0" destOrd="0" presId="urn:microsoft.com/office/officeart/2005/8/layout/process1"/>
-    <dgm:cxn modelId="{AB24A697-4F62-47B3-A6CF-B019B9792AE2}" srcId="{C4FEADD5-B8D3-4AD8-93DC-FCD325123E55}" destId="{D1EC72E2-24AF-47EB-8A06-0D4EDD484B2B}" srcOrd="2" destOrd="0" parTransId="{9C6F4254-41A2-4E06-A4B6-05B8EC6B4C81}" sibTransId="{450B79C3-83FB-4025-8F77-9C8E350FC59D}"/>
-    <dgm:cxn modelId="{BECE8DB1-2AA2-45E1-A4DA-CC2901F065B5}" type="presOf" srcId="{AA56C10F-EDFB-4D8B-A08D-B25B74CB0C02}" destId="{5327CDF2-1540-4B49-9291-5A22C70BC827}" srcOrd="0" destOrd="0" presId="urn:microsoft.com/office/officeart/2005/8/layout/process1"/>
     <dgm:cxn modelId="{D8F9CA28-171F-4EB5-BE42-AEBB593B9739}" type="presOf" srcId="{C4FEADD5-B8D3-4AD8-93DC-FCD325123E55}" destId="{E8B9A150-0DC3-4027-8442-98EBF2BA5605}" srcOrd="0" destOrd="0" presId="urn:microsoft.com/office/officeart/2005/8/layout/process1"/>
-    <dgm:cxn modelId="{6DABB9C3-854C-479D-9566-A53890E62299}" type="presOf" srcId="{C1DBD29D-464A-4AA5-BB43-D283CA802BF1}" destId="{054FF328-A397-428D-9D34-36AD57EBA2DE}" srcOrd="0" destOrd="0" presId="urn:microsoft.com/office/officeart/2005/8/layout/process1"/>
-    <dgm:cxn modelId="{DDABA43F-77EA-468E-B885-669E6BAE6AC6}" type="presOf" srcId="{D1EC72E2-24AF-47EB-8A06-0D4EDD484B2B}" destId="{2627753C-881A-4A4D-B96E-E37EA9F81C3E}" srcOrd="0" destOrd="0" presId="urn:microsoft.com/office/officeart/2005/8/layout/process1"/>
     <dgm:cxn modelId="{BE17E517-E61E-4756-A801-307C614193AE}" srcId="{C4FEADD5-B8D3-4AD8-93DC-FCD325123E55}" destId="{C1DBD29D-464A-4AA5-BB43-D283CA802BF1}" srcOrd="1" destOrd="0" parTransId="{4B48A5DC-2810-4332-A04D-B26106FEA122}" sibTransId="{5B93B002-6D08-4B93-9427-8C1E2B2774D7}"/>
     <dgm:cxn modelId="{C552ADF7-CE0F-48BD-A52D-1CEA459B1E8C}" type="presOf" srcId="{5B93B002-6D08-4B93-9427-8C1E2B2774D7}" destId="{B7FB8D17-71E2-4A14-96BC-74F40A1F3576}" srcOrd="1" destOrd="0" presId="urn:microsoft.com/office/officeart/2005/8/layout/process1"/>
+    <dgm:cxn modelId="{B159A9FA-2E89-4764-B0F4-63FAD7227BEA}" type="presOf" srcId="{00EB3D78-E413-4E3E-A51E-6D27E06228EE}" destId="{522ECA2F-352D-4E20-B61F-0D244393CBF3}" srcOrd="0" destOrd="0" presId="urn:microsoft.com/office/officeart/2005/8/layout/process1"/>
+    <dgm:cxn modelId="{603B6CC6-3E0F-4016-9B98-6CBF4AA5DD54}" type="presOf" srcId="{00EB3D78-E413-4E3E-A51E-6D27E06228EE}" destId="{E562F05A-5E21-4E0D-A28A-D03859F0608E}" srcOrd="1" destOrd="0" presId="urn:microsoft.com/office/officeart/2005/8/layout/process1"/>
+    <dgm:cxn modelId="{6DABB9C3-854C-479D-9566-A53890E62299}" type="presOf" srcId="{C1DBD29D-464A-4AA5-BB43-D283CA802BF1}" destId="{054FF328-A397-428D-9D34-36AD57EBA2DE}" srcOrd="0" destOrd="0" presId="urn:microsoft.com/office/officeart/2005/8/layout/process1"/>
+    <dgm:cxn modelId="{BECE8DB1-2AA2-45E1-A4DA-CC2901F065B5}" type="presOf" srcId="{AA56C10F-EDFB-4D8B-A08D-B25B74CB0C02}" destId="{5327CDF2-1540-4B49-9291-5A22C70BC827}" srcOrd="0" destOrd="0" presId="urn:microsoft.com/office/officeart/2005/8/layout/process1"/>
+    <dgm:cxn modelId="{AB24A697-4F62-47B3-A6CF-B019B9792AE2}" srcId="{C4FEADD5-B8D3-4AD8-93DC-FCD325123E55}" destId="{D1EC72E2-24AF-47EB-8A06-0D4EDD484B2B}" srcOrd="2" destOrd="0" parTransId="{9C6F4254-41A2-4E06-A4B6-05B8EC6B4C81}" sibTransId="{450B79C3-83FB-4025-8F77-9C8E350FC59D}"/>
+    <dgm:cxn modelId="{DDABA43F-77EA-468E-B885-669E6BAE6AC6}" type="presOf" srcId="{D1EC72E2-24AF-47EB-8A06-0D4EDD484B2B}" destId="{2627753C-881A-4A4D-B96E-E37EA9F81C3E}" srcOrd="0" destOrd="0" presId="urn:microsoft.com/office/officeart/2005/8/layout/process1"/>
+    <dgm:cxn modelId="{ED005604-D9EF-4C6F-AF18-5D50B4067615}" type="presOf" srcId="{5B93B002-6D08-4B93-9427-8C1E2B2774D7}" destId="{2214B29F-239F-4E3D-9990-4C43856B10F7}" srcOrd="0" destOrd="0" presId="urn:microsoft.com/office/officeart/2005/8/layout/process1"/>
     <dgm:cxn modelId="{840D2922-AAB0-4B87-9337-0CE354AC3CE5}" type="presParOf" srcId="{E8B9A150-0DC3-4027-8442-98EBF2BA5605}" destId="{5327CDF2-1540-4B49-9291-5A22C70BC827}" srcOrd="0" destOrd="0" presId="urn:microsoft.com/office/officeart/2005/8/layout/process1"/>
     <dgm:cxn modelId="{9C56519A-887F-44FA-AE70-CCB3F7D16668}" type="presParOf" srcId="{E8B9A150-0DC3-4027-8442-98EBF2BA5605}" destId="{522ECA2F-352D-4E20-B61F-0D244393CBF3}" srcOrd="1" destOrd="0" presId="urn:microsoft.com/office/officeart/2005/8/layout/process1"/>
     <dgm:cxn modelId="{B002362A-CBD3-4EAA-869A-70F658A87B3E}" type="presParOf" srcId="{522ECA2F-352D-4E20-B61F-0D244393CBF3}" destId="{E562F05A-5E21-4E0D-A28A-D03859F0608E}" srcOrd="0" destOrd="0" presId="urn:microsoft.com/office/officeart/2005/8/layout/process1"/>
@@ -9042,7 +9151,7 @@
           <a:p>
             <a:fld id="{5CDEA0AB-9A51-442B-AAF9-9D0B82ADAE47}" type="datetimeFigureOut">
               <a:rPr lang="zh-CN" altLang="en-US" smtClean="0"/>
-              <a:t>2018/7/23</a:t>
+              <a:t>2018/7/24</a:t>
             </a:fld>
             <a:endParaRPr lang="zh-CN" altLang="en-US"/>
           </a:p>
@@ -9212,7 +9321,7 @@
           <a:p>
             <a:fld id="{5CDEA0AB-9A51-442B-AAF9-9D0B82ADAE47}" type="datetimeFigureOut">
               <a:rPr lang="zh-CN" altLang="en-US" smtClean="0"/>
-              <a:t>2018/7/23</a:t>
+              <a:t>2018/7/24</a:t>
             </a:fld>
             <a:endParaRPr lang="zh-CN" altLang="en-US"/>
           </a:p>
@@ -9392,7 +9501,7 @@
           <a:p>
             <a:fld id="{5CDEA0AB-9A51-442B-AAF9-9D0B82ADAE47}" type="datetimeFigureOut">
               <a:rPr lang="zh-CN" altLang="en-US" smtClean="0"/>
-              <a:t>2018/7/23</a:t>
+              <a:t>2018/7/24</a:t>
             </a:fld>
             <a:endParaRPr lang="zh-CN" altLang="en-US"/>
           </a:p>
@@ -9562,7 +9671,7 @@
           <a:p>
             <a:fld id="{5CDEA0AB-9A51-442B-AAF9-9D0B82ADAE47}" type="datetimeFigureOut">
               <a:rPr lang="zh-CN" altLang="en-US" smtClean="0"/>
-              <a:t>2018/7/23</a:t>
+              <a:t>2018/7/24</a:t>
             </a:fld>
             <a:endParaRPr lang="zh-CN" altLang="en-US"/>
           </a:p>
@@ -9808,7 +9917,7 @@
           <a:p>
             <a:fld id="{5CDEA0AB-9A51-442B-AAF9-9D0B82ADAE47}" type="datetimeFigureOut">
               <a:rPr lang="zh-CN" altLang="en-US" smtClean="0"/>
-              <a:t>2018/7/23</a:t>
+              <a:t>2018/7/24</a:t>
             </a:fld>
             <a:endParaRPr lang="zh-CN" altLang="en-US"/>
           </a:p>
@@ -10040,7 +10149,7 @@
           <a:p>
             <a:fld id="{5CDEA0AB-9A51-442B-AAF9-9D0B82ADAE47}" type="datetimeFigureOut">
               <a:rPr lang="zh-CN" altLang="en-US" smtClean="0"/>
-              <a:t>2018/7/23</a:t>
+              <a:t>2018/7/24</a:t>
             </a:fld>
             <a:endParaRPr lang="zh-CN" altLang="en-US"/>
           </a:p>
@@ -10407,7 +10516,7 @@
           <a:p>
             <a:fld id="{5CDEA0AB-9A51-442B-AAF9-9D0B82ADAE47}" type="datetimeFigureOut">
               <a:rPr lang="zh-CN" altLang="en-US" smtClean="0"/>
-              <a:t>2018/7/23</a:t>
+              <a:t>2018/7/24</a:t>
             </a:fld>
             <a:endParaRPr lang="zh-CN" altLang="en-US"/>
           </a:p>
@@ -10525,7 +10634,7 @@
           <a:p>
             <a:fld id="{5CDEA0AB-9A51-442B-AAF9-9D0B82ADAE47}" type="datetimeFigureOut">
               <a:rPr lang="zh-CN" altLang="en-US" smtClean="0"/>
-              <a:t>2018/7/23</a:t>
+              <a:t>2018/7/24</a:t>
             </a:fld>
             <a:endParaRPr lang="zh-CN" altLang="en-US"/>
           </a:p>
@@ -10620,7 +10729,7 @@
           <a:p>
             <a:fld id="{5CDEA0AB-9A51-442B-AAF9-9D0B82ADAE47}" type="datetimeFigureOut">
               <a:rPr lang="zh-CN" altLang="en-US" smtClean="0"/>
-              <a:t>2018/7/23</a:t>
+              <a:t>2018/7/24</a:t>
             </a:fld>
             <a:endParaRPr lang="zh-CN" altLang="en-US"/>
           </a:p>
@@ -10897,7 +11006,7 @@
           <a:p>
             <a:fld id="{5CDEA0AB-9A51-442B-AAF9-9D0B82ADAE47}" type="datetimeFigureOut">
               <a:rPr lang="zh-CN" altLang="en-US" smtClean="0"/>
-              <a:t>2018/7/23</a:t>
+              <a:t>2018/7/24</a:t>
             </a:fld>
             <a:endParaRPr lang="zh-CN" altLang="en-US"/>
           </a:p>
@@ -11150,7 +11259,7 @@
           <a:p>
             <a:fld id="{5CDEA0AB-9A51-442B-AAF9-9D0B82ADAE47}" type="datetimeFigureOut">
               <a:rPr lang="zh-CN" altLang="en-US" smtClean="0"/>
-              <a:t>2018/7/23</a:t>
+              <a:t>2018/7/24</a:t>
             </a:fld>
             <a:endParaRPr lang="zh-CN" altLang="en-US"/>
           </a:p>
@@ -11363,7 +11472,7 @@
           <a:p>
             <a:fld id="{5CDEA0AB-9A51-442B-AAF9-9D0B82ADAE47}" type="datetimeFigureOut">
               <a:rPr lang="zh-CN" altLang="en-US" smtClean="0"/>
-              <a:t>2018/7/23</a:t>
+              <a:t>2018/7/24</a:t>
             </a:fld>
             <a:endParaRPr lang="zh-CN" altLang="en-US"/>
           </a:p>
@@ -11821,18 +11930,7 @@
                   </a:schemeClr>
                 </a:solidFill>
               </a:rPr>
-              <a:t>的</a:t>
-            </a:r>
-            <a:r>
-              <a:rPr lang="zh-CN" altLang="en-US" b="1" dirty="0" smtClean="0">
-                <a:solidFill>
-                  <a:schemeClr val="tx1">
-                    <a:lumMod val="50000"/>
-                    <a:lumOff val="50000"/>
-                  </a:schemeClr>
-                </a:solidFill>
-              </a:rPr>
-              <a:t>实现 </a:t>
+              <a:t>的实现 </a:t>
             </a:r>
             <a:endParaRPr lang="zh-CN" altLang="en-US" sz="2400" b="1" dirty="0">
               <a:solidFill>
@@ -11875,7 +11973,17 @@
                   </a:schemeClr>
                 </a:solidFill>
               </a:rPr>
-              <a:t>了解</a:t>
+              <a:t>了解什么是</a:t>
+            </a:r>
+            <a:r>
+              <a:rPr lang="en-US" altLang="zh-CN" sz="2000" dirty="0" smtClean="0">
+                <a:solidFill>
+                  <a:schemeClr val="bg1">
+                    <a:lumMod val="65000"/>
+                  </a:schemeClr>
+                </a:solidFill>
+              </a:rPr>
+              <a:t>MV</a:t>
             </a:r>
             <a:r>
               <a:rPr lang="zh-CN" altLang="en-US" sz="2000" dirty="0" smtClean="0">
@@ -11885,27 +11993,7 @@
                   </a:schemeClr>
                 </a:solidFill>
               </a:rPr>
-              <a:t>什么是</a:t>
-            </a:r>
-            <a:r>
-              <a:rPr lang="en-US" altLang="zh-CN" sz="2000" dirty="0" smtClean="0">
-                <a:solidFill>
-                  <a:schemeClr val="bg1">
-                    <a:lumMod val="65000"/>
-                  </a:schemeClr>
-                </a:solidFill>
-              </a:rPr>
-              <a:t>MVVM</a:t>
-            </a:r>
-            <a:r>
-              <a:rPr lang="zh-CN" altLang="en-US" sz="2000" dirty="0" smtClean="0">
-                <a:solidFill>
-                  <a:schemeClr val="bg1">
-                    <a:lumMod val="65000"/>
-                  </a:schemeClr>
-                </a:solidFill>
-              </a:rPr>
-              <a:t>？</a:t>
+              <a:t>*架构设计模式？</a:t>
             </a:r>
             <a:endParaRPr lang="en-US" altLang="zh-CN" sz="2000" dirty="0" smtClean="0">
               <a:solidFill>
@@ -11924,7 +12012,27 @@
                   </a:schemeClr>
                 </a:solidFill>
               </a:rPr>
-              <a:t>了解常用的设计模式？</a:t>
+              <a:t>了解常用的“四人帮</a:t>
+            </a:r>
+            <a:r>
+              <a:rPr lang="en-US" altLang="zh-CN" sz="2000" dirty="0" err="1" smtClean="0">
+                <a:solidFill>
+                  <a:schemeClr val="bg1">
+                    <a:lumMod val="65000"/>
+                  </a:schemeClr>
+                </a:solidFill>
+              </a:rPr>
+              <a:t>Gof</a:t>
+            </a:r>
+            <a:r>
+              <a:rPr lang="zh-CN" altLang="en-US" sz="2000" dirty="0" smtClean="0">
+                <a:solidFill>
+                  <a:schemeClr val="bg1">
+                    <a:lumMod val="65000"/>
+                  </a:schemeClr>
+                </a:solidFill>
+              </a:rPr>
+              <a:t>”设计模式？</a:t>
             </a:r>
             <a:endParaRPr lang="en-US" altLang="zh-CN" sz="2000" dirty="0" smtClean="0">
               <a:solidFill>
@@ -12000,6 +12108,828 @@
     <p:extLst>
       <p:ext uri="{BB962C8B-B14F-4D97-AF65-F5344CB8AC3E}">
         <p14:creationId xmlns:p14="http://schemas.microsoft.com/office/powerpoint/2010/main" val="4132455796"/>
+      </p:ext>
+    </p:extLst>
+  </p:cSld>
+  <p:clrMapOvr>
+    <a:masterClrMapping/>
+  </p:clrMapOvr>
+  <p:timing>
+    <p:tnLst>
+      <p:par>
+        <p:cTn id="1" dur="indefinite" restart="never" nodeType="tmRoot"/>
+      </p:par>
+    </p:tnLst>
+  </p:timing>
+</p:sld>
+</file>
+
+<file path=ppt/slides/slide10.xml><?xml version="1.0" encoding="utf-8"?>
+<p:sld xmlns:a="http://schemas.openxmlformats.org/drawingml/2006/main" xmlns:r="http://schemas.openxmlformats.org/officeDocument/2006/relationships" xmlns:p="http://schemas.openxmlformats.org/presentationml/2006/main">
+  <p:cSld>
+    <p:spTree>
+      <p:nvGrpSpPr>
+        <p:cNvPr id="1" name=""/>
+        <p:cNvGrpSpPr/>
+        <p:nvPr/>
+      </p:nvGrpSpPr>
+      <p:grpSpPr>
+        <a:xfrm>
+          <a:off x="0" y="0"/>
+          <a:ext cx="0" cy="0"/>
+          <a:chOff x="0" y="0"/>
+          <a:chExt cx="0" cy="0"/>
+        </a:xfrm>
+      </p:grpSpPr>
+      <p:sp>
+        <p:nvSpPr>
+          <p:cNvPr id="2" name="标题 1"/>
+          <p:cNvSpPr>
+            <a:spLocks noGrp="1"/>
+          </p:cNvSpPr>
+          <p:nvPr>
+            <p:ph type="title"/>
+          </p:nvPr>
+        </p:nvSpPr>
+        <p:spPr/>
+        <p:txBody>
+          <a:bodyPr/>
+          <a:lstStyle/>
+          <a:p>
+            <a:r>
+              <a:rPr lang="en-US" altLang="zh-CN" dirty="0" smtClean="0">
+                <a:solidFill>
+                  <a:schemeClr val="bg1">
+                    <a:lumMod val="65000"/>
+                  </a:schemeClr>
+                </a:solidFill>
+              </a:rPr>
+              <a:t>MVC</a:t>
+            </a:r>
+            <a:r>
+              <a:rPr lang="zh-CN" altLang="en-US" sz="1800" dirty="0" smtClean="0">
+                <a:solidFill>
+                  <a:schemeClr val="bg1">
+                    <a:lumMod val="65000"/>
+                  </a:schemeClr>
+                </a:solidFill>
+              </a:rPr>
+              <a:t>（模型</a:t>
+            </a:r>
+            <a:r>
+              <a:rPr lang="en-US" altLang="zh-CN" sz="1800" dirty="0" smtClean="0">
+                <a:solidFill>
+                  <a:schemeClr val="bg1">
+                    <a:lumMod val="65000"/>
+                  </a:schemeClr>
+                </a:solidFill>
+              </a:rPr>
+              <a:t>-</a:t>
+            </a:r>
+            <a:r>
+              <a:rPr lang="zh-CN" altLang="en-US" sz="1800" dirty="0" smtClean="0">
+                <a:solidFill>
+                  <a:schemeClr val="bg1">
+                    <a:lumMod val="65000"/>
+                  </a:schemeClr>
+                </a:solidFill>
+              </a:rPr>
+              <a:t>视图</a:t>
+            </a:r>
+            <a:r>
+              <a:rPr lang="en-US" altLang="zh-CN" sz="1800" dirty="0" smtClean="0">
+                <a:solidFill>
+                  <a:schemeClr val="bg1">
+                    <a:lumMod val="65000"/>
+                  </a:schemeClr>
+                </a:solidFill>
+              </a:rPr>
+              <a:t>-</a:t>
+            </a:r>
+            <a:r>
+              <a:rPr lang="zh-CN" altLang="en-US" sz="1800" dirty="0" smtClean="0">
+                <a:solidFill>
+                  <a:schemeClr val="bg1">
+                    <a:lumMod val="65000"/>
+                  </a:schemeClr>
+                </a:solidFill>
+              </a:rPr>
+              <a:t>控制器）</a:t>
+            </a:r>
+            <a:r>
+              <a:rPr lang="zh-CN" altLang="en-US" dirty="0" smtClean="0">
+                <a:solidFill>
+                  <a:schemeClr val="bg1">
+                    <a:lumMod val="65000"/>
+                  </a:schemeClr>
+                </a:solidFill>
+              </a:rPr>
+              <a:t>模式</a:t>
+            </a:r>
+            <a:endParaRPr lang="zh-CN" altLang="en-US" dirty="0"/>
+          </a:p>
+        </p:txBody>
+      </p:sp>
+      <p:pic>
+        <p:nvPicPr>
+          <p:cNvPr id="5" name="图片 4"/>
+          <p:cNvPicPr>
+            <a:picLocks noChangeAspect="1"/>
+          </p:cNvPicPr>
+          <p:nvPr/>
+        </p:nvPicPr>
+        <p:blipFill>
+          <a:blip r:embed="rId2">
+            <a:extLst>
+              <a:ext uri="{28A0092B-C50C-407E-A947-70E740481C1C}">
+                <a14:useLocalDpi xmlns:a14="http://schemas.microsoft.com/office/drawing/2010/main" val="0"/>
+              </a:ext>
+            </a:extLst>
+          </a:blip>
+          <a:stretch>
+            <a:fillRect/>
+          </a:stretch>
+        </p:blipFill>
+        <p:spPr>
+          <a:xfrm>
+            <a:off x="838200" y="2119782"/>
+            <a:ext cx="3821658" cy="3074698"/>
+          </a:xfrm>
+          <a:prstGeom prst="rect">
+            <a:avLst/>
+          </a:prstGeom>
+        </p:spPr>
+      </p:pic>
+      <p:sp>
+        <p:nvSpPr>
+          <p:cNvPr id="8" name="副标题 2"/>
+          <p:cNvSpPr txBox="1">
+            <a:spLocks/>
+          </p:cNvSpPr>
+          <p:nvPr/>
+        </p:nvSpPr>
+        <p:spPr>
+          <a:xfrm>
+            <a:off x="5242158" y="1750811"/>
+            <a:ext cx="6020202" cy="4050808"/>
+          </a:xfrm>
+          <a:prstGeom prst="rect">
+            <a:avLst/>
+          </a:prstGeom>
+        </p:spPr>
+        <p:txBody>
+          <a:bodyPr vert="horz" lIns="91440" tIns="45720" rIns="91440" bIns="45720" rtlCol="0">
+            <a:normAutofit/>
+          </a:bodyPr>
+          <a:lstStyle>
+            <a:lvl1pPr marL="228600" indent="-228600" algn="l" defTabSz="914400" rtl="0" eaLnBrk="1" latinLnBrk="0" hangingPunct="1">
+              <a:lnSpc>
+                <a:spcPct val="90000"/>
+              </a:lnSpc>
+              <a:spcBef>
+                <a:spcPts val="1000"/>
+              </a:spcBef>
+              <a:buFont typeface="Arial" panose="020B0604020202020204" pitchFamily="34" charset="0"/>
+              <a:buChar char="•"/>
+              <a:defRPr sz="2800" kern="1200">
+                <a:solidFill>
+                  <a:schemeClr val="tx1"/>
+                </a:solidFill>
+                <a:latin typeface="+mn-lt"/>
+                <a:ea typeface="+mn-ea"/>
+                <a:cs typeface="+mn-cs"/>
+              </a:defRPr>
+            </a:lvl1pPr>
+            <a:lvl2pPr marL="685800" indent="-228600" algn="l" defTabSz="914400" rtl="0" eaLnBrk="1" latinLnBrk="0" hangingPunct="1">
+              <a:lnSpc>
+                <a:spcPct val="90000"/>
+              </a:lnSpc>
+              <a:spcBef>
+                <a:spcPts val="500"/>
+              </a:spcBef>
+              <a:buFont typeface="Arial" panose="020B0604020202020204" pitchFamily="34" charset="0"/>
+              <a:buChar char="•"/>
+              <a:defRPr sz="2400" kern="1200">
+                <a:solidFill>
+                  <a:schemeClr val="tx1"/>
+                </a:solidFill>
+                <a:latin typeface="+mn-lt"/>
+                <a:ea typeface="+mn-ea"/>
+                <a:cs typeface="+mn-cs"/>
+              </a:defRPr>
+            </a:lvl2pPr>
+            <a:lvl3pPr marL="1143000" indent="-228600" algn="l" defTabSz="914400" rtl="0" eaLnBrk="1" latinLnBrk="0" hangingPunct="1">
+              <a:lnSpc>
+                <a:spcPct val="90000"/>
+              </a:lnSpc>
+              <a:spcBef>
+                <a:spcPts val="500"/>
+              </a:spcBef>
+              <a:buFont typeface="Arial" panose="020B0604020202020204" pitchFamily="34" charset="0"/>
+              <a:buChar char="•"/>
+              <a:defRPr sz="2000" kern="1200">
+                <a:solidFill>
+                  <a:schemeClr val="tx1"/>
+                </a:solidFill>
+                <a:latin typeface="+mn-lt"/>
+                <a:ea typeface="+mn-ea"/>
+                <a:cs typeface="+mn-cs"/>
+              </a:defRPr>
+            </a:lvl3pPr>
+            <a:lvl4pPr marL="1600200" indent="-228600" algn="l" defTabSz="914400" rtl="0" eaLnBrk="1" latinLnBrk="0" hangingPunct="1">
+              <a:lnSpc>
+                <a:spcPct val="90000"/>
+              </a:lnSpc>
+              <a:spcBef>
+                <a:spcPts val="500"/>
+              </a:spcBef>
+              <a:buFont typeface="Arial" panose="020B0604020202020204" pitchFamily="34" charset="0"/>
+              <a:buChar char="•"/>
+              <a:defRPr sz="1800" kern="1200">
+                <a:solidFill>
+                  <a:schemeClr val="tx1"/>
+                </a:solidFill>
+                <a:latin typeface="+mn-lt"/>
+                <a:ea typeface="+mn-ea"/>
+                <a:cs typeface="+mn-cs"/>
+              </a:defRPr>
+            </a:lvl4pPr>
+            <a:lvl5pPr marL="2057400" indent="-228600" algn="l" defTabSz="914400" rtl="0" eaLnBrk="1" latinLnBrk="0" hangingPunct="1">
+              <a:lnSpc>
+                <a:spcPct val="90000"/>
+              </a:lnSpc>
+              <a:spcBef>
+                <a:spcPts val="500"/>
+              </a:spcBef>
+              <a:buFont typeface="Arial" panose="020B0604020202020204" pitchFamily="34" charset="0"/>
+              <a:buChar char="•"/>
+              <a:defRPr sz="1800" kern="1200">
+                <a:solidFill>
+                  <a:schemeClr val="tx1"/>
+                </a:solidFill>
+                <a:latin typeface="+mn-lt"/>
+                <a:ea typeface="+mn-ea"/>
+                <a:cs typeface="+mn-cs"/>
+              </a:defRPr>
+            </a:lvl5pPr>
+            <a:lvl6pPr marL="2514600" indent="-228600" algn="l" defTabSz="914400" rtl="0" eaLnBrk="1" latinLnBrk="0" hangingPunct="1">
+              <a:lnSpc>
+                <a:spcPct val="90000"/>
+              </a:lnSpc>
+              <a:spcBef>
+                <a:spcPts val="500"/>
+              </a:spcBef>
+              <a:buFont typeface="Arial" panose="020B0604020202020204" pitchFamily="34" charset="0"/>
+              <a:buChar char="•"/>
+              <a:defRPr sz="1800" kern="1200">
+                <a:solidFill>
+                  <a:schemeClr val="tx1"/>
+                </a:solidFill>
+                <a:latin typeface="+mn-lt"/>
+                <a:ea typeface="+mn-ea"/>
+                <a:cs typeface="+mn-cs"/>
+              </a:defRPr>
+            </a:lvl6pPr>
+            <a:lvl7pPr marL="2971800" indent="-228600" algn="l" defTabSz="914400" rtl="0" eaLnBrk="1" latinLnBrk="0" hangingPunct="1">
+              <a:lnSpc>
+                <a:spcPct val="90000"/>
+              </a:lnSpc>
+              <a:spcBef>
+                <a:spcPts val="500"/>
+              </a:spcBef>
+              <a:buFont typeface="Arial" panose="020B0604020202020204" pitchFamily="34" charset="0"/>
+              <a:buChar char="•"/>
+              <a:defRPr sz="1800" kern="1200">
+                <a:solidFill>
+                  <a:schemeClr val="tx1"/>
+                </a:solidFill>
+                <a:latin typeface="+mn-lt"/>
+                <a:ea typeface="+mn-ea"/>
+                <a:cs typeface="+mn-cs"/>
+              </a:defRPr>
+            </a:lvl7pPr>
+            <a:lvl8pPr marL="3429000" indent="-228600" algn="l" defTabSz="914400" rtl="0" eaLnBrk="1" latinLnBrk="0" hangingPunct="1">
+              <a:lnSpc>
+                <a:spcPct val="90000"/>
+              </a:lnSpc>
+              <a:spcBef>
+                <a:spcPts val="500"/>
+              </a:spcBef>
+              <a:buFont typeface="Arial" panose="020B0604020202020204" pitchFamily="34" charset="0"/>
+              <a:buChar char="•"/>
+              <a:defRPr sz="1800" kern="1200">
+                <a:solidFill>
+                  <a:schemeClr val="tx1"/>
+                </a:solidFill>
+                <a:latin typeface="+mn-lt"/>
+                <a:ea typeface="+mn-ea"/>
+                <a:cs typeface="+mn-cs"/>
+              </a:defRPr>
+            </a:lvl8pPr>
+            <a:lvl9pPr marL="3886200" indent="-228600" algn="l" defTabSz="914400" rtl="0" eaLnBrk="1" latinLnBrk="0" hangingPunct="1">
+              <a:lnSpc>
+                <a:spcPct val="90000"/>
+              </a:lnSpc>
+              <a:spcBef>
+                <a:spcPts val="500"/>
+              </a:spcBef>
+              <a:buFont typeface="Arial" panose="020B0604020202020204" pitchFamily="34" charset="0"/>
+              <a:buChar char="•"/>
+              <a:defRPr sz="1800" kern="1200">
+                <a:solidFill>
+                  <a:schemeClr val="tx1"/>
+                </a:solidFill>
+                <a:latin typeface="+mn-lt"/>
+                <a:ea typeface="+mn-ea"/>
+                <a:cs typeface="+mn-cs"/>
+              </a:defRPr>
+            </a:lvl9pPr>
+          </a:lstStyle>
+          <a:p>
+            <a:endParaRPr lang="en-US" altLang="zh-CN" sz="2000" dirty="0" smtClean="0">
+              <a:solidFill>
+                <a:schemeClr val="bg1">
+                  <a:lumMod val="65000"/>
+                </a:schemeClr>
+              </a:solidFill>
+            </a:endParaRPr>
+          </a:p>
+          <a:p>
+            <a:pPr marL="0" indent="0">
+              <a:buNone/>
+            </a:pPr>
+            <a:endParaRPr lang="en-US" altLang="zh-CN" sz="2000" dirty="0">
+              <a:solidFill>
+                <a:schemeClr val="bg1">
+                  <a:lumMod val="65000"/>
+                </a:schemeClr>
+              </a:solidFill>
+            </a:endParaRPr>
+          </a:p>
+          <a:p>
+            <a:endParaRPr lang="zh-CN" altLang="en-US" sz="2000" dirty="0">
+              <a:solidFill>
+                <a:schemeClr val="bg1">
+                  <a:lumMod val="65000"/>
+                </a:schemeClr>
+              </a:solidFill>
+            </a:endParaRPr>
+          </a:p>
+        </p:txBody>
+      </p:sp>
+      <p:sp>
+        <p:nvSpPr>
+          <p:cNvPr id="7" name="副标题 2"/>
+          <p:cNvSpPr txBox="1">
+            <a:spLocks/>
+          </p:cNvSpPr>
+          <p:nvPr/>
+        </p:nvSpPr>
+        <p:spPr>
+          <a:xfrm>
+            <a:off x="5394558" y="1903211"/>
+            <a:ext cx="6020202" cy="4050808"/>
+          </a:xfrm>
+          <a:prstGeom prst="rect">
+            <a:avLst/>
+          </a:prstGeom>
+        </p:spPr>
+        <p:txBody>
+          <a:bodyPr vert="horz" lIns="91440" tIns="45720" rIns="91440" bIns="45720" rtlCol="0">
+            <a:normAutofit/>
+          </a:bodyPr>
+          <a:lstStyle>
+            <a:lvl1pPr marL="228600" indent="-228600" algn="l" defTabSz="914400" rtl="0" eaLnBrk="1" latinLnBrk="0" hangingPunct="1">
+              <a:lnSpc>
+                <a:spcPct val="90000"/>
+              </a:lnSpc>
+              <a:spcBef>
+                <a:spcPts val="1000"/>
+              </a:spcBef>
+              <a:buFont typeface="Arial" panose="020B0604020202020204" pitchFamily="34" charset="0"/>
+              <a:buChar char="•"/>
+              <a:defRPr sz="2800" kern="1200">
+                <a:solidFill>
+                  <a:schemeClr val="tx1"/>
+                </a:solidFill>
+                <a:latin typeface="+mn-lt"/>
+                <a:ea typeface="+mn-ea"/>
+                <a:cs typeface="+mn-cs"/>
+              </a:defRPr>
+            </a:lvl1pPr>
+            <a:lvl2pPr marL="685800" indent="-228600" algn="l" defTabSz="914400" rtl="0" eaLnBrk="1" latinLnBrk="0" hangingPunct="1">
+              <a:lnSpc>
+                <a:spcPct val="90000"/>
+              </a:lnSpc>
+              <a:spcBef>
+                <a:spcPts val="500"/>
+              </a:spcBef>
+              <a:buFont typeface="Arial" panose="020B0604020202020204" pitchFamily="34" charset="0"/>
+              <a:buChar char="•"/>
+              <a:defRPr sz="2400" kern="1200">
+                <a:solidFill>
+                  <a:schemeClr val="tx1"/>
+                </a:solidFill>
+                <a:latin typeface="+mn-lt"/>
+                <a:ea typeface="+mn-ea"/>
+                <a:cs typeface="+mn-cs"/>
+              </a:defRPr>
+            </a:lvl2pPr>
+            <a:lvl3pPr marL="1143000" indent="-228600" algn="l" defTabSz="914400" rtl="0" eaLnBrk="1" latinLnBrk="0" hangingPunct="1">
+              <a:lnSpc>
+                <a:spcPct val="90000"/>
+              </a:lnSpc>
+              <a:spcBef>
+                <a:spcPts val="500"/>
+              </a:spcBef>
+              <a:buFont typeface="Arial" panose="020B0604020202020204" pitchFamily="34" charset="0"/>
+              <a:buChar char="•"/>
+              <a:defRPr sz="2000" kern="1200">
+                <a:solidFill>
+                  <a:schemeClr val="tx1"/>
+                </a:solidFill>
+                <a:latin typeface="+mn-lt"/>
+                <a:ea typeface="+mn-ea"/>
+                <a:cs typeface="+mn-cs"/>
+              </a:defRPr>
+            </a:lvl3pPr>
+            <a:lvl4pPr marL="1600200" indent="-228600" algn="l" defTabSz="914400" rtl="0" eaLnBrk="1" latinLnBrk="0" hangingPunct="1">
+              <a:lnSpc>
+                <a:spcPct val="90000"/>
+              </a:lnSpc>
+              <a:spcBef>
+                <a:spcPts val="500"/>
+              </a:spcBef>
+              <a:buFont typeface="Arial" panose="020B0604020202020204" pitchFamily="34" charset="0"/>
+              <a:buChar char="•"/>
+              <a:defRPr sz="1800" kern="1200">
+                <a:solidFill>
+                  <a:schemeClr val="tx1"/>
+                </a:solidFill>
+                <a:latin typeface="+mn-lt"/>
+                <a:ea typeface="+mn-ea"/>
+                <a:cs typeface="+mn-cs"/>
+              </a:defRPr>
+            </a:lvl4pPr>
+            <a:lvl5pPr marL="2057400" indent="-228600" algn="l" defTabSz="914400" rtl="0" eaLnBrk="1" latinLnBrk="0" hangingPunct="1">
+              <a:lnSpc>
+                <a:spcPct val="90000"/>
+              </a:lnSpc>
+              <a:spcBef>
+                <a:spcPts val="500"/>
+              </a:spcBef>
+              <a:buFont typeface="Arial" panose="020B0604020202020204" pitchFamily="34" charset="0"/>
+              <a:buChar char="•"/>
+              <a:defRPr sz="1800" kern="1200">
+                <a:solidFill>
+                  <a:schemeClr val="tx1"/>
+                </a:solidFill>
+                <a:latin typeface="+mn-lt"/>
+                <a:ea typeface="+mn-ea"/>
+                <a:cs typeface="+mn-cs"/>
+              </a:defRPr>
+            </a:lvl5pPr>
+            <a:lvl6pPr marL="2514600" indent="-228600" algn="l" defTabSz="914400" rtl="0" eaLnBrk="1" latinLnBrk="0" hangingPunct="1">
+              <a:lnSpc>
+                <a:spcPct val="90000"/>
+              </a:lnSpc>
+              <a:spcBef>
+                <a:spcPts val="500"/>
+              </a:spcBef>
+              <a:buFont typeface="Arial" panose="020B0604020202020204" pitchFamily="34" charset="0"/>
+              <a:buChar char="•"/>
+              <a:defRPr sz="1800" kern="1200">
+                <a:solidFill>
+                  <a:schemeClr val="tx1"/>
+                </a:solidFill>
+                <a:latin typeface="+mn-lt"/>
+                <a:ea typeface="+mn-ea"/>
+                <a:cs typeface="+mn-cs"/>
+              </a:defRPr>
+            </a:lvl6pPr>
+            <a:lvl7pPr marL="2971800" indent="-228600" algn="l" defTabSz="914400" rtl="0" eaLnBrk="1" latinLnBrk="0" hangingPunct="1">
+              <a:lnSpc>
+                <a:spcPct val="90000"/>
+              </a:lnSpc>
+              <a:spcBef>
+                <a:spcPts val="500"/>
+              </a:spcBef>
+              <a:buFont typeface="Arial" panose="020B0604020202020204" pitchFamily="34" charset="0"/>
+              <a:buChar char="•"/>
+              <a:defRPr sz="1800" kern="1200">
+                <a:solidFill>
+                  <a:schemeClr val="tx1"/>
+                </a:solidFill>
+                <a:latin typeface="+mn-lt"/>
+                <a:ea typeface="+mn-ea"/>
+                <a:cs typeface="+mn-cs"/>
+              </a:defRPr>
+            </a:lvl7pPr>
+            <a:lvl8pPr marL="3429000" indent="-228600" algn="l" defTabSz="914400" rtl="0" eaLnBrk="1" latinLnBrk="0" hangingPunct="1">
+              <a:lnSpc>
+                <a:spcPct val="90000"/>
+              </a:lnSpc>
+              <a:spcBef>
+                <a:spcPts val="500"/>
+              </a:spcBef>
+              <a:buFont typeface="Arial" panose="020B0604020202020204" pitchFamily="34" charset="0"/>
+              <a:buChar char="•"/>
+              <a:defRPr sz="1800" kern="1200">
+                <a:solidFill>
+                  <a:schemeClr val="tx1"/>
+                </a:solidFill>
+                <a:latin typeface="+mn-lt"/>
+                <a:ea typeface="+mn-ea"/>
+                <a:cs typeface="+mn-cs"/>
+              </a:defRPr>
+            </a:lvl8pPr>
+            <a:lvl9pPr marL="3886200" indent="-228600" algn="l" defTabSz="914400" rtl="0" eaLnBrk="1" latinLnBrk="0" hangingPunct="1">
+              <a:lnSpc>
+                <a:spcPct val="90000"/>
+              </a:lnSpc>
+              <a:spcBef>
+                <a:spcPts val="500"/>
+              </a:spcBef>
+              <a:buFont typeface="Arial" panose="020B0604020202020204" pitchFamily="34" charset="0"/>
+              <a:buChar char="•"/>
+              <a:defRPr sz="1800" kern="1200">
+                <a:solidFill>
+                  <a:schemeClr val="tx1"/>
+                </a:solidFill>
+                <a:latin typeface="+mn-lt"/>
+                <a:ea typeface="+mn-ea"/>
+                <a:cs typeface="+mn-cs"/>
+              </a:defRPr>
+            </a:lvl9pPr>
+          </a:lstStyle>
+          <a:p>
+            <a:pPr marL="0" indent="0">
+              <a:buNone/>
+            </a:pPr>
+            <a:r>
+              <a:rPr lang="zh-CN" altLang="en-US" sz="3200" dirty="0" smtClean="0">
+                <a:solidFill>
+                  <a:schemeClr val="bg1">
+                    <a:lumMod val="65000"/>
+                  </a:schemeClr>
+                </a:solidFill>
+              </a:rPr>
+              <a:t>相关链接</a:t>
+            </a:r>
+            <a:endParaRPr lang="en-US" altLang="zh-CN" sz="3200" dirty="0" smtClean="0">
+              <a:solidFill>
+                <a:schemeClr val="bg1">
+                  <a:lumMod val="65000"/>
+                </a:schemeClr>
+              </a:solidFill>
+            </a:endParaRPr>
+          </a:p>
+          <a:p>
+            <a:pPr marL="0" indent="0">
+              <a:buNone/>
+            </a:pPr>
+            <a:endParaRPr lang="en-US" altLang="zh-CN" sz="3200" dirty="0" smtClean="0">
+              <a:solidFill>
+                <a:schemeClr val="bg1">
+                  <a:lumMod val="65000"/>
+                </a:schemeClr>
+              </a:solidFill>
+            </a:endParaRPr>
+          </a:p>
+          <a:p>
+            <a:endParaRPr lang="en-US" altLang="zh-CN" sz="2000" dirty="0" smtClean="0">
+              <a:solidFill>
+                <a:schemeClr val="bg1">
+                  <a:lumMod val="65000"/>
+                </a:schemeClr>
+              </a:solidFill>
+              <a:hlinkClick r:id="rId3"/>
+            </a:endParaRPr>
+          </a:p>
+          <a:p>
+            <a:r>
+              <a:rPr lang="en-US" altLang="zh-CN" sz="2000" dirty="0" smtClean="0">
+                <a:solidFill>
+                  <a:schemeClr val="bg1">
+                    <a:lumMod val="65000"/>
+                  </a:schemeClr>
+                </a:solidFill>
+                <a:hlinkClick r:id="rId3"/>
+              </a:rPr>
+              <a:t>maria.js</a:t>
+            </a:r>
+            <a:r>
+              <a:rPr lang="en-US" altLang="zh-CN" sz="2000" dirty="0" smtClean="0">
+                <a:solidFill>
+                  <a:schemeClr val="bg1">
+                    <a:lumMod val="65000"/>
+                  </a:schemeClr>
+                </a:solidFill>
+                <a:hlinkClick r:id="rId3"/>
+              </a:rPr>
+              <a:t>(</a:t>
+            </a:r>
+            <a:r>
+              <a:rPr lang="zh-CN" altLang="en-US" sz="2000" dirty="0" smtClean="0">
+                <a:solidFill>
+                  <a:schemeClr val="bg1">
+                    <a:lumMod val="65000"/>
+                  </a:schemeClr>
+                </a:solidFill>
+                <a:hlinkClick r:id="rId3"/>
+              </a:rPr>
+              <a:t>严格遵守</a:t>
+            </a:r>
+            <a:r>
+              <a:rPr lang="en-US" altLang="zh-CN" sz="2000" dirty="0" smtClean="0">
+                <a:solidFill>
+                  <a:schemeClr val="bg1">
+                    <a:lumMod val="65000"/>
+                  </a:schemeClr>
+                </a:solidFill>
+                <a:hlinkClick r:id="rId3"/>
+              </a:rPr>
+              <a:t>Smalltalk-80 MVC</a:t>
+            </a:r>
+            <a:r>
+              <a:rPr lang="zh-CN" altLang="en-US" sz="2000" dirty="0" smtClean="0">
+                <a:solidFill>
+                  <a:schemeClr val="bg1">
+                    <a:lumMod val="65000"/>
+                  </a:schemeClr>
+                </a:solidFill>
+                <a:hlinkClick r:id="rId3"/>
+              </a:rPr>
+              <a:t>模式</a:t>
+            </a:r>
+            <a:r>
+              <a:rPr lang="en-US" altLang="zh-CN" sz="2000" dirty="0" smtClean="0">
+                <a:solidFill>
+                  <a:schemeClr val="bg1">
+                    <a:lumMod val="65000"/>
+                  </a:schemeClr>
+                </a:solidFill>
+                <a:hlinkClick r:id="rId3"/>
+              </a:rPr>
+              <a:t>)</a:t>
+            </a:r>
+            <a:endParaRPr lang="en-US" altLang="zh-CN" sz="2000" dirty="0">
+              <a:solidFill>
+                <a:schemeClr val="bg1">
+                  <a:lumMod val="65000"/>
+                </a:schemeClr>
+              </a:solidFill>
+            </a:endParaRPr>
+          </a:p>
+          <a:p>
+            <a:r>
+              <a:rPr lang="en-US" altLang="zh-CN" sz="2000" dirty="0" smtClean="0">
+                <a:solidFill>
+                  <a:schemeClr val="bg1">
+                    <a:lumMod val="65000"/>
+                  </a:schemeClr>
+                </a:solidFill>
+                <a:hlinkClick r:id="rId4"/>
+              </a:rPr>
+              <a:t>JavaScript MVC Demo</a:t>
+            </a:r>
+            <a:endParaRPr lang="en-US" altLang="zh-CN" sz="2000" dirty="0" smtClean="0">
+              <a:solidFill>
+                <a:schemeClr val="bg1">
+                  <a:lumMod val="65000"/>
+                </a:schemeClr>
+              </a:solidFill>
+            </a:endParaRPr>
+          </a:p>
+          <a:p>
+            <a:endParaRPr lang="en-US" altLang="zh-CN" sz="2000" dirty="0" smtClean="0">
+              <a:solidFill>
+                <a:schemeClr val="bg1">
+                  <a:lumMod val="65000"/>
+                </a:schemeClr>
+              </a:solidFill>
+            </a:endParaRPr>
+          </a:p>
+          <a:p>
+            <a:endParaRPr lang="en-US" altLang="zh-CN" sz="2000" dirty="0" smtClean="0">
+              <a:solidFill>
+                <a:schemeClr val="bg1">
+                  <a:lumMod val="65000"/>
+                </a:schemeClr>
+              </a:solidFill>
+            </a:endParaRPr>
+          </a:p>
+          <a:p>
+            <a:endParaRPr lang="en-US" altLang="zh-CN" sz="2000" dirty="0" smtClean="0">
+              <a:solidFill>
+                <a:schemeClr val="bg1">
+                  <a:lumMod val="65000"/>
+                </a:schemeClr>
+              </a:solidFill>
+            </a:endParaRPr>
+          </a:p>
+          <a:p>
+            <a:pPr marL="0" indent="0">
+              <a:buNone/>
+            </a:pPr>
+            <a:endParaRPr lang="en-US" altLang="zh-CN" sz="2000" dirty="0">
+              <a:solidFill>
+                <a:schemeClr val="bg1">
+                  <a:lumMod val="65000"/>
+                </a:schemeClr>
+              </a:solidFill>
+            </a:endParaRPr>
+          </a:p>
+          <a:p>
+            <a:endParaRPr lang="zh-CN" altLang="en-US" sz="2000" dirty="0">
+              <a:solidFill>
+                <a:schemeClr val="bg1">
+                  <a:lumMod val="65000"/>
+                </a:schemeClr>
+              </a:solidFill>
+            </a:endParaRPr>
+          </a:p>
+        </p:txBody>
+      </p:sp>
+    </p:spTree>
+    <p:extLst>
+      <p:ext uri="{BB962C8B-B14F-4D97-AF65-F5344CB8AC3E}">
+        <p14:creationId xmlns:p14="http://schemas.microsoft.com/office/powerpoint/2010/main" val="2275452363"/>
+      </p:ext>
+    </p:extLst>
+  </p:cSld>
+  <p:clrMapOvr>
+    <a:masterClrMapping/>
+  </p:clrMapOvr>
+  <p:timing>
+    <p:tnLst>
+      <p:par>
+        <p:cTn id="1" dur="indefinite" restart="never" nodeType="tmRoot"/>
+      </p:par>
+    </p:tnLst>
+  </p:timing>
+</p:sld>
+</file>
+
+<file path=ppt/slides/slide11.xml><?xml version="1.0" encoding="utf-8"?>
+<p:sld xmlns:a="http://schemas.openxmlformats.org/drawingml/2006/main" xmlns:r="http://schemas.openxmlformats.org/officeDocument/2006/relationships" xmlns:p="http://schemas.openxmlformats.org/presentationml/2006/main">
+  <p:cSld>
+    <p:spTree>
+      <p:nvGrpSpPr>
+        <p:cNvPr id="1" name=""/>
+        <p:cNvGrpSpPr/>
+        <p:nvPr/>
+      </p:nvGrpSpPr>
+      <p:grpSpPr>
+        <a:xfrm>
+          <a:off x="0" y="0"/>
+          <a:ext cx="0" cy="0"/>
+          <a:chOff x="0" y="0"/>
+          <a:chExt cx="0" cy="0"/>
+        </a:xfrm>
+      </p:grpSpPr>
+      <p:sp>
+        <p:nvSpPr>
+          <p:cNvPr id="2" name="标题 1"/>
+          <p:cNvSpPr>
+            <a:spLocks noGrp="1"/>
+          </p:cNvSpPr>
+          <p:nvPr>
+            <p:ph type="title"/>
+          </p:nvPr>
+        </p:nvSpPr>
+        <p:spPr/>
+        <p:txBody>
+          <a:bodyPr/>
+          <a:lstStyle/>
+          <a:p>
+            <a:endParaRPr lang="zh-CN" altLang="en-US" dirty="0"/>
+          </a:p>
+        </p:txBody>
+      </p:sp>
+      <p:sp>
+        <p:nvSpPr>
+          <p:cNvPr id="3" name="内容占位符 2"/>
+          <p:cNvSpPr>
+            <a:spLocks noGrp="1"/>
+          </p:cNvSpPr>
+          <p:nvPr>
+            <p:ph idx="1"/>
+          </p:nvPr>
+        </p:nvSpPr>
+        <p:spPr/>
+        <p:txBody>
+          <a:bodyPr/>
+          <a:lstStyle/>
+          <a:p>
+            <a:endParaRPr lang="zh-CN" altLang="en-US"/>
+          </a:p>
+        </p:txBody>
+      </p:sp>
+    </p:spTree>
+    <p:extLst>
+      <p:ext uri="{BB962C8B-B14F-4D97-AF65-F5344CB8AC3E}">
+        <p14:creationId xmlns:p14="http://schemas.microsoft.com/office/powerpoint/2010/main" val="3345345371"/>
       </p:ext>
     </p:extLst>
   </p:cSld>
@@ -13571,26 +14501,6 @@
             </a:lvl9pPr>
           </a:lstStyle>
           <a:p>
-            <a:r>
-              <a:rPr lang="en-US" altLang="zh-CN" sz="2000" dirty="0" smtClean="0">
-                <a:solidFill>
-                  <a:schemeClr val="bg1">
-                    <a:lumMod val="65000"/>
-                  </a:schemeClr>
-                </a:solidFill>
-              </a:rPr>
-              <a:t>Model</a:t>
-            </a:r>
-            <a:r>
-              <a:rPr lang="zh-CN" altLang="en-US" sz="2000" dirty="0" smtClean="0">
-                <a:solidFill>
-                  <a:schemeClr val="bg1">
-                    <a:lumMod val="65000"/>
-                  </a:schemeClr>
-                </a:solidFill>
-              </a:rPr>
-              <a:t>：处理业务逻辑。</a:t>
-            </a:r>
             <a:endParaRPr lang="en-US" altLang="zh-CN" sz="2000" dirty="0" smtClean="0">
               <a:solidFill>
                 <a:schemeClr val="bg1">
@@ -13600,27 +14510,10 @@
             </a:endParaRPr>
           </a:p>
           <a:p>
-            <a:r>
-              <a:rPr lang="en-US" altLang="zh-CN" sz="2000" dirty="0" smtClean="0">
-                <a:solidFill>
-                  <a:schemeClr val="bg1">
-                    <a:lumMod val="65000"/>
-                  </a:schemeClr>
-                </a:solidFill>
-              </a:rPr>
-              <a:t>View</a:t>
-            </a:r>
-            <a:r>
-              <a:rPr lang="zh-CN" altLang="en-US" sz="2000" smtClean="0">
-                <a:solidFill>
-                  <a:schemeClr val="bg1">
-                    <a:lumMod val="65000"/>
-                  </a:schemeClr>
-                </a:solidFill>
-              </a:rPr>
-              <a:t>：</a:t>
-            </a:r>
-            <a:endParaRPr lang="en-US" altLang="zh-CN" sz="2000" dirty="0" smtClean="0">
+            <a:pPr marL="0" indent="0">
+              <a:buNone/>
+            </a:pPr>
+            <a:endParaRPr lang="en-US" altLang="zh-CN" sz="2000" dirty="0">
               <a:solidFill>
                 <a:schemeClr val="bg1">
                   <a:lumMod val="65000"/>
@@ -13629,86 +14522,227 @@
             </a:endParaRPr>
           </a:p>
           <a:p>
-            <a:r>
-              <a:rPr lang="en-US" altLang="zh-CN" sz="2000" dirty="0" smtClean="0">
-                <a:solidFill>
-                  <a:schemeClr val="bg1">
-                    <a:lumMod val="65000"/>
-                  </a:schemeClr>
-                </a:solidFill>
-              </a:rPr>
-              <a:t>View</a:t>
-            </a:r>
-            <a:r>
-              <a:rPr lang="zh-CN" altLang="en-US" sz="2000" dirty="0" smtClean="0">
-                <a:solidFill>
-                  <a:schemeClr val="bg1">
-                    <a:lumMod val="65000"/>
-                  </a:schemeClr>
-                </a:solidFill>
-              </a:rPr>
-              <a:t>和</a:t>
-            </a:r>
-            <a:r>
-              <a:rPr lang="en-US" altLang="zh-CN" sz="2000" dirty="0" smtClean="0">
-                <a:solidFill>
-                  <a:schemeClr val="bg1">
-                    <a:lumMod val="65000"/>
-                  </a:schemeClr>
-                </a:solidFill>
-              </a:rPr>
-              <a:t>Model</a:t>
-            </a:r>
-            <a:r>
-              <a:rPr lang="zh-CN" altLang="en-US" sz="2000" dirty="0" smtClean="0">
-                <a:solidFill>
-                  <a:schemeClr val="bg1">
-                    <a:lumMod val="65000"/>
-                  </a:schemeClr>
-                </a:solidFill>
-              </a:rPr>
-              <a:t>天生可以自然分层，但是</a:t>
-            </a:r>
-            <a:r>
-              <a:rPr lang="en-US" altLang="zh-CN" sz="2000" dirty="0" smtClean="0">
-                <a:solidFill>
-                  <a:schemeClr val="bg1">
-                    <a:lumMod val="65000"/>
-                  </a:schemeClr>
-                </a:solidFill>
-              </a:rPr>
-              <a:t>Logic</a:t>
-            </a:r>
-            <a:r>
-              <a:rPr lang="zh-CN" altLang="en-US" sz="2000" dirty="0" smtClean="0">
-                <a:solidFill>
-                  <a:schemeClr val="bg1">
-                    <a:lumMod val="65000"/>
-                  </a:schemeClr>
-                </a:solidFill>
-              </a:rPr>
-              <a:t>和</a:t>
-            </a:r>
-            <a:r>
-              <a:rPr lang="en-US" altLang="zh-CN" sz="2000" dirty="0" smtClean="0">
-                <a:solidFill>
-                  <a:schemeClr val="bg1">
-                    <a:lumMod val="65000"/>
-                  </a:schemeClr>
-                </a:solidFill>
-              </a:rPr>
-              <a:t>Sync</a:t>
-            </a:r>
-            <a:r>
-              <a:rPr lang="zh-CN" altLang="en-US" sz="2000" dirty="0" smtClean="0">
-                <a:solidFill>
-                  <a:schemeClr val="bg1">
-                    <a:lumMod val="65000"/>
-                  </a:schemeClr>
-                </a:solidFill>
-              </a:rPr>
-              <a:t>的处理对于复杂的应用程序则是一个需要推敲的大问题。</a:t>
-            </a:r>
+            <a:endParaRPr lang="zh-CN" altLang="en-US" sz="2000" dirty="0">
+              <a:solidFill>
+                <a:schemeClr val="bg1">
+                  <a:lumMod val="65000"/>
+                </a:schemeClr>
+              </a:solidFill>
+            </a:endParaRPr>
+          </a:p>
+        </p:txBody>
+      </p:sp>
+      <p:sp>
+        <p:nvSpPr>
+          <p:cNvPr id="6" name="副标题 2"/>
+          <p:cNvSpPr txBox="1">
+            <a:spLocks/>
+          </p:cNvSpPr>
+          <p:nvPr/>
+        </p:nvSpPr>
+        <p:spPr>
+          <a:xfrm>
+            <a:off x="5394558" y="1903211"/>
+            <a:ext cx="6020202" cy="4050808"/>
+          </a:xfrm>
+          <a:prstGeom prst="rect">
+            <a:avLst/>
+          </a:prstGeom>
+        </p:spPr>
+        <p:txBody>
+          <a:bodyPr vert="horz" lIns="91440" tIns="45720" rIns="91440" bIns="45720" rtlCol="0">
+            <a:normAutofit/>
+          </a:bodyPr>
+          <a:lstStyle>
+            <a:lvl1pPr marL="228600" indent="-228600" algn="l" defTabSz="914400" rtl="0" eaLnBrk="1" latinLnBrk="0" hangingPunct="1">
+              <a:lnSpc>
+                <a:spcPct val="90000"/>
+              </a:lnSpc>
+              <a:spcBef>
+                <a:spcPts val="1000"/>
+              </a:spcBef>
+              <a:buFont typeface="Arial" panose="020B0604020202020204" pitchFamily="34" charset="0"/>
+              <a:buChar char="•"/>
+              <a:defRPr sz="2800" kern="1200">
+                <a:solidFill>
+                  <a:schemeClr val="tx1"/>
+                </a:solidFill>
+                <a:latin typeface="+mn-lt"/>
+                <a:ea typeface="+mn-ea"/>
+                <a:cs typeface="+mn-cs"/>
+              </a:defRPr>
+            </a:lvl1pPr>
+            <a:lvl2pPr marL="685800" indent="-228600" algn="l" defTabSz="914400" rtl="0" eaLnBrk="1" latinLnBrk="0" hangingPunct="1">
+              <a:lnSpc>
+                <a:spcPct val="90000"/>
+              </a:lnSpc>
+              <a:spcBef>
+                <a:spcPts val="500"/>
+              </a:spcBef>
+              <a:buFont typeface="Arial" panose="020B0604020202020204" pitchFamily="34" charset="0"/>
+              <a:buChar char="•"/>
+              <a:defRPr sz="2400" kern="1200">
+                <a:solidFill>
+                  <a:schemeClr val="tx1"/>
+                </a:solidFill>
+                <a:latin typeface="+mn-lt"/>
+                <a:ea typeface="+mn-ea"/>
+                <a:cs typeface="+mn-cs"/>
+              </a:defRPr>
+            </a:lvl2pPr>
+            <a:lvl3pPr marL="1143000" indent="-228600" algn="l" defTabSz="914400" rtl="0" eaLnBrk="1" latinLnBrk="0" hangingPunct="1">
+              <a:lnSpc>
+                <a:spcPct val="90000"/>
+              </a:lnSpc>
+              <a:spcBef>
+                <a:spcPts val="500"/>
+              </a:spcBef>
+              <a:buFont typeface="Arial" panose="020B0604020202020204" pitchFamily="34" charset="0"/>
+              <a:buChar char="•"/>
+              <a:defRPr sz="2000" kern="1200">
+                <a:solidFill>
+                  <a:schemeClr val="tx1"/>
+                </a:solidFill>
+                <a:latin typeface="+mn-lt"/>
+                <a:ea typeface="+mn-ea"/>
+                <a:cs typeface="+mn-cs"/>
+              </a:defRPr>
+            </a:lvl3pPr>
+            <a:lvl4pPr marL="1600200" indent="-228600" algn="l" defTabSz="914400" rtl="0" eaLnBrk="1" latinLnBrk="0" hangingPunct="1">
+              <a:lnSpc>
+                <a:spcPct val="90000"/>
+              </a:lnSpc>
+              <a:spcBef>
+                <a:spcPts val="500"/>
+              </a:spcBef>
+              <a:buFont typeface="Arial" panose="020B0604020202020204" pitchFamily="34" charset="0"/>
+              <a:buChar char="•"/>
+              <a:defRPr sz="1800" kern="1200">
+                <a:solidFill>
+                  <a:schemeClr val="tx1"/>
+                </a:solidFill>
+                <a:latin typeface="+mn-lt"/>
+                <a:ea typeface="+mn-ea"/>
+                <a:cs typeface="+mn-cs"/>
+              </a:defRPr>
+            </a:lvl4pPr>
+            <a:lvl5pPr marL="2057400" indent="-228600" algn="l" defTabSz="914400" rtl="0" eaLnBrk="1" latinLnBrk="0" hangingPunct="1">
+              <a:lnSpc>
+                <a:spcPct val="90000"/>
+              </a:lnSpc>
+              <a:spcBef>
+                <a:spcPts val="500"/>
+              </a:spcBef>
+              <a:buFont typeface="Arial" panose="020B0604020202020204" pitchFamily="34" charset="0"/>
+              <a:buChar char="•"/>
+              <a:defRPr sz="1800" kern="1200">
+                <a:solidFill>
+                  <a:schemeClr val="tx1"/>
+                </a:solidFill>
+                <a:latin typeface="+mn-lt"/>
+                <a:ea typeface="+mn-ea"/>
+                <a:cs typeface="+mn-cs"/>
+              </a:defRPr>
+            </a:lvl5pPr>
+            <a:lvl6pPr marL="2514600" indent="-228600" algn="l" defTabSz="914400" rtl="0" eaLnBrk="1" latinLnBrk="0" hangingPunct="1">
+              <a:lnSpc>
+                <a:spcPct val="90000"/>
+              </a:lnSpc>
+              <a:spcBef>
+                <a:spcPts val="500"/>
+              </a:spcBef>
+              <a:buFont typeface="Arial" panose="020B0604020202020204" pitchFamily="34" charset="0"/>
+              <a:buChar char="•"/>
+              <a:defRPr sz="1800" kern="1200">
+                <a:solidFill>
+                  <a:schemeClr val="tx1"/>
+                </a:solidFill>
+                <a:latin typeface="+mn-lt"/>
+                <a:ea typeface="+mn-ea"/>
+                <a:cs typeface="+mn-cs"/>
+              </a:defRPr>
+            </a:lvl6pPr>
+            <a:lvl7pPr marL="2971800" indent="-228600" algn="l" defTabSz="914400" rtl="0" eaLnBrk="1" latinLnBrk="0" hangingPunct="1">
+              <a:lnSpc>
+                <a:spcPct val="90000"/>
+              </a:lnSpc>
+              <a:spcBef>
+                <a:spcPts val="500"/>
+              </a:spcBef>
+              <a:buFont typeface="Arial" panose="020B0604020202020204" pitchFamily="34" charset="0"/>
+              <a:buChar char="•"/>
+              <a:defRPr sz="1800" kern="1200">
+                <a:solidFill>
+                  <a:schemeClr val="tx1"/>
+                </a:solidFill>
+                <a:latin typeface="+mn-lt"/>
+                <a:ea typeface="+mn-ea"/>
+                <a:cs typeface="+mn-cs"/>
+              </a:defRPr>
+            </a:lvl7pPr>
+            <a:lvl8pPr marL="3429000" indent="-228600" algn="l" defTabSz="914400" rtl="0" eaLnBrk="1" latinLnBrk="0" hangingPunct="1">
+              <a:lnSpc>
+                <a:spcPct val="90000"/>
+              </a:lnSpc>
+              <a:spcBef>
+                <a:spcPts val="500"/>
+              </a:spcBef>
+              <a:buFont typeface="Arial" panose="020B0604020202020204" pitchFamily="34" charset="0"/>
+              <a:buChar char="•"/>
+              <a:defRPr sz="1800" kern="1200">
+                <a:solidFill>
+                  <a:schemeClr val="tx1"/>
+                </a:solidFill>
+                <a:latin typeface="+mn-lt"/>
+                <a:ea typeface="+mn-ea"/>
+                <a:cs typeface="+mn-cs"/>
+              </a:defRPr>
+            </a:lvl8pPr>
+            <a:lvl9pPr marL="3886200" indent="-228600" algn="l" defTabSz="914400" rtl="0" eaLnBrk="1" latinLnBrk="0" hangingPunct="1">
+              <a:lnSpc>
+                <a:spcPct val="90000"/>
+              </a:lnSpc>
+              <a:spcBef>
+                <a:spcPts val="500"/>
+              </a:spcBef>
+              <a:buFont typeface="Arial" panose="020B0604020202020204" pitchFamily="34" charset="0"/>
+              <a:buChar char="•"/>
+              <a:defRPr sz="1800" kern="1200">
+                <a:solidFill>
+                  <a:schemeClr val="tx1"/>
+                </a:solidFill>
+                <a:latin typeface="+mn-lt"/>
+                <a:ea typeface="+mn-ea"/>
+                <a:cs typeface="+mn-cs"/>
+              </a:defRPr>
+            </a:lvl9pPr>
+          </a:lstStyle>
+          <a:p>
+            <a:pPr marL="0" indent="0">
+              <a:buNone/>
+            </a:pPr>
+            <a:r>
+              <a:rPr lang="zh-CN" altLang="en-US" dirty="0" smtClean="0">
+                <a:solidFill>
+                  <a:schemeClr val="bg1">
+                    <a:lumMod val="65000"/>
+                  </a:schemeClr>
+                </a:solidFill>
+              </a:rPr>
+              <a:t>历史背景      </a:t>
+            </a:r>
+            <a:endParaRPr lang="en-US" altLang="zh-CN" dirty="0" smtClean="0">
+              <a:solidFill>
+                <a:schemeClr val="bg1">
+                  <a:lumMod val="65000"/>
+                </a:schemeClr>
+              </a:solidFill>
+            </a:endParaRPr>
+          </a:p>
+          <a:p>
+            <a:pPr marL="0" indent="0">
+              <a:buNone/>
+            </a:pPr>
             <a:endParaRPr lang="en-US" altLang="zh-CN" sz="2000" dirty="0">
               <a:solidFill>
                 <a:schemeClr val="bg1">
@@ -13717,6 +14751,543 @@
               </a:solidFill>
             </a:endParaRPr>
           </a:p>
+          <a:p>
+            <a:pPr marL="0" indent="0">
+              <a:lnSpc>
+                <a:spcPct val="150000"/>
+              </a:lnSpc>
+              <a:buNone/>
+            </a:pPr>
+            <a:r>
+              <a:rPr lang="zh-CN" altLang="en-US" sz="2000" dirty="0" smtClean="0">
+                <a:solidFill>
+                  <a:schemeClr val="bg1">
+                    <a:lumMod val="65000"/>
+                  </a:schemeClr>
+                </a:solidFill>
+              </a:rPr>
+              <a:t>早</a:t>
+            </a:r>
+            <a:r>
+              <a:rPr lang="zh-CN" altLang="en-US" sz="2000" dirty="0">
+                <a:solidFill>
+                  <a:schemeClr val="bg1">
+                    <a:lumMod val="65000"/>
+                  </a:schemeClr>
+                </a:solidFill>
+              </a:rPr>
+              <a:t>在上个世纪</a:t>
+            </a:r>
+            <a:r>
+              <a:rPr lang="en-US" altLang="zh-CN" sz="2000" dirty="0">
+                <a:solidFill>
+                  <a:schemeClr val="bg1">
+                    <a:lumMod val="65000"/>
+                  </a:schemeClr>
+                </a:solidFill>
+              </a:rPr>
+              <a:t>70</a:t>
+            </a:r>
+            <a:r>
+              <a:rPr lang="zh-CN" altLang="en-US" sz="2000" dirty="0">
+                <a:solidFill>
+                  <a:schemeClr val="bg1">
+                    <a:lumMod val="65000"/>
+                  </a:schemeClr>
+                </a:solidFill>
+              </a:rPr>
+              <a:t>年代，美国的施乐公司（</a:t>
+            </a:r>
+            <a:r>
+              <a:rPr lang="en-US" altLang="zh-CN" sz="2000" dirty="0">
+                <a:solidFill>
+                  <a:schemeClr val="bg1">
+                    <a:lumMod val="65000"/>
+                  </a:schemeClr>
+                </a:solidFill>
+              </a:rPr>
+              <a:t>Xerox</a:t>
+            </a:r>
+            <a:r>
+              <a:rPr lang="zh-CN" altLang="en-US" sz="2000" dirty="0">
+                <a:solidFill>
+                  <a:schemeClr val="bg1">
+                    <a:lumMod val="65000"/>
+                  </a:schemeClr>
+                </a:solidFill>
+              </a:rPr>
+              <a:t>）的工程师研发了</a:t>
+            </a:r>
+            <a:r>
+              <a:rPr lang="en-US" altLang="zh-CN" sz="2000" dirty="0">
+                <a:solidFill>
+                  <a:schemeClr val="bg1">
+                    <a:lumMod val="65000"/>
+                  </a:schemeClr>
+                </a:solidFill>
+              </a:rPr>
+              <a:t>Smalltalk</a:t>
+            </a:r>
+            <a:r>
+              <a:rPr lang="zh-CN" altLang="en-US" sz="2000" dirty="0">
+                <a:solidFill>
+                  <a:schemeClr val="bg1">
+                    <a:lumMod val="65000"/>
+                  </a:schemeClr>
+                </a:solidFill>
+              </a:rPr>
+              <a:t>编程语言，并且开始用它编写图形界面的应用程序。而在</a:t>
+            </a:r>
+            <a:r>
+              <a:rPr lang="en-US" altLang="zh-CN" sz="2000" dirty="0">
+                <a:solidFill>
+                  <a:schemeClr val="bg1">
+                    <a:lumMod val="50000"/>
+                  </a:schemeClr>
+                </a:solidFill>
+              </a:rPr>
+              <a:t>Smalltalk-80</a:t>
+            </a:r>
+            <a:r>
+              <a:rPr lang="zh-CN" altLang="en-US" sz="2000" dirty="0">
+                <a:solidFill>
+                  <a:schemeClr val="bg1">
+                    <a:lumMod val="65000"/>
+                  </a:schemeClr>
+                </a:solidFill>
+              </a:rPr>
+              <a:t>这个版本的时候，一位叫</a:t>
+            </a:r>
+            <a:r>
+              <a:rPr lang="en-US" altLang="zh-CN" sz="2000" dirty="0" err="1">
+                <a:solidFill>
+                  <a:schemeClr val="bg1">
+                    <a:lumMod val="65000"/>
+                  </a:schemeClr>
+                </a:solidFill>
+              </a:rPr>
+              <a:t>Trygve</a:t>
+            </a:r>
+            <a:r>
+              <a:rPr lang="en-US" altLang="zh-CN" sz="2000" dirty="0">
+                <a:solidFill>
+                  <a:schemeClr val="bg1">
+                    <a:lumMod val="65000"/>
+                  </a:schemeClr>
+                </a:solidFill>
+              </a:rPr>
+              <a:t> </a:t>
+            </a:r>
+            <a:r>
+              <a:rPr lang="en-US" altLang="zh-CN" sz="2000" dirty="0" err="1">
+                <a:solidFill>
+                  <a:schemeClr val="bg1">
+                    <a:lumMod val="65000"/>
+                  </a:schemeClr>
+                </a:solidFill>
+              </a:rPr>
+              <a:t>Reenskaug</a:t>
+            </a:r>
+            <a:r>
+              <a:rPr lang="zh-CN" altLang="en-US" sz="2000" dirty="0">
+                <a:solidFill>
+                  <a:schemeClr val="bg1">
+                    <a:lumMod val="65000"/>
+                  </a:schemeClr>
+                </a:solidFill>
+              </a:rPr>
+              <a:t>的工程师设计了</a:t>
+            </a:r>
+            <a:r>
+              <a:rPr lang="en-US" altLang="zh-CN" sz="2000" dirty="0">
+                <a:solidFill>
+                  <a:schemeClr val="bg1">
+                    <a:lumMod val="65000"/>
+                  </a:schemeClr>
+                </a:solidFill>
+              </a:rPr>
+              <a:t>MVC</a:t>
+            </a:r>
+            <a:r>
+              <a:rPr lang="zh-CN" altLang="en-US" sz="2000" dirty="0">
+                <a:solidFill>
+                  <a:schemeClr val="bg1">
+                    <a:lumMod val="65000"/>
+                  </a:schemeClr>
+                </a:solidFill>
+              </a:rPr>
+              <a:t>图形应用程序的架构模式，极大地降低了图形应用程序的管理难度</a:t>
+            </a:r>
+            <a:r>
+              <a:rPr lang="zh-CN" altLang="en-US" sz="2000" dirty="0" smtClean="0">
+                <a:solidFill>
+                  <a:schemeClr val="bg1">
+                    <a:lumMod val="65000"/>
+                  </a:schemeClr>
+                </a:solidFill>
+              </a:rPr>
+              <a:t>。</a:t>
+            </a:r>
+            <a:endParaRPr lang="en-US" altLang="zh-CN" sz="2000" dirty="0">
+              <a:solidFill>
+                <a:schemeClr val="bg1">
+                  <a:lumMod val="65000"/>
+                </a:schemeClr>
+              </a:solidFill>
+            </a:endParaRPr>
+          </a:p>
+          <a:p>
+            <a:endParaRPr lang="zh-CN" altLang="en-US" sz="2000" dirty="0">
+              <a:solidFill>
+                <a:schemeClr val="bg1">
+                  <a:lumMod val="65000"/>
+                </a:schemeClr>
+              </a:solidFill>
+            </a:endParaRPr>
+          </a:p>
+        </p:txBody>
+      </p:sp>
+    </p:spTree>
+    <p:extLst>
+      <p:ext uri="{BB962C8B-B14F-4D97-AF65-F5344CB8AC3E}">
+        <p14:creationId xmlns:p14="http://schemas.microsoft.com/office/powerpoint/2010/main" val="3065623847"/>
+      </p:ext>
+    </p:extLst>
+  </p:cSld>
+  <p:clrMapOvr>
+    <a:masterClrMapping/>
+  </p:clrMapOvr>
+  <p:timing>
+    <p:tnLst>
+      <p:par>
+        <p:cTn id="1" dur="indefinite" restart="never" nodeType="tmRoot"/>
+      </p:par>
+    </p:tnLst>
+  </p:timing>
+</p:sld>
+</file>
+
+<file path=ppt/slides/slide6.xml><?xml version="1.0" encoding="utf-8"?>
+<p:sld xmlns:a="http://schemas.openxmlformats.org/drawingml/2006/main" xmlns:r="http://schemas.openxmlformats.org/officeDocument/2006/relationships" xmlns:p="http://schemas.openxmlformats.org/presentationml/2006/main">
+  <p:cSld>
+    <p:spTree>
+      <p:nvGrpSpPr>
+        <p:cNvPr id="1" name=""/>
+        <p:cNvGrpSpPr/>
+        <p:nvPr/>
+      </p:nvGrpSpPr>
+      <p:grpSpPr>
+        <a:xfrm>
+          <a:off x="0" y="0"/>
+          <a:ext cx="0" cy="0"/>
+          <a:chOff x="0" y="0"/>
+          <a:chExt cx="0" cy="0"/>
+        </a:xfrm>
+      </p:grpSpPr>
+      <p:sp>
+        <p:nvSpPr>
+          <p:cNvPr id="2" name="标题 1"/>
+          <p:cNvSpPr>
+            <a:spLocks noGrp="1"/>
+          </p:cNvSpPr>
+          <p:nvPr>
+            <p:ph type="title"/>
+          </p:nvPr>
+        </p:nvSpPr>
+        <p:spPr/>
+        <p:txBody>
+          <a:bodyPr/>
+          <a:lstStyle/>
+          <a:p>
+            <a:r>
+              <a:rPr lang="en-US" altLang="zh-CN" dirty="0" smtClean="0">
+                <a:solidFill>
+                  <a:schemeClr val="bg1">
+                    <a:lumMod val="65000"/>
+                  </a:schemeClr>
+                </a:solidFill>
+              </a:rPr>
+              <a:t>MVC</a:t>
+            </a:r>
+            <a:r>
+              <a:rPr lang="zh-CN" altLang="en-US" sz="1800" dirty="0" smtClean="0">
+                <a:solidFill>
+                  <a:schemeClr val="bg1">
+                    <a:lumMod val="65000"/>
+                  </a:schemeClr>
+                </a:solidFill>
+              </a:rPr>
+              <a:t>（模型</a:t>
+            </a:r>
+            <a:r>
+              <a:rPr lang="en-US" altLang="zh-CN" sz="1800" dirty="0" smtClean="0">
+                <a:solidFill>
+                  <a:schemeClr val="bg1">
+                    <a:lumMod val="65000"/>
+                  </a:schemeClr>
+                </a:solidFill>
+              </a:rPr>
+              <a:t>-</a:t>
+            </a:r>
+            <a:r>
+              <a:rPr lang="zh-CN" altLang="en-US" sz="1800" dirty="0" smtClean="0">
+                <a:solidFill>
+                  <a:schemeClr val="bg1">
+                    <a:lumMod val="65000"/>
+                  </a:schemeClr>
+                </a:solidFill>
+              </a:rPr>
+              <a:t>视图</a:t>
+            </a:r>
+            <a:r>
+              <a:rPr lang="en-US" altLang="zh-CN" sz="1800" dirty="0" smtClean="0">
+                <a:solidFill>
+                  <a:schemeClr val="bg1">
+                    <a:lumMod val="65000"/>
+                  </a:schemeClr>
+                </a:solidFill>
+              </a:rPr>
+              <a:t>-</a:t>
+            </a:r>
+            <a:r>
+              <a:rPr lang="zh-CN" altLang="en-US" sz="1800" dirty="0" smtClean="0">
+                <a:solidFill>
+                  <a:schemeClr val="bg1">
+                    <a:lumMod val="65000"/>
+                  </a:schemeClr>
+                </a:solidFill>
+              </a:rPr>
+              <a:t>控制器）</a:t>
+            </a:r>
+            <a:r>
+              <a:rPr lang="zh-CN" altLang="en-US" dirty="0" smtClean="0">
+                <a:solidFill>
+                  <a:schemeClr val="bg1">
+                    <a:lumMod val="65000"/>
+                  </a:schemeClr>
+                </a:solidFill>
+              </a:rPr>
+              <a:t>模式</a:t>
+            </a:r>
+            <a:endParaRPr lang="zh-CN" altLang="en-US" dirty="0"/>
+          </a:p>
+        </p:txBody>
+      </p:sp>
+      <p:pic>
+        <p:nvPicPr>
+          <p:cNvPr id="5" name="图片 4"/>
+          <p:cNvPicPr>
+            <a:picLocks noChangeAspect="1"/>
+          </p:cNvPicPr>
+          <p:nvPr/>
+        </p:nvPicPr>
+        <p:blipFill>
+          <a:blip r:embed="rId2">
+            <a:extLst>
+              <a:ext uri="{28A0092B-C50C-407E-A947-70E740481C1C}">
+                <a14:useLocalDpi xmlns:a14="http://schemas.microsoft.com/office/drawing/2010/main" val="0"/>
+              </a:ext>
+            </a:extLst>
+          </a:blip>
+          <a:stretch>
+            <a:fillRect/>
+          </a:stretch>
+        </p:blipFill>
+        <p:spPr>
+          <a:xfrm>
+            <a:off x="838200" y="2119782"/>
+            <a:ext cx="3821658" cy="3074698"/>
+          </a:xfrm>
+          <a:prstGeom prst="rect">
+            <a:avLst/>
+          </a:prstGeom>
+        </p:spPr>
+      </p:pic>
+      <p:sp>
+        <p:nvSpPr>
+          <p:cNvPr id="8" name="副标题 2"/>
+          <p:cNvSpPr txBox="1">
+            <a:spLocks/>
+          </p:cNvSpPr>
+          <p:nvPr/>
+        </p:nvSpPr>
+        <p:spPr>
+          <a:xfrm>
+            <a:off x="5242158" y="1750811"/>
+            <a:ext cx="6020202" cy="4050808"/>
+          </a:xfrm>
+          <a:prstGeom prst="rect">
+            <a:avLst/>
+          </a:prstGeom>
+        </p:spPr>
+        <p:txBody>
+          <a:bodyPr vert="horz" lIns="91440" tIns="45720" rIns="91440" bIns="45720" rtlCol="0">
+            <a:normAutofit/>
+          </a:bodyPr>
+          <a:lstStyle>
+            <a:lvl1pPr marL="228600" indent="-228600" algn="l" defTabSz="914400" rtl="0" eaLnBrk="1" latinLnBrk="0" hangingPunct="1">
+              <a:lnSpc>
+                <a:spcPct val="90000"/>
+              </a:lnSpc>
+              <a:spcBef>
+                <a:spcPts val="1000"/>
+              </a:spcBef>
+              <a:buFont typeface="Arial" panose="020B0604020202020204" pitchFamily="34" charset="0"/>
+              <a:buChar char="•"/>
+              <a:defRPr sz="2800" kern="1200">
+                <a:solidFill>
+                  <a:schemeClr val="tx1"/>
+                </a:solidFill>
+                <a:latin typeface="+mn-lt"/>
+                <a:ea typeface="+mn-ea"/>
+                <a:cs typeface="+mn-cs"/>
+              </a:defRPr>
+            </a:lvl1pPr>
+            <a:lvl2pPr marL="685800" indent="-228600" algn="l" defTabSz="914400" rtl="0" eaLnBrk="1" latinLnBrk="0" hangingPunct="1">
+              <a:lnSpc>
+                <a:spcPct val="90000"/>
+              </a:lnSpc>
+              <a:spcBef>
+                <a:spcPts val="500"/>
+              </a:spcBef>
+              <a:buFont typeface="Arial" panose="020B0604020202020204" pitchFamily="34" charset="0"/>
+              <a:buChar char="•"/>
+              <a:defRPr sz="2400" kern="1200">
+                <a:solidFill>
+                  <a:schemeClr val="tx1"/>
+                </a:solidFill>
+                <a:latin typeface="+mn-lt"/>
+                <a:ea typeface="+mn-ea"/>
+                <a:cs typeface="+mn-cs"/>
+              </a:defRPr>
+            </a:lvl2pPr>
+            <a:lvl3pPr marL="1143000" indent="-228600" algn="l" defTabSz="914400" rtl="0" eaLnBrk="1" latinLnBrk="0" hangingPunct="1">
+              <a:lnSpc>
+                <a:spcPct val="90000"/>
+              </a:lnSpc>
+              <a:spcBef>
+                <a:spcPts val="500"/>
+              </a:spcBef>
+              <a:buFont typeface="Arial" panose="020B0604020202020204" pitchFamily="34" charset="0"/>
+              <a:buChar char="•"/>
+              <a:defRPr sz="2000" kern="1200">
+                <a:solidFill>
+                  <a:schemeClr val="tx1"/>
+                </a:solidFill>
+                <a:latin typeface="+mn-lt"/>
+                <a:ea typeface="+mn-ea"/>
+                <a:cs typeface="+mn-cs"/>
+              </a:defRPr>
+            </a:lvl3pPr>
+            <a:lvl4pPr marL="1600200" indent="-228600" algn="l" defTabSz="914400" rtl="0" eaLnBrk="1" latinLnBrk="0" hangingPunct="1">
+              <a:lnSpc>
+                <a:spcPct val="90000"/>
+              </a:lnSpc>
+              <a:spcBef>
+                <a:spcPts val="500"/>
+              </a:spcBef>
+              <a:buFont typeface="Arial" panose="020B0604020202020204" pitchFamily="34" charset="0"/>
+              <a:buChar char="•"/>
+              <a:defRPr sz="1800" kern="1200">
+                <a:solidFill>
+                  <a:schemeClr val="tx1"/>
+                </a:solidFill>
+                <a:latin typeface="+mn-lt"/>
+                <a:ea typeface="+mn-ea"/>
+                <a:cs typeface="+mn-cs"/>
+              </a:defRPr>
+            </a:lvl4pPr>
+            <a:lvl5pPr marL="2057400" indent="-228600" algn="l" defTabSz="914400" rtl="0" eaLnBrk="1" latinLnBrk="0" hangingPunct="1">
+              <a:lnSpc>
+                <a:spcPct val="90000"/>
+              </a:lnSpc>
+              <a:spcBef>
+                <a:spcPts val="500"/>
+              </a:spcBef>
+              <a:buFont typeface="Arial" panose="020B0604020202020204" pitchFamily="34" charset="0"/>
+              <a:buChar char="•"/>
+              <a:defRPr sz="1800" kern="1200">
+                <a:solidFill>
+                  <a:schemeClr val="tx1"/>
+                </a:solidFill>
+                <a:latin typeface="+mn-lt"/>
+                <a:ea typeface="+mn-ea"/>
+                <a:cs typeface="+mn-cs"/>
+              </a:defRPr>
+            </a:lvl5pPr>
+            <a:lvl6pPr marL="2514600" indent="-228600" algn="l" defTabSz="914400" rtl="0" eaLnBrk="1" latinLnBrk="0" hangingPunct="1">
+              <a:lnSpc>
+                <a:spcPct val="90000"/>
+              </a:lnSpc>
+              <a:spcBef>
+                <a:spcPts val="500"/>
+              </a:spcBef>
+              <a:buFont typeface="Arial" panose="020B0604020202020204" pitchFamily="34" charset="0"/>
+              <a:buChar char="•"/>
+              <a:defRPr sz="1800" kern="1200">
+                <a:solidFill>
+                  <a:schemeClr val="tx1"/>
+                </a:solidFill>
+                <a:latin typeface="+mn-lt"/>
+                <a:ea typeface="+mn-ea"/>
+                <a:cs typeface="+mn-cs"/>
+              </a:defRPr>
+            </a:lvl6pPr>
+            <a:lvl7pPr marL="2971800" indent="-228600" algn="l" defTabSz="914400" rtl="0" eaLnBrk="1" latinLnBrk="0" hangingPunct="1">
+              <a:lnSpc>
+                <a:spcPct val="90000"/>
+              </a:lnSpc>
+              <a:spcBef>
+                <a:spcPts val="500"/>
+              </a:spcBef>
+              <a:buFont typeface="Arial" panose="020B0604020202020204" pitchFamily="34" charset="0"/>
+              <a:buChar char="•"/>
+              <a:defRPr sz="1800" kern="1200">
+                <a:solidFill>
+                  <a:schemeClr val="tx1"/>
+                </a:solidFill>
+                <a:latin typeface="+mn-lt"/>
+                <a:ea typeface="+mn-ea"/>
+                <a:cs typeface="+mn-cs"/>
+              </a:defRPr>
+            </a:lvl7pPr>
+            <a:lvl8pPr marL="3429000" indent="-228600" algn="l" defTabSz="914400" rtl="0" eaLnBrk="1" latinLnBrk="0" hangingPunct="1">
+              <a:lnSpc>
+                <a:spcPct val="90000"/>
+              </a:lnSpc>
+              <a:spcBef>
+                <a:spcPts val="500"/>
+              </a:spcBef>
+              <a:buFont typeface="Arial" panose="020B0604020202020204" pitchFamily="34" charset="0"/>
+              <a:buChar char="•"/>
+              <a:defRPr sz="1800" kern="1200">
+                <a:solidFill>
+                  <a:schemeClr val="tx1"/>
+                </a:solidFill>
+                <a:latin typeface="+mn-lt"/>
+                <a:ea typeface="+mn-ea"/>
+                <a:cs typeface="+mn-cs"/>
+              </a:defRPr>
+            </a:lvl8pPr>
+            <a:lvl9pPr marL="3886200" indent="-228600" algn="l" defTabSz="914400" rtl="0" eaLnBrk="1" latinLnBrk="0" hangingPunct="1">
+              <a:lnSpc>
+                <a:spcPct val="90000"/>
+              </a:lnSpc>
+              <a:spcBef>
+                <a:spcPts val="500"/>
+              </a:spcBef>
+              <a:buFont typeface="Arial" panose="020B0604020202020204" pitchFamily="34" charset="0"/>
+              <a:buChar char="•"/>
+              <a:defRPr sz="1800" kern="1200">
+                <a:solidFill>
+                  <a:schemeClr val="tx1"/>
+                </a:solidFill>
+                <a:latin typeface="+mn-lt"/>
+                <a:ea typeface="+mn-ea"/>
+                <a:cs typeface="+mn-cs"/>
+              </a:defRPr>
+            </a:lvl9pPr>
+          </a:lstStyle>
           <a:p>
             <a:endParaRPr lang="en-US" altLang="zh-CN" sz="2000" dirty="0" smtClean="0">
               <a:solidFill>
@@ -13749,10 +15320,2929 @@
           </a:p>
         </p:txBody>
       </p:sp>
+      <p:sp>
+        <p:nvSpPr>
+          <p:cNvPr id="6" name="副标题 2"/>
+          <p:cNvSpPr txBox="1">
+            <a:spLocks/>
+          </p:cNvSpPr>
+          <p:nvPr/>
+        </p:nvSpPr>
+        <p:spPr>
+          <a:xfrm>
+            <a:off x="5394558" y="1903211"/>
+            <a:ext cx="6020202" cy="4050808"/>
+          </a:xfrm>
+          <a:prstGeom prst="rect">
+            <a:avLst/>
+          </a:prstGeom>
+        </p:spPr>
+        <p:txBody>
+          <a:bodyPr vert="horz" lIns="91440" tIns="45720" rIns="91440" bIns="45720" rtlCol="0">
+            <a:normAutofit/>
+          </a:bodyPr>
+          <a:lstStyle>
+            <a:lvl1pPr marL="228600" indent="-228600" algn="l" defTabSz="914400" rtl="0" eaLnBrk="1" latinLnBrk="0" hangingPunct="1">
+              <a:lnSpc>
+                <a:spcPct val="90000"/>
+              </a:lnSpc>
+              <a:spcBef>
+                <a:spcPts val="1000"/>
+              </a:spcBef>
+              <a:buFont typeface="Arial" panose="020B0604020202020204" pitchFamily="34" charset="0"/>
+              <a:buChar char="•"/>
+              <a:defRPr sz="2800" kern="1200">
+                <a:solidFill>
+                  <a:schemeClr val="tx1"/>
+                </a:solidFill>
+                <a:latin typeface="+mn-lt"/>
+                <a:ea typeface="+mn-ea"/>
+                <a:cs typeface="+mn-cs"/>
+              </a:defRPr>
+            </a:lvl1pPr>
+            <a:lvl2pPr marL="685800" indent="-228600" algn="l" defTabSz="914400" rtl="0" eaLnBrk="1" latinLnBrk="0" hangingPunct="1">
+              <a:lnSpc>
+                <a:spcPct val="90000"/>
+              </a:lnSpc>
+              <a:spcBef>
+                <a:spcPts val="500"/>
+              </a:spcBef>
+              <a:buFont typeface="Arial" panose="020B0604020202020204" pitchFamily="34" charset="0"/>
+              <a:buChar char="•"/>
+              <a:defRPr sz="2400" kern="1200">
+                <a:solidFill>
+                  <a:schemeClr val="tx1"/>
+                </a:solidFill>
+                <a:latin typeface="+mn-lt"/>
+                <a:ea typeface="+mn-ea"/>
+                <a:cs typeface="+mn-cs"/>
+              </a:defRPr>
+            </a:lvl2pPr>
+            <a:lvl3pPr marL="1143000" indent="-228600" algn="l" defTabSz="914400" rtl="0" eaLnBrk="1" latinLnBrk="0" hangingPunct="1">
+              <a:lnSpc>
+                <a:spcPct val="90000"/>
+              </a:lnSpc>
+              <a:spcBef>
+                <a:spcPts val="500"/>
+              </a:spcBef>
+              <a:buFont typeface="Arial" panose="020B0604020202020204" pitchFamily="34" charset="0"/>
+              <a:buChar char="•"/>
+              <a:defRPr sz="2000" kern="1200">
+                <a:solidFill>
+                  <a:schemeClr val="tx1"/>
+                </a:solidFill>
+                <a:latin typeface="+mn-lt"/>
+                <a:ea typeface="+mn-ea"/>
+                <a:cs typeface="+mn-cs"/>
+              </a:defRPr>
+            </a:lvl3pPr>
+            <a:lvl4pPr marL="1600200" indent="-228600" algn="l" defTabSz="914400" rtl="0" eaLnBrk="1" latinLnBrk="0" hangingPunct="1">
+              <a:lnSpc>
+                <a:spcPct val="90000"/>
+              </a:lnSpc>
+              <a:spcBef>
+                <a:spcPts val="500"/>
+              </a:spcBef>
+              <a:buFont typeface="Arial" panose="020B0604020202020204" pitchFamily="34" charset="0"/>
+              <a:buChar char="•"/>
+              <a:defRPr sz="1800" kern="1200">
+                <a:solidFill>
+                  <a:schemeClr val="tx1"/>
+                </a:solidFill>
+                <a:latin typeface="+mn-lt"/>
+                <a:ea typeface="+mn-ea"/>
+                <a:cs typeface="+mn-cs"/>
+              </a:defRPr>
+            </a:lvl4pPr>
+            <a:lvl5pPr marL="2057400" indent="-228600" algn="l" defTabSz="914400" rtl="0" eaLnBrk="1" latinLnBrk="0" hangingPunct="1">
+              <a:lnSpc>
+                <a:spcPct val="90000"/>
+              </a:lnSpc>
+              <a:spcBef>
+                <a:spcPts val="500"/>
+              </a:spcBef>
+              <a:buFont typeface="Arial" panose="020B0604020202020204" pitchFamily="34" charset="0"/>
+              <a:buChar char="•"/>
+              <a:defRPr sz="1800" kern="1200">
+                <a:solidFill>
+                  <a:schemeClr val="tx1"/>
+                </a:solidFill>
+                <a:latin typeface="+mn-lt"/>
+                <a:ea typeface="+mn-ea"/>
+                <a:cs typeface="+mn-cs"/>
+              </a:defRPr>
+            </a:lvl5pPr>
+            <a:lvl6pPr marL="2514600" indent="-228600" algn="l" defTabSz="914400" rtl="0" eaLnBrk="1" latinLnBrk="0" hangingPunct="1">
+              <a:lnSpc>
+                <a:spcPct val="90000"/>
+              </a:lnSpc>
+              <a:spcBef>
+                <a:spcPts val="500"/>
+              </a:spcBef>
+              <a:buFont typeface="Arial" panose="020B0604020202020204" pitchFamily="34" charset="0"/>
+              <a:buChar char="•"/>
+              <a:defRPr sz="1800" kern="1200">
+                <a:solidFill>
+                  <a:schemeClr val="tx1"/>
+                </a:solidFill>
+                <a:latin typeface="+mn-lt"/>
+                <a:ea typeface="+mn-ea"/>
+                <a:cs typeface="+mn-cs"/>
+              </a:defRPr>
+            </a:lvl6pPr>
+            <a:lvl7pPr marL="2971800" indent="-228600" algn="l" defTabSz="914400" rtl="0" eaLnBrk="1" latinLnBrk="0" hangingPunct="1">
+              <a:lnSpc>
+                <a:spcPct val="90000"/>
+              </a:lnSpc>
+              <a:spcBef>
+                <a:spcPts val="500"/>
+              </a:spcBef>
+              <a:buFont typeface="Arial" panose="020B0604020202020204" pitchFamily="34" charset="0"/>
+              <a:buChar char="•"/>
+              <a:defRPr sz="1800" kern="1200">
+                <a:solidFill>
+                  <a:schemeClr val="tx1"/>
+                </a:solidFill>
+                <a:latin typeface="+mn-lt"/>
+                <a:ea typeface="+mn-ea"/>
+                <a:cs typeface="+mn-cs"/>
+              </a:defRPr>
+            </a:lvl7pPr>
+            <a:lvl8pPr marL="3429000" indent="-228600" algn="l" defTabSz="914400" rtl="0" eaLnBrk="1" latinLnBrk="0" hangingPunct="1">
+              <a:lnSpc>
+                <a:spcPct val="90000"/>
+              </a:lnSpc>
+              <a:spcBef>
+                <a:spcPts val="500"/>
+              </a:spcBef>
+              <a:buFont typeface="Arial" panose="020B0604020202020204" pitchFamily="34" charset="0"/>
+              <a:buChar char="•"/>
+              <a:defRPr sz="1800" kern="1200">
+                <a:solidFill>
+                  <a:schemeClr val="tx1"/>
+                </a:solidFill>
+                <a:latin typeface="+mn-lt"/>
+                <a:ea typeface="+mn-ea"/>
+                <a:cs typeface="+mn-cs"/>
+              </a:defRPr>
+            </a:lvl8pPr>
+            <a:lvl9pPr marL="3886200" indent="-228600" algn="l" defTabSz="914400" rtl="0" eaLnBrk="1" latinLnBrk="0" hangingPunct="1">
+              <a:lnSpc>
+                <a:spcPct val="90000"/>
+              </a:lnSpc>
+              <a:spcBef>
+                <a:spcPts val="500"/>
+              </a:spcBef>
+              <a:buFont typeface="Arial" panose="020B0604020202020204" pitchFamily="34" charset="0"/>
+              <a:buChar char="•"/>
+              <a:defRPr sz="1800" kern="1200">
+                <a:solidFill>
+                  <a:schemeClr val="tx1"/>
+                </a:solidFill>
+                <a:latin typeface="+mn-lt"/>
+                <a:ea typeface="+mn-ea"/>
+                <a:cs typeface="+mn-cs"/>
+              </a:defRPr>
+            </a:lvl9pPr>
+          </a:lstStyle>
+          <a:p>
+            <a:pPr marL="0" indent="0">
+              <a:buNone/>
+            </a:pPr>
+            <a:r>
+              <a:rPr lang="zh-CN" altLang="en-US" dirty="0" smtClean="0">
+                <a:solidFill>
+                  <a:schemeClr val="bg1">
+                    <a:lumMod val="65000"/>
+                  </a:schemeClr>
+                </a:solidFill>
+              </a:rPr>
+              <a:t>依赖关系</a:t>
+            </a:r>
+            <a:endParaRPr lang="en-US" altLang="zh-CN" dirty="0" smtClean="0">
+              <a:solidFill>
+                <a:schemeClr val="bg1">
+                  <a:lumMod val="65000"/>
+                </a:schemeClr>
+              </a:solidFill>
+            </a:endParaRPr>
+          </a:p>
+          <a:p>
+            <a:pPr marL="0" indent="0">
+              <a:buNone/>
+            </a:pPr>
+            <a:endParaRPr lang="en-US" altLang="zh-CN" sz="2000" dirty="0">
+              <a:solidFill>
+                <a:schemeClr val="bg1">
+                  <a:lumMod val="65000"/>
+                </a:schemeClr>
+              </a:solidFill>
+            </a:endParaRPr>
+          </a:p>
+          <a:p>
+            <a:pPr marL="0" indent="0" algn="just">
+              <a:lnSpc>
+                <a:spcPct val="150000"/>
+              </a:lnSpc>
+              <a:buNone/>
+            </a:pPr>
+            <a:r>
+              <a:rPr lang="en-US" altLang="zh-CN" sz="2000" dirty="0">
+                <a:solidFill>
+                  <a:schemeClr val="bg1">
+                    <a:lumMod val="65000"/>
+                  </a:schemeClr>
+                </a:solidFill>
+              </a:rPr>
+              <a:t>MVC</a:t>
+            </a:r>
+            <a:r>
+              <a:rPr lang="zh-CN" altLang="en-US" sz="2000" dirty="0">
+                <a:solidFill>
+                  <a:schemeClr val="bg1">
+                    <a:lumMod val="65000"/>
+                  </a:schemeClr>
+                </a:solidFill>
+              </a:rPr>
+              <a:t>出了把应用程序分成</a:t>
+            </a:r>
+            <a:r>
+              <a:rPr lang="en-US" altLang="zh-CN" sz="2000" dirty="0">
+                <a:solidFill>
+                  <a:schemeClr val="bg1">
+                    <a:lumMod val="65000"/>
+                  </a:schemeClr>
+                </a:solidFill>
+              </a:rPr>
+              <a:t>View</a:t>
+            </a:r>
+            <a:r>
+              <a:rPr lang="zh-CN" altLang="en-US" sz="2000" dirty="0">
+                <a:solidFill>
+                  <a:schemeClr val="bg1">
+                    <a:lumMod val="65000"/>
+                  </a:schemeClr>
+                </a:solidFill>
+              </a:rPr>
+              <a:t>、</a:t>
+            </a:r>
+            <a:r>
+              <a:rPr lang="en-US" altLang="zh-CN" sz="2000" dirty="0">
+                <a:solidFill>
+                  <a:schemeClr val="bg1">
+                    <a:lumMod val="65000"/>
+                  </a:schemeClr>
+                </a:solidFill>
+              </a:rPr>
+              <a:t>Model</a:t>
+            </a:r>
+            <a:r>
+              <a:rPr lang="zh-CN" altLang="en-US" sz="2000" dirty="0">
+                <a:solidFill>
+                  <a:schemeClr val="bg1">
+                    <a:lumMod val="65000"/>
+                  </a:schemeClr>
+                </a:solidFill>
+              </a:rPr>
+              <a:t>层，还额外的加了一个</a:t>
+            </a:r>
+            <a:r>
+              <a:rPr lang="en-US" altLang="zh-CN" sz="2000" dirty="0">
+                <a:solidFill>
+                  <a:schemeClr val="bg1">
+                    <a:lumMod val="65000"/>
+                  </a:schemeClr>
+                </a:solidFill>
+              </a:rPr>
+              <a:t>Controller</a:t>
+            </a:r>
+            <a:r>
+              <a:rPr lang="zh-CN" altLang="en-US" sz="2000" dirty="0">
+                <a:solidFill>
+                  <a:schemeClr val="bg1">
+                    <a:lumMod val="65000"/>
+                  </a:schemeClr>
+                </a:solidFill>
+              </a:rPr>
+              <a:t>层，它的职责为进行</a:t>
+            </a:r>
+            <a:r>
+              <a:rPr lang="en-US" altLang="zh-CN" sz="2000" dirty="0">
+                <a:solidFill>
+                  <a:schemeClr val="bg1">
+                    <a:lumMod val="65000"/>
+                  </a:schemeClr>
+                </a:solidFill>
+              </a:rPr>
+              <a:t>Model</a:t>
+            </a:r>
+            <a:r>
+              <a:rPr lang="zh-CN" altLang="en-US" sz="2000" dirty="0">
+                <a:solidFill>
+                  <a:schemeClr val="bg1">
+                    <a:lumMod val="65000"/>
+                  </a:schemeClr>
+                </a:solidFill>
+              </a:rPr>
+              <a:t>和</a:t>
+            </a:r>
+            <a:r>
+              <a:rPr lang="en-US" altLang="zh-CN" sz="2000" dirty="0">
+                <a:solidFill>
+                  <a:schemeClr val="bg1">
+                    <a:lumMod val="65000"/>
+                  </a:schemeClr>
+                </a:solidFill>
+              </a:rPr>
+              <a:t>View</a:t>
+            </a:r>
+            <a:r>
+              <a:rPr lang="zh-CN" altLang="en-US" sz="2000" dirty="0">
+                <a:solidFill>
+                  <a:schemeClr val="bg1">
+                    <a:lumMod val="65000"/>
+                  </a:schemeClr>
+                </a:solidFill>
+              </a:rPr>
+              <a:t>之间的协作（路由、输入预处理等）的应用逻辑</a:t>
+            </a:r>
+            <a:r>
+              <a:rPr lang="zh-CN" altLang="en-US" sz="2000" dirty="0" smtClean="0">
+                <a:solidFill>
+                  <a:schemeClr val="bg1">
+                    <a:lumMod val="65000"/>
+                  </a:schemeClr>
+                </a:solidFill>
+              </a:rPr>
+              <a:t>（</a:t>
+            </a:r>
+            <a:r>
+              <a:rPr lang="en-US" altLang="zh-CN" sz="2000" dirty="0">
+                <a:solidFill>
+                  <a:schemeClr val="bg1">
+                    <a:lumMod val="65000"/>
+                  </a:schemeClr>
+                </a:solidFill>
+              </a:rPr>
+              <a:t>A</a:t>
+            </a:r>
+            <a:r>
+              <a:rPr lang="en-US" altLang="zh-CN" sz="2000" dirty="0" smtClean="0">
+                <a:solidFill>
+                  <a:schemeClr val="bg1">
+                    <a:lumMod val="65000"/>
+                  </a:schemeClr>
+                </a:solidFill>
+              </a:rPr>
+              <a:t>pplication Logic</a:t>
+            </a:r>
+            <a:r>
+              <a:rPr lang="zh-CN" altLang="en-US" sz="2000" dirty="0">
+                <a:solidFill>
+                  <a:schemeClr val="bg1">
+                    <a:lumMod val="65000"/>
+                  </a:schemeClr>
+                </a:solidFill>
+              </a:rPr>
+              <a:t>）；</a:t>
+            </a:r>
+            <a:r>
+              <a:rPr lang="en-US" altLang="zh-CN" sz="2000" dirty="0">
+                <a:solidFill>
+                  <a:schemeClr val="bg1">
+                    <a:lumMod val="65000"/>
+                  </a:schemeClr>
+                </a:solidFill>
+              </a:rPr>
+              <a:t>Model</a:t>
+            </a:r>
+            <a:r>
+              <a:rPr lang="zh-CN" altLang="en-US" sz="2000" dirty="0">
+                <a:solidFill>
+                  <a:schemeClr val="bg1">
+                    <a:lumMod val="65000"/>
+                  </a:schemeClr>
+                </a:solidFill>
+              </a:rPr>
+              <a:t>进行处理业务逻辑。</a:t>
+            </a:r>
+          </a:p>
+        </p:txBody>
+      </p:sp>
     </p:spTree>
     <p:extLst>
       <p:ext uri="{BB962C8B-B14F-4D97-AF65-F5344CB8AC3E}">
-        <p14:creationId xmlns:p14="http://schemas.microsoft.com/office/powerpoint/2010/main" val="3065623847"/>
+        <p14:creationId xmlns:p14="http://schemas.microsoft.com/office/powerpoint/2010/main" val="874826769"/>
+      </p:ext>
+    </p:extLst>
+  </p:cSld>
+  <p:clrMapOvr>
+    <a:masterClrMapping/>
+  </p:clrMapOvr>
+  <p:timing>
+    <p:tnLst>
+      <p:par>
+        <p:cTn id="1" dur="indefinite" restart="never" nodeType="tmRoot"/>
+      </p:par>
+    </p:tnLst>
+  </p:timing>
+</p:sld>
+</file>
+
+<file path=ppt/slides/slide7.xml><?xml version="1.0" encoding="utf-8"?>
+<p:sld xmlns:a="http://schemas.openxmlformats.org/drawingml/2006/main" xmlns:r="http://schemas.openxmlformats.org/officeDocument/2006/relationships" xmlns:p="http://schemas.openxmlformats.org/presentationml/2006/main">
+  <p:cSld>
+    <p:spTree>
+      <p:nvGrpSpPr>
+        <p:cNvPr id="1" name=""/>
+        <p:cNvGrpSpPr/>
+        <p:nvPr/>
+      </p:nvGrpSpPr>
+      <p:grpSpPr>
+        <a:xfrm>
+          <a:off x="0" y="0"/>
+          <a:ext cx="0" cy="0"/>
+          <a:chOff x="0" y="0"/>
+          <a:chExt cx="0" cy="0"/>
+        </a:xfrm>
+      </p:grpSpPr>
+      <p:sp>
+        <p:nvSpPr>
+          <p:cNvPr id="2" name="标题 1"/>
+          <p:cNvSpPr>
+            <a:spLocks noGrp="1"/>
+          </p:cNvSpPr>
+          <p:nvPr>
+            <p:ph type="title"/>
+          </p:nvPr>
+        </p:nvSpPr>
+        <p:spPr/>
+        <p:txBody>
+          <a:bodyPr/>
+          <a:lstStyle/>
+          <a:p>
+            <a:r>
+              <a:rPr lang="en-US" altLang="zh-CN" dirty="0" smtClean="0">
+                <a:solidFill>
+                  <a:schemeClr val="bg1">
+                    <a:lumMod val="65000"/>
+                  </a:schemeClr>
+                </a:solidFill>
+              </a:rPr>
+              <a:t>MVC</a:t>
+            </a:r>
+            <a:r>
+              <a:rPr lang="zh-CN" altLang="en-US" sz="1800" dirty="0" smtClean="0">
+                <a:solidFill>
+                  <a:schemeClr val="bg1">
+                    <a:lumMod val="65000"/>
+                  </a:schemeClr>
+                </a:solidFill>
+              </a:rPr>
+              <a:t>（模型</a:t>
+            </a:r>
+            <a:r>
+              <a:rPr lang="en-US" altLang="zh-CN" sz="1800" dirty="0" smtClean="0">
+                <a:solidFill>
+                  <a:schemeClr val="bg1">
+                    <a:lumMod val="65000"/>
+                  </a:schemeClr>
+                </a:solidFill>
+              </a:rPr>
+              <a:t>-</a:t>
+            </a:r>
+            <a:r>
+              <a:rPr lang="zh-CN" altLang="en-US" sz="1800" dirty="0" smtClean="0">
+                <a:solidFill>
+                  <a:schemeClr val="bg1">
+                    <a:lumMod val="65000"/>
+                  </a:schemeClr>
+                </a:solidFill>
+              </a:rPr>
+              <a:t>视图</a:t>
+            </a:r>
+            <a:r>
+              <a:rPr lang="en-US" altLang="zh-CN" sz="1800" dirty="0" smtClean="0">
+                <a:solidFill>
+                  <a:schemeClr val="bg1">
+                    <a:lumMod val="65000"/>
+                  </a:schemeClr>
+                </a:solidFill>
+              </a:rPr>
+              <a:t>-</a:t>
+            </a:r>
+            <a:r>
+              <a:rPr lang="zh-CN" altLang="en-US" sz="1800" dirty="0" smtClean="0">
+                <a:solidFill>
+                  <a:schemeClr val="bg1">
+                    <a:lumMod val="65000"/>
+                  </a:schemeClr>
+                </a:solidFill>
+              </a:rPr>
+              <a:t>控制器）</a:t>
+            </a:r>
+            <a:r>
+              <a:rPr lang="zh-CN" altLang="en-US" dirty="0" smtClean="0">
+                <a:solidFill>
+                  <a:schemeClr val="bg1">
+                    <a:lumMod val="65000"/>
+                  </a:schemeClr>
+                </a:solidFill>
+              </a:rPr>
+              <a:t>模式</a:t>
+            </a:r>
+            <a:endParaRPr lang="zh-CN" altLang="en-US" dirty="0"/>
+          </a:p>
+        </p:txBody>
+      </p:sp>
+      <p:pic>
+        <p:nvPicPr>
+          <p:cNvPr id="5" name="图片 4"/>
+          <p:cNvPicPr>
+            <a:picLocks noChangeAspect="1"/>
+          </p:cNvPicPr>
+          <p:nvPr/>
+        </p:nvPicPr>
+        <p:blipFill>
+          <a:blip r:embed="rId2">
+            <a:extLst>
+              <a:ext uri="{28A0092B-C50C-407E-A947-70E740481C1C}">
+                <a14:useLocalDpi xmlns:a14="http://schemas.microsoft.com/office/drawing/2010/main" val="0"/>
+              </a:ext>
+            </a:extLst>
+          </a:blip>
+          <a:stretch>
+            <a:fillRect/>
+          </a:stretch>
+        </p:blipFill>
+        <p:spPr>
+          <a:xfrm>
+            <a:off x="838200" y="2119782"/>
+            <a:ext cx="3821658" cy="3074698"/>
+          </a:xfrm>
+          <a:prstGeom prst="rect">
+            <a:avLst/>
+          </a:prstGeom>
+        </p:spPr>
+      </p:pic>
+      <p:sp>
+        <p:nvSpPr>
+          <p:cNvPr id="8" name="副标题 2"/>
+          <p:cNvSpPr txBox="1">
+            <a:spLocks/>
+          </p:cNvSpPr>
+          <p:nvPr/>
+        </p:nvSpPr>
+        <p:spPr>
+          <a:xfrm>
+            <a:off x="5242158" y="1750811"/>
+            <a:ext cx="6020202" cy="4050808"/>
+          </a:xfrm>
+          <a:prstGeom prst="rect">
+            <a:avLst/>
+          </a:prstGeom>
+        </p:spPr>
+        <p:txBody>
+          <a:bodyPr vert="horz" lIns="91440" tIns="45720" rIns="91440" bIns="45720" rtlCol="0">
+            <a:normAutofit/>
+          </a:bodyPr>
+          <a:lstStyle>
+            <a:lvl1pPr marL="228600" indent="-228600" algn="l" defTabSz="914400" rtl="0" eaLnBrk="1" latinLnBrk="0" hangingPunct="1">
+              <a:lnSpc>
+                <a:spcPct val="90000"/>
+              </a:lnSpc>
+              <a:spcBef>
+                <a:spcPts val="1000"/>
+              </a:spcBef>
+              <a:buFont typeface="Arial" panose="020B0604020202020204" pitchFamily="34" charset="0"/>
+              <a:buChar char="•"/>
+              <a:defRPr sz="2800" kern="1200">
+                <a:solidFill>
+                  <a:schemeClr val="tx1"/>
+                </a:solidFill>
+                <a:latin typeface="+mn-lt"/>
+                <a:ea typeface="+mn-ea"/>
+                <a:cs typeface="+mn-cs"/>
+              </a:defRPr>
+            </a:lvl1pPr>
+            <a:lvl2pPr marL="685800" indent="-228600" algn="l" defTabSz="914400" rtl="0" eaLnBrk="1" latinLnBrk="0" hangingPunct="1">
+              <a:lnSpc>
+                <a:spcPct val="90000"/>
+              </a:lnSpc>
+              <a:spcBef>
+                <a:spcPts val="500"/>
+              </a:spcBef>
+              <a:buFont typeface="Arial" panose="020B0604020202020204" pitchFamily="34" charset="0"/>
+              <a:buChar char="•"/>
+              <a:defRPr sz="2400" kern="1200">
+                <a:solidFill>
+                  <a:schemeClr val="tx1"/>
+                </a:solidFill>
+                <a:latin typeface="+mn-lt"/>
+                <a:ea typeface="+mn-ea"/>
+                <a:cs typeface="+mn-cs"/>
+              </a:defRPr>
+            </a:lvl2pPr>
+            <a:lvl3pPr marL="1143000" indent="-228600" algn="l" defTabSz="914400" rtl="0" eaLnBrk="1" latinLnBrk="0" hangingPunct="1">
+              <a:lnSpc>
+                <a:spcPct val="90000"/>
+              </a:lnSpc>
+              <a:spcBef>
+                <a:spcPts val="500"/>
+              </a:spcBef>
+              <a:buFont typeface="Arial" panose="020B0604020202020204" pitchFamily="34" charset="0"/>
+              <a:buChar char="•"/>
+              <a:defRPr sz="2000" kern="1200">
+                <a:solidFill>
+                  <a:schemeClr val="tx1"/>
+                </a:solidFill>
+                <a:latin typeface="+mn-lt"/>
+                <a:ea typeface="+mn-ea"/>
+                <a:cs typeface="+mn-cs"/>
+              </a:defRPr>
+            </a:lvl3pPr>
+            <a:lvl4pPr marL="1600200" indent="-228600" algn="l" defTabSz="914400" rtl="0" eaLnBrk="1" latinLnBrk="0" hangingPunct="1">
+              <a:lnSpc>
+                <a:spcPct val="90000"/>
+              </a:lnSpc>
+              <a:spcBef>
+                <a:spcPts val="500"/>
+              </a:spcBef>
+              <a:buFont typeface="Arial" panose="020B0604020202020204" pitchFamily="34" charset="0"/>
+              <a:buChar char="•"/>
+              <a:defRPr sz="1800" kern="1200">
+                <a:solidFill>
+                  <a:schemeClr val="tx1"/>
+                </a:solidFill>
+                <a:latin typeface="+mn-lt"/>
+                <a:ea typeface="+mn-ea"/>
+                <a:cs typeface="+mn-cs"/>
+              </a:defRPr>
+            </a:lvl4pPr>
+            <a:lvl5pPr marL="2057400" indent="-228600" algn="l" defTabSz="914400" rtl="0" eaLnBrk="1" latinLnBrk="0" hangingPunct="1">
+              <a:lnSpc>
+                <a:spcPct val="90000"/>
+              </a:lnSpc>
+              <a:spcBef>
+                <a:spcPts val="500"/>
+              </a:spcBef>
+              <a:buFont typeface="Arial" panose="020B0604020202020204" pitchFamily="34" charset="0"/>
+              <a:buChar char="•"/>
+              <a:defRPr sz="1800" kern="1200">
+                <a:solidFill>
+                  <a:schemeClr val="tx1"/>
+                </a:solidFill>
+                <a:latin typeface="+mn-lt"/>
+                <a:ea typeface="+mn-ea"/>
+                <a:cs typeface="+mn-cs"/>
+              </a:defRPr>
+            </a:lvl5pPr>
+            <a:lvl6pPr marL="2514600" indent="-228600" algn="l" defTabSz="914400" rtl="0" eaLnBrk="1" latinLnBrk="0" hangingPunct="1">
+              <a:lnSpc>
+                <a:spcPct val="90000"/>
+              </a:lnSpc>
+              <a:spcBef>
+                <a:spcPts val="500"/>
+              </a:spcBef>
+              <a:buFont typeface="Arial" panose="020B0604020202020204" pitchFamily="34" charset="0"/>
+              <a:buChar char="•"/>
+              <a:defRPr sz="1800" kern="1200">
+                <a:solidFill>
+                  <a:schemeClr val="tx1"/>
+                </a:solidFill>
+                <a:latin typeface="+mn-lt"/>
+                <a:ea typeface="+mn-ea"/>
+                <a:cs typeface="+mn-cs"/>
+              </a:defRPr>
+            </a:lvl6pPr>
+            <a:lvl7pPr marL="2971800" indent="-228600" algn="l" defTabSz="914400" rtl="0" eaLnBrk="1" latinLnBrk="0" hangingPunct="1">
+              <a:lnSpc>
+                <a:spcPct val="90000"/>
+              </a:lnSpc>
+              <a:spcBef>
+                <a:spcPts val="500"/>
+              </a:spcBef>
+              <a:buFont typeface="Arial" panose="020B0604020202020204" pitchFamily="34" charset="0"/>
+              <a:buChar char="•"/>
+              <a:defRPr sz="1800" kern="1200">
+                <a:solidFill>
+                  <a:schemeClr val="tx1"/>
+                </a:solidFill>
+                <a:latin typeface="+mn-lt"/>
+                <a:ea typeface="+mn-ea"/>
+                <a:cs typeface="+mn-cs"/>
+              </a:defRPr>
+            </a:lvl7pPr>
+            <a:lvl8pPr marL="3429000" indent="-228600" algn="l" defTabSz="914400" rtl="0" eaLnBrk="1" latinLnBrk="0" hangingPunct="1">
+              <a:lnSpc>
+                <a:spcPct val="90000"/>
+              </a:lnSpc>
+              <a:spcBef>
+                <a:spcPts val="500"/>
+              </a:spcBef>
+              <a:buFont typeface="Arial" panose="020B0604020202020204" pitchFamily="34" charset="0"/>
+              <a:buChar char="•"/>
+              <a:defRPr sz="1800" kern="1200">
+                <a:solidFill>
+                  <a:schemeClr val="tx1"/>
+                </a:solidFill>
+                <a:latin typeface="+mn-lt"/>
+                <a:ea typeface="+mn-ea"/>
+                <a:cs typeface="+mn-cs"/>
+              </a:defRPr>
+            </a:lvl8pPr>
+            <a:lvl9pPr marL="3886200" indent="-228600" algn="l" defTabSz="914400" rtl="0" eaLnBrk="1" latinLnBrk="0" hangingPunct="1">
+              <a:lnSpc>
+                <a:spcPct val="90000"/>
+              </a:lnSpc>
+              <a:spcBef>
+                <a:spcPts val="500"/>
+              </a:spcBef>
+              <a:buFont typeface="Arial" panose="020B0604020202020204" pitchFamily="34" charset="0"/>
+              <a:buChar char="•"/>
+              <a:defRPr sz="1800" kern="1200">
+                <a:solidFill>
+                  <a:schemeClr val="tx1"/>
+                </a:solidFill>
+                <a:latin typeface="+mn-lt"/>
+                <a:ea typeface="+mn-ea"/>
+                <a:cs typeface="+mn-cs"/>
+              </a:defRPr>
+            </a:lvl9pPr>
+          </a:lstStyle>
+          <a:p>
+            <a:endParaRPr lang="en-US" altLang="zh-CN" sz="2000" dirty="0" smtClean="0">
+              <a:solidFill>
+                <a:schemeClr val="bg1">
+                  <a:lumMod val="65000"/>
+                </a:schemeClr>
+              </a:solidFill>
+            </a:endParaRPr>
+          </a:p>
+          <a:p>
+            <a:pPr marL="0" indent="0">
+              <a:buNone/>
+            </a:pPr>
+            <a:endParaRPr lang="en-US" altLang="zh-CN" sz="2000" dirty="0">
+              <a:solidFill>
+                <a:schemeClr val="bg1">
+                  <a:lumMod val="65000"/>
+                </a:schemeClr>
+              </a:solidFill>
+            </a:endParaRPr>
+          </a:p>
+          <a:p>
+            <a:endParaRPr lang="zh-CN" altLang="en-US" sz="2000" dirty="0">
+              <a:solidFill>
+                <a:schemeClr val="bg1">
+                  <a:lumMod val="65000"/>
+                </a:schemeClr>
+              </a:solidFill>
+            </a:endParaRPr>
+          </a:p>
+        </p:txBody>
+      </p:sp>
+      <p:sp>
+        <p:nvSpPr>
+          <p:cNvPr id="6" name="副标题 2"/>
+          <p:cNvSpPr txBox="1">
+            <a:spLocks/>
+          </p:cNvSpPr>
+          <p:nvPr/>
+        </p:nvSpPr>
+        <p:spPr>
+          <a:xfrm>
+            <a:off x="5394558" y="1903211"/>
+            <a:ext cx="6020202" cy="4682646"/>
+          </a:xfrm>
+          <a:prstGeom prst="rect">
+            <a:avLst/>
+          </a:prstGeom>
+        </p:spPr>
+        <p:txBody>
+          <a:bodyPr vert="horz" lIns="91440" tIns="45720" rIns="91440" bIns="45720" rtlCol="0">
+            <a:normAutofit fontScale="92500"/>
+          </a:bodyPr>
+          <a:lstStyle>
+            <a:lvl1pPr marL="228600" indent="-228600" algn="l" defTabSz="914400" rtl="0" eaLnBrk="1" latinLnBrk="0" hangingPunct="1">
+              <a:lnSpc>
+                <a:spcPct val="90000"/>
+              </a:lnSpc>
+              <a:spcBef>
+                <a:spcPts val="1000"/>
+              </a:spcBef>
+              <a:buFont typeface="Arial" panose="020B0604020202020204" pitchFamily="34" charset="0"/>
+              <a:buChar char="•"/>
+              <a:defRPr sz="2800" kern="1200">
+                <a:solidFill>
+                  <a:schemeClr val="tx1"/>
+                </a:solidFill>
+                <a:latin typeface="+mn-lt"/>
+                <a:ea typeface="+mn-ea"/>
+                <a:cs typeface="+mn-cs"/>
+              </a:defRPr>
+            </a:lvl1pPr>
+            <a:lvl2pPr marL="685800" indent="-228600" algn="l" defTabSz="914400" rtl="0" eaLnBrk="1" latinLnBrk="0" hangingPunct="1">
+              <a:lnSpc>
+                <a:spcPct val="90000"/>
+              </a:lnSpc>
+              <a:spcBef>
+                <a:spcPts val="500"/>
+              </a:spcBef>
+              <a:buFont typeface="Arial" panose="020B0604020202020204" pitchFamily="34" charset="0"/>
+              <a:buChar char="•"/>
+              <a:defRPr sz="2400" kern="1200">
+                <a:solidFill>
+                  <a:schemeClr val="tx1"/>
+                </a:solidFill>
+                <a:latin typeface="+mn-lt"/>
+                <a:ea typeface="+mn-ea"/>
+                <a:cs typeface="+mn-cs"/>
+              </a:defRPr>
+            </a:lvl2pPr>
+            <a:lvl3pPr marL="1143000" indent="-228600" algn="l" defTabSz="914400" rtl="0" eaLnBrk="1" latinLnBrk="0" hangingPunct="1">
+              <a:lnSpc>
+                <a:spcPct val="90000"/>
+              </a:lnSpc>
+              <a:spcBef>
+                <a:spcPts val="500"/>
+              </a:spcBef>
+              <a:buFont typeface="Arial" panose="020B0604020202020204" pitchFamily="34" charset="0"/>
+              <a:buChar char="•"/>
+              <a:defRPr sz="2000" kern="1200">
+                <a:solidFill>
+                  <a:schemeClr val="tx1"/>
+                </a:solidFill>
+                <a:latin typeface="+mn-lt"/>
+                <a:ea typeface="+mn-ea"/>
+                <a:cs typeface="+mn-cs"/>
+              </a:defRPr>
+            </a:lvl3pPr>
+            <a:lvl4pPr marL="1600200" indent="-228600" algn="l" defTabSz="914400" rtl="0" eaLnBrk="1" latinLnBrk="0" hangingPunct="1">
+              <a:lnSpc>
+                <a:spcPct val="90000"/>
+              </a:lnSpc>
+              <a:spcBef>
+                <a:spcPts val="500"/>
+              </a:spcBef>
+              <a:buFont typeface="Arial" panose="020B0604020202020204" pitchFamily="34" charset="0"/>
+              <a:buChar char="•"/>
+              <a:defRPr sz="1800" kern="1200">
+                <a:solidFill>
+                  <a:schemeClr val="tx1"/>
+                </a:solidFill>
+                <a:latin typeface="+mn-lt"/>
+                <a:ea typeface="+mn-ea"/>
+                <a:cs typeface="+mn-cs"/>
+              </a:defRPr>
+            </a:lvl4pPr>
+            <a:lvl5pPr marL="2057400" indent="-228600" algn="l" defTabSz="914400" rtl="0" eaLnBrk="1" latinLnBrk="0" hangingPunct="1">
+              <a:lnSpc>
+                <a:spcPct val="90000"/>
+              </a:lnSpc>
+              <a:spcBef>
+                <a:spcPts val="500"/>
+              </a:spcBef>
+              <a:buFont typeface="Arial" panose="020B0604020202020204" pitchFamily="34" charset="0"/>
+              <a:buChar char="•"/>
+              <a:defRPr sz="1800" kern="1200">
+                <a:solidFill>
+                  <a:schemeClr val="tx1"/>
+                </a:solidFill>
+                <a:latin typeface="+mn-lt"/>
+                <a:ea typeface="+mn-ea"/>
+                <a:cs typeface="+mn-cs"/>
+              </a:defRPr>
+            </a:lvl5pPr>
+            <a:lvl6pPr marL="2514600" indent="-228600" algn="l" defTabSz="914400" rtl="0" eaLnBrk="1" latinLnBrk="0" hangingPunct="1">
+              <a:lnSpc>
+                <a:spcPct val="90000"/>
+              </a:lnSpc>
+              <a:spcBef>
+                <a:spcPts val="500"/>
+              </a:spcBef>
+              <a:buFont typeface="Arial" panose="020B0604020202020204" pitchFamily="34" charset="0"/>
+              <a:buChar char="•"/>
+              <a:defRPr sz="1800" kern="1200">
+                <a:solidFill>
+                  <a:schemeClr val="tx1"/>
+                </a:solidFill>
+                <a:latin typeface="+mn-lt"/>
+                <a:ea typeface="+mn-ea"/>
+                <a:cs typeface="+mn-cs"/>
+              </a:defRPr>
+            </a:lvl6pPr>
+            <a:lvl7pPr marL="2971800" indent="-228600" algn="l" defTabSz="914400" rtl="0" eaLnBrk="1" latinLnBrk="0" hangingPunct="1">
+              <a:lnSpc>
+                <a:spcPct val="90000"/>
+              </a:lnSpc>
+              <a:spcBef>
+                <a:spcPts val="500"/>
+              </a:spcBef>
+              <a:buFont typeface="Arial" panose="020B0604020202020204" pitchFamily="34" charset="0"/>
+              <a:buChar char="•"/>
+              <a:defRPr sz="1800" kern="1200">
+                <a:solidFill>
+                  <a:schemeClr val="tx1"/>
+                </a:solidFill>
+                <a:latin typeface="+mn-lt"/>
+                <a:ea typeface="+mn-ea"/>
+                <a:cs typeface="+mn-cs"/>
+              </a:defRPr>
+            </a:lvl7pPr>
+            <a:lvl8pPr marL="3429000" indent="-228600" algn="l" defTabSz="914400" rtl="0" eaLnBrk="1" latinLnBrk="0" hangingPunct="1">
+              <a:lnSpc>
+                <a:spcPct val="90000"/>
+              </a:lnSpc>
+              <a:spcBef>
+                <a:spcPts val="500"/>
+              </a:spcBef>
+              <a:buFont typeface="Arial" panose="020B0604020202020204" pitchFamily="34" charset="0"/>
+              <a:buChar char="•"/>
+              <a:defRPr sz="1800" kern="1200">
+                <a:solidFill>
+                  <a:schemeClr val="tx1"/>
+                </a:solidFill>
+                <a:latin typeface="+mn-lt"/>
+                <a:ea typeface="+mn-ea"/>
+                <a:cs typeface="+mn-cs"/>
+              </a:defRPr>
+            </a:lvl8pPr>
+            <a:lvl9pPr marL="3886200" indent="-228600" algn="l" defTabSz="914400" rtl="0" eaLnBrk="1" latinLnBrk="0" hangingPunct="1">
+              <a:lnSpc>
+                <a:spcPct val="90000"/>
+              </a:lnSpc>
+              <a:spcBef>
+                <a:spcPts val="500"/>
+              </a:spcBef>
+              <a:buFont typeface="Arial" panose="020B0604020202020204" pitchFamily="34" charset="0"/>
+              <a:buChar char="•"/>
+              <a:defRPr sz="1800" kern="1200">
+                <a:solidFill>
+                  <a:schemeClr val="tx1"/>
+                </a:solidFill>
+                <a:latin typeface="+mn-lt"/>
+                <a:ea typeface="+mn-ea"/>
+                <a:cs typeface="+mn-cs"/>
+              </a:defRPr>
+            </a:lvl9pPr>
+          </a:lstStyle>
+          <a:p>
+            <a:pPr marL="0" indent="0">
+              <a:buNone/>
+            </a:pPr>
+            <a:r>
+              <a:rPr lang="zh-CN" altLang="en-US" sz="3000" dirty="0">
+                <a:solidFill>
+                  <a:schemeClr val="bg1">
+                    <a:lumMod val="65000"/>
+                  </a:schemeClr>
+                </a:solidFill>
+              </a:rPr>
+              <a:t>调用</a:t>
+            </a:r>
+            <a:r>
+              <a:rPr lang="zh-CN" altLang="en-US" sz="3000" dirty="0" smtClean="0">
+                <a:solidFill>
+                  <a:schemeClr val="bg1">
+                    <a:lumMod val="65000"/>
+                  </a:schemeClr>
+                </a:solidFill>
+              </a:rPr>
+              <a:t>关系</a:t>
+            </a:r>
+            <a:endParaRPr lang="en-US" altLang="zh-CN" sz="3000" dirty="0" smtClean="0">
+              <a:solidFill>
+                <a:schemeClr val="bg1">
+                  <a:lumMod val="65000"/>
+                </a:schemeClr>
+              </a:solidFill>
+            </a:endParaRPr>
+          </a:p>
+          <a:p>
+            <a:pPr marL="0" indent="0">
+              <a:buNone/>
+            </a:pPr>
+            <a:endParaRPr lang="en-US" altLang="zh-CN" sz="2000" dirty="0">
+              <a:solidFill>
+                <a:schemeClr val="bg1">
+                  <a:lumMod val="65000"/>
+                </a:schemeClr>
+              </a:solidFill>
+            </a:endParaRPr>
+          </a:p>
+          <a:p>
+            <a:pPr marL="0" indent="0" algn="just">
+              <a:lnSpc>
+                <a:spcPct val="170000"/>
+              </a:lnSpc>
+              <a:buNone/>
+            </a:pPr>
+            <a:r>
+              <a:rPr lang="zh-CN" altLang="en-US" sz="2000" dirty="0">
+                <a:solidFill>
+                  <a:schemeClr val="bg1">
+                    <a:lumMod val="65000"/>
+                  </a:schemeClr>
+                </a:solidFill>
+              </a:rPr>
+              <a:t>用户的对</a:t>
+            </a:r>
+            <a:r>
+              <a:rPr lang="en-US" altLang="zh-CN" sz="2000" dirty="0">
+                <a:solidFill>
+                  <a:schemeClr val="bg1">
+                    <a:lumMod val="65000"/>
+                  </a:schemeClr>
+                </a:solidFill>
+              </a:rPr>
+              <a:t>View</a:t>
+            </a:r>
+            <a:r>
+              <a:rPr lang="zh-CN" altLang="en-US" sz="2000" dirty="0">
+                <a:solidFill>
+                  <a:schemeClr val="bg1">
+                    <a:lumMod val="65000"/>
+                  </a:schemeClr>
+                </a:solidFill>
+              </a:rPr>
+              <a:t>操作以后，</a:t>
+            </a:r>
+            <a:r>
+              <a:rPr lang="en-US" altLang="zh-CN" sz="2000" dirty="0">
+                <a:solidFill>
+                  <a:schemeClr val="bg1">
+                    <a:lumMod val="65000"/>
+                  </a:schemeClr>
+                </a:solidFill>
+              </a:rPr>
+              <a:t>View</a:t>
+            </a:r>
+            <a:r>
+              <a:rPr lang="zh-CN" altLang="en-US" sz="2000" dirty="0">
+                <a:solidFill>
+                  <a:schemeClr val="bg1">
+                    <a:lumMod val="65000"/>
+                  </a:schemeClr>
+                </a:solidFill>
+              </a:rPr>
+              <a:t>捕获到这个操作，会把处理的权利交移给</a:t>
+            </a:r>
+            <a:r>
+              <a:rPr lang="en-US" altLang="zh-CN" sz="2000" dirty="0">
+                <a:solidFill>
+                  <a:schemeClr val="bg1">
+                    <a:lumMod val="65000"/>
+                  </a:schemeClr>
+                </a:solidFill>
+              </a:rPr>
+              <a:t>Controller</a:t>
+            </a:r>
+            <a:r>
+              <a:rPr lang="zh-CN" altLang="en-US" sz="2000" dirty="0">
+                <a:solidFill>
+                  <a:schemeClr val="bg1">
+                    <a:lumMod val="65000"/>
+                  </a:schemeClr>
+                </a:solidFill>
+              </a:rPr>
+              <a:t>（</a:t>
+            </a:r>
+            <a:r>
+              <a:rPr lang="en-US" altLang="zh-CN" sz="2000" dirty="0">
+                <a:solidFill>
+                  <a:schemeClr val="bg1">
+                    <a:lumMod val="65000"/>
+                  </a:schemeClr>
+                </a:solidFill>
+              </a:rPr>
+              <a:t>Pass calls</a:t>
+            </a:r>
+            <a:r>
+              <a:rPr lang="zh-CN" altLang="en-US" sz="2000" dirty="0">
+                <a:solidFill>
+                  <a:schemeClr val="bg1">
+                    <a:lumMod val="65000"/>
+                  </a:schemeClr>
+                </a:solidFill>
+              </a:rPr>
+              <a:t>）；</a:t>
+            </a:r>
+            <a:r>
+              <a:rPr lang="en-US" altLang="zh-CN" sz="2000" dirty="0">
+                <a:solidFill>
+                  <a:schemeClr val="bg1">
+                    <a:lumMod val="65000"/>
+                  </a:schemeClr>
+                </a:solidFill>
+              </a:rPr>
+              <a:t>Controller</a:t>
+            </a:r>
+            <a:r>
+              <a:rPr lang="zh-CN" altLang="en-US" sz="2000" dirty="0">
+                <a:solidFill>
+                  <a:schemeClr val="bg1">
+                    <a:lumMod val="65000"/>
+                  </a:schemeClr>
+                </a:solidFill>
+              </a:rPr>
+              <a:t>会对来自</a:t>
+            </a:r>
+            <a:r>
+              <a:rPr lang="en-US" altLang="zh-CN" sz="2000" dirty="0">
+                <a:solidFill>
+                  <a:schemeClr val="bg1">
+                    <a:lumMod val="65000"/>
+                  </a:schemeClr>
+                </a:solidFill>
+              </a:rPr>
+              <a:t>View</a:t>
+            </a:r>
+            <a:r>
+              <a:rPr lang="zh-CN" altLang="en-US" sz="2000" dirty="0">
+                <a:solidFill>
+                  <a:schemeClr val="bg1">
+                    <a:lumMod val="65000"/>
+                  </a:schemeClr>
+                </a:solidFill>
+              </a:rPr>
+              <a:t>数据进行预处理、决定调用哪个</a:t>
+            </a:r>
+            <a:r>
+              <a:rPr lang="en-US" altLang="zh-CN" sz="2000" dirty="0">
+                <a:solidFill>
+                  <a:schemeClr val="bg1">
+                    <a:lumMod val="65000"/>
+                  </a:schemeClr>
+                </a:solidFill>
+              </a:rPr>
+              <a:t>Model</a:t>
+            </a:r>
+            <a:r>
+              <a:rPr lang="zh-CN" altLang="en-US" sz="2000" dirty="0">
+                <a:solidFill>
+                  <a:schemeClr val="bg1">
+                    <a:lumMod val="65000"/>
+                  </a:schemeClr>
+                </a:solidFill>
+              </a:rPr>
+              <a:t>的接口；然后由</a:t>
+            </a:r>
+            <a:r>
+              <a:rPr lang="en-US" altLang="zh-CN" sz="2000" dirty="0">
+                <a:solidFill>
+                  <a:schemeClr val="bg1">
+                    <a:lumMod val="65000"/>
+                  </a:schemeClr>
+                </a:solidFill>
+              </a:rPr>
+              <a:t>Model</a:t>
+            </a:r>
+            <a:r>
+              <a:rPr lang="zh-CN" altLang="en-US" sz="2000" dirty="0">
+                <a:solidFill>
+                  <a:schemeClr val="bg1">
+                    <a:lumMod val="65000"/>
+                  </a:schemeClr>
+                </a:solidFill>
+              </a:rPr>
+              <a:t>执行</a:t>
+            </a:r>
+            <a:r>
+              <a:rPr lang="zh-CN" altLang="en-US" sz="2200" dirty="0">
+                <a:solidFill>
+                  <a:schemeClr val="bg1">
+                    <a:lumMod val="65000"/>
+                  </a:schemeClr>
+                </a:solidFill>
+              </a:rPr>
+              <a:t>相关</a:t>
+            </a:r>
+            <a:r>
+              <a:rPr lang="zh-CN" altLang="en-US" sz="2000" dirty="0">
+                <a:solidFill>
+                  <a:schemeClr val="bg1">
+                    <a:lumMod val="65000"/>
+                  </a:schemeClr>
+                </a:solidFill>
+              </a:rPr>
+              <a:t>的业务逻辑；当</a:t>
+            </a:r>
+            <a:r>
+              <a:rPr lang="en-US" altLang="zh-CN" sz="2000" dirty="0">
+                <a:solidFill>
+                  <a:schemeClr val="bg1">
+                    <a:lumMod val="65000"/>
+                  </a:schemeClr>
+                </a:solidFill>
+              </a:rPr>
+              <a:t>Model</a:t>
+            </a:r>
+            <a:r>
+              <a:rPr lang="zh-CN" altLang="en-US" sz="2000" dirty="0">
+                <a:solidFill>
+                  <a:schemeClr val="bg1">
+                    <a:lumMod val="65000"/>
+                  </a:schemeClr>
+                </a:solidFill>
+              </a:rPr>
+              <a:t>变更了以后，会通过</a:t>
+            </a:r>
+            <a:r>
+              <a:rPr lang="zh-CN" altLang="en-US" sz="2000" dirty="0">
+                <a:solidFill>
+                  <a:schemeClr val="bg1">
+                    <a:lumMod val="50000"/>
+                  </a:schemeClr>
+                </a:solidFill>
+              </a:rPr>
+              <a:t>观察者模式（</a:t>
+            </a:r>
+            <a:r>
+              <a:rPr lang="en-US" altLang="zh-CN" sz="2000" dirty="0">
+                <a:solidFill>
+                  <a:schemeClr val="bg1">
+                    <a:lumMod val="50000"/>
+                  </a:schemeClr>
+                </a:solidFill>
+              </a:rPr>
+              <a:t>Observer Pattern</a:t>
+            </a:r>
+            <a:r>
+              <a:rPr lang="zh-CN" altLang="en-US" sz="2000" dirty="0">
+                <a:solidFill>
+                  <a:schemeClr val="bg1">
+                    <a:lumMod val="50000"/>
+                  </a:schemeClr>
+                </a:solidFill>
+              </a:rPr>
+              <a:t>）</a:t>
+            </a:r>
+            <a:r>
+              <a:rPr lang="zh-CN" altLang="en-US" sz="2000" dirty="0">
+                <a:solidFill>
+                  <a:schemeClr val="bg1">
+                    <a:lumMod val="65000"/>
+                  </a:schemeClr>
+                </a:solidFill>
+              </a:rPr>
+              <a:t>通知</a:t>
+            </a:r>
+            <a:r>
+              <a:rPr lang="en-US" altLang="zh-CN" sz="2000" dirty="0">
+                <a:solidFill>
+                  <a:schemeClr val="bg1">
+                    <a:lumMod val="65000"/>
+                  </a:schemeClr>
+                </a:solidFill>
+              </a:rPr>
+              <a:t>View</a:t>
+            </a:r>
+            <a:r>
+              <a:rPr lang="zh-CN" altLang="en-US" sz="2000" dirty="0">
+                <a:solidFill>
+                  <a:schemeClr val="bg1">
+                    <a:lumMod val="65000"/>
+                  </a:schemeClr>
+                </a:solidFill>
+              </a:rPr>
+              <a:t>；</a:t>
+            </a:r>
+            <a:r>
+              <a:rPr lang="en-US" altLang="zh-CN" sz="2000" dirty="0">
+                <a:solidFill>
+                  <a:schemeClr val="bg1">
+                    <a:lumMod val="65000"/>
+                  </a:schemeClr>
+                </a:solidFill>
+              </a:rPr>
+              <a:t>View</a:t>
+            </a:r>
+            <a:r>
+              <a:rPr lang="zh-CN" altLang="en-US" sz="2000" dirty="0">
+                <a:solidFill>
+                  <a:schemeClr val="bg1">
+                    <a:lumMod val="65000"/>
+                  </a:schemeClr>
+                </a:solidFill>
+              </a:rPr>
+              <a:t>通过观察者模式收到</a:t>
+            </a:r>
+            <a:r>
+              <a:rPr lang="en-US" altLang="zh-CN" sz="2000" dirty="0">
+                <a:solidFill>
+                  <a:schemeClr val="bg1">
+                    <a:lumMod val="65000"/>
+                  </a:schemeClr>
+                </a:solidFill>
+              </a:rPr>
+              <a:t>Model</a:t>
+            </a:r>
+            <a:r>
+              <a:rPr lang="zh-CN" altLang="en-US" sz="2000" dirty="0">
+                <a:solidFill>
+                  <a:schemeClr val="bg1">
+                    <a:lumMod val="65000"/>
+                  </a:schemeClr>
+                </a:solidFill>
+              </a:rPr>
+              <a:t>变更的消息以后，会向</a:t>
+            </a:r>
+            <a:r>
+              <a:rPr lang="en-US" altLang="zh-CN" sz="2000" dirty="0">
+                <a:solidFill>
+                  <a:schemeClr val="bg1">
+                    <a:lumMod val="65000"/>
+                  </a:schemeClr>
+                </a:solidFill>
+              </a:rPr>
+              <a:t>Model</a:t>
+            </a:r>
+            <a:r>
+              <a:rPr lang="zh-CN" altLang="en-US" sz="2000" dirty="0">
+                <a:solidFill>
+                  <a:schemeClr val="bg1">
+                    <a:lumMod val="65000"/>
+                  </a:schemeClr>
+                </a:solidFill>
+              </a:rPr>
+              <a:t>请求最新的数据，然后重新更新界面。</a:t>
+            </a:r>
+          </a:p>
+        </p:txBody>
+      </p:sp>
+    </p:spTree>
+    <p:extLst>
+      <p:ext uri="{BB962C8B-B14F-4D97-AF65-F5344CB8AC3E}">
+        <p14:creationId xmlns:p14="http://schemas.microsoft.com/office/powerpoint/2010/main" val="3945285810"/>
+      </p:ext>
+    </p:extLst>
+  </p:cSld>
+  <p:clrMapOvr>
+    <a:masterClrMapping/>
+  </p:clrMapOvr>
+  <p:timing>
+    <p:tnLst>
+      <p:par>
+        <p:cTn id="1" dur="indefinite" restart="never" nodeType="tmRoot"/>
+      </p:par>
+    </p:tnLst>
+  </p:timing>
+</p:sld>
+</file>
+
+<file path=ppt/slides/slide8.xml><?xml version="1.0" encoding="utf-8"?>
+<p:sld xmlns:a="http://schemas.openxmlformats.org/drawingml/2006/main" xmlns:r="http://schemas.openxmlformats.org/officeDocument/2006/relationships" xmlns:p="http://schemas.openxmlformats.org/presentationml/2006/main">
+  <p:cSld>
+    <p:spTree>
+      <p:nvGrpSpPr>
+        <p:cNvPr id="1" name=""/>
+        <p:cNvGrpSpPr/>
+        <p:nvPr/>
+      </p:nvGrpSpPr>
+      <p:grpSpPr>
+        <a:xfrm>
+          <a:off x="0" y="0"/>
+          <a:ext cx="0" cy="0"/>
+          <a:chOff x="0" y="0"/>
+          <a:chExt cx="0" cy="0"/>
+        </a:xfrm>
+      </p:grpSpPr>
+      <p:sp>
+        <p:nvSpPr>
+          <p:cNvPr id="2" name="标题 1"/>
+          <p:cNvSpPr>
+            <a:spLocks noGrp="1"/>
+          </p:cNvSpPr>
+          <p:nvPr>
+            <p:ph type="title"/>
+          </p:nvPr>
+        </p:nvSpPr>
+        <p:spPr/>
+        <p:txBody>
+          <a:bodyPr/>
+          <a:lstStyle/>
+          <a:p>
+            <a:r>
+              <a:rPr lang="en-US" altLang="zh-CN" dirty="0" smtClean="0">
+                <a:solidFill>
+                  <a:schemeClr val="bg1">
+                    <a:lumMod val="65000"/>
+                  </a:schemeClr>
+                </a:solidFill>
+              </a:rPr>
+              <a:t>MVC</a:t>
+            </a:r>
+            <a:r>
+              <a:rPr lang="zh-CN" altLang="en-US" sz="1800" dirty="0" smtClean="0">
+                <a:solidFill>
+                  <a:schemeClr val="bg1">
+                    <a:lumMod val="65000"/>
+                  </a:schemeClr>
+                </a:solidFill>
+              </a:rPr>
+              <a:t>（模型</a:t>
+            </a:r>
+            <a:r>
+              <a:rPr lang="en-US" altLang="zh-CN" sz="1800" dirty="0" smtClean="0">
+                <a:solidFill>
+                  <a:schemeClr val="bg1">
+                    <a:lumMod val="65000"/>
+                  </a:schemeClr>
+                </a:solidFill>
+              </a:rPr>
+              <a:t>-</a:t>
+            </a:r>
+            <a:r>
+              <a:rPr lang="zh-CN" altLang="en-US" sz="1800" dirty="0" smtClean="0">
+                <a:solidFill>
+                  <a:schemeClr val="bg1">
+                    <a:lumMod val="65000"/>
+                  </a:schemeClr>
+                </a:solidFill>
+              </a:rPr>
+              <a:t>视图</a:t>
+            </a:r>
+            <a:r>
+              <a:rPr lang="en-US" altLang="zh-CN" sz="1800" dirty="0" smtClean="0">
+                <a:solidFill>
+                  <a:schemeClr val="bg1">
+                    <a:lumMod val="65000"/>
+                  </a:schemeClr>
+                </a:solidFill>
+              </a:rPr>
+              <a:t>-</a:t>
+            </a:r>
+            <a:r>
+              <a:rPr lang="zh-CN" altLang="en-US" sz="1800" dirty="0" smtClean="0">
+                <a:solidFill>
+                  <a:schemeClr val="bg1">
+                    <a:lumMod val="65000"/>
+                  </a:schemeClr>
+                </a:solidFill>
+              </a:rPr>
+              <a:t>控制器）</a:t>
+            </a:r>
+            <a:r>
+              <a:rPr lang="zh-CN" altLang="en-US" dirty="0" smtClean="0">
+                <a:solidFill>
+                  <a:schemeClr val="bg1">
+                    <a:lumMod val="65000"/>
+                  </a:schemeClr>
+                </a:solidFill>
+              </a:rPr>
+              <a:t>模式</a:t>
+            </a:r>
+            <a:endParaRPr lang="zh-CN" altLang="en-US" dirty="0"/>
+          </a:p>
+        </p:txBody>
+      </p:sp>
+      <p:pic>
+        <p:nvPicPr>
+          <p:cNvPr id="5" name="图片 4"/>
+          <p:cNvPicPr>
+            <a:picLocks noChangeAspect="1"/>
+          </p:cNvPicPr>
+          <p:nvPr/>
+        </p:nvPicPr>
+        <p:blipFill>
+          <a:blip r:embed="rId2">
+            <a:extLst>
+              <a:ext uri="{28A0092B-C50C-407E-A947-70E740481C1C}">
+                <a14:useLocalDpi xmlns:a14="http://schemas.microsoft.com/office/drawing/2010/main" val="0"/>
+              </a:ext>
+            </a:extLst>
+          </a:blip>
+          <a:stretch>
+            <a:fillRect/>
+          </a:stretch>
+        </p:blipFill>
+        <p:spPr>
+          <a:xfrm>
+            <a:off x="838200" y="2119782"/>
+            <a:ext cx="3821658" cy="3074698"/>
+          </a:xfrm>
+          <a:prstGeom prst="rect">
+            <a:avLst/>
+          </a:prstGeom>
+        </p:spPr>
+      </p:pic>
+      <p:sp>
+        <p:nvSpPr>
+          <p:cNvPr id="8" name="副标题 2"/>
+          <p:cNvSpPr txBox="1">
+            <a:spLocks/>
+          </p:cNvSpPr>
+          <p:nvPr/>
+        </p:nvSpPr>
+        <p:spPr>
+          <a:xfrm>
+            <a:off x="5242158" y="1750811"/>
+            <a:ext cx="6020202" cy="4050808"/>
+          </a:xfrm>
+          <a:prstGeom prst="rect">
+            <a:avLst/>
+          </a:prstGeom>
+        </p:spPr>
+        <p:txBody>
+          <a:bodyPr vert="horz" lIns="91440" tIns="45720" rIns="91440" bIns="45720" rtlCol="0">
+            <a:normAutofit/>
+          </a:bodyPr>
+          <a:lstStyle>
+            <a:lvl1pPr marL="228600" indent="-228600" algn="l" defTabSz="914400" rtl="0" eaLnBrk="1" latinLnBrk="0" hangingPunct="1">
+              <a:lnSpc>
+                <a:spcPct val="90000"/>
+              </a:lnSpc>
+              <a:spcBef>
+                <a:spcPts val="1000"/>
+              </a:spcBef>
+              <a:buFont typeface="Arial" panose="020B0604020202020204" pitchFamily="34" charset="0"/>
+              <a:buChar char="•"/>
+              <a:defRPr sz="2800" kern="1200">
+                <a:solidFill>
+                  <a:schemeClr val="tx1"/>
+                </a:solidFill>
+                <a:latin typeface="+mn-lt"/>
+                <a:ea typeface="+mn-ea"/>
+                <a:cs typeface="+mn-cs"/>
+              </a:defRPr>
+            </a:lvl1pPr>
+            <a:lvl2pPr marL="685800" indent="-228600" algn="l" defTabSz="914400" rtl="0" eaLnBrk="1" latinLnBrk="0" hangingPunct="1">
+              <a:lnSpc>
+                <a:spcPct val="90000"/>
+              </a:lnSpc>
+              <a:spcBef>
+                <a:spcPts val="500"/>
+              </a:spcBef>
+              <a:buFont typeface="Arial" panose="020B0604020202020204" pitchFamily="34" charset="0"/>
+              <a:buChar char="•"/>
+              <a:defRPr sz="2400" kern="1200">
+                <a:solidFill>
+                  <a:schemeClr val="tx1"/>
+                </a:solidFill>
+                <a:latin typeface="+mn-lt"/>
+                <a:ea typeface="+mn-ea"/>
+                <a:cs typeface="+mn-cs"/>
+              </a:defRPr>
+            </a:lvl2pPr>
+            <a:lvl3pPr marL="1143000" indent="-228600" algn="l" defTabSz="914400" rtl="0" eaLnBrk="1" latinLnBrk="0" hangingPunct="1">
+              <a:lnSpc>
+                <a:spcPct val="90000"/>
+              </a:lnSpc>
+              <a:spcBef>
+                <a:spcPts val="500"/>
+              </a:spcBef>
+              <a:buFont typeface="Arial" panose="020B0604020202020204" pitchFamily="34" charset="0"/>
+              <a:buChar char="•"/>
+              <a:defRPr sz="2000" kern="1200">
+                <a:solidFill>
+                  <a:schemeClr val="tx1"/>
+                </a:solidFill>
+                <a:latin typeface="+mn-lt"/>
+                <a:ea typeface="+mn-ea"/>
+                <a:cs typeface="+mn-cs"/>
+              </a:defRPr>
+            </a:lvl3pPr>
+            <a:lvl4pPr marL="1600200" indent="-228600" algn="l" defTabSz="914400" rtl="0" eaLnBrk="1" latinLnBrk="0" hangingPunct="1">
+              <a:lnSpc>
+                <a:spcPct val="90000"/>
+              </a:lnSpc>
+              <a:spcBef>
+                <a:spcPts val="500"/>
+              </a:spcBef>
+              <a:buFont typeface="Arial" panose="020B0604020202020204" pitchFamily="34" charset="0"/>
+              <a:buChar char="•"/>
+              <a:defRPr sz="1800" kern="1200">
+                <a:solidFill>
+                  <a:schemeClr val="tx1"/>
+                </a:solidFill>
+                <a:latin typeface="+mn-lt"/>
+                <a:ea typeface="+mn-ea"/>
+                <a:cs typeface="+mn-cs"/>
+              </a:defRPr>
+            </a:lvl4pPr>
+            <a:lvl5pPr marL="2057400" indent="-228600" algn="l" defTabSz="914400" rtl="0" eaLnBrk="1" latinLnBrk="0" hangingPunct="1">
+              <a:lnSpc>
+                <a:spcPct val="90000"/>
+              </a:lnSpc>
+              <a:spcBef>
+                <a:spcPts val="500"/>
+              </a:spcBef>
+              <a:buFont typeface="Arial" panose="020B0604020202020204" pitchFamily="34" charset="0"/>
+              <a:buChar char="•"/>
+              <a:defRPr sz="1800" kern="1200">
+                <a:solidFill>
+                  <a:schemeClr val="tx1"/>
+                </a:solidFill>
+                <a:latin typeface="+mn-lt"/>
+                <a:ea typeface="+mn-ea"/>
+                <a:cs typeface="+mn-cs"/>
+              </a:defRPr>
+            </a:lvl5pPr>
+            <a:lvl6pPr marL="2514600" indent="-228600" algn="l" defTabSz="914400" rtl="0" eaLnBrk="1" latinLnBrk="0" hangingPunct="1">
+              <a:lnSpc>
+                <a:spcPct val="90000"/>
+              </a:lnSpc>
+              <a:spcBef>
+                <a:spcPts val="500"/>
+              </a:spcBef>
+              <a:buFont typeface="Arial" panose="020B0604020202020204" pitchFamily="34" charset="0"/>
+              <a:buChar char="•"/>
+              <a:defRPr sz="1800" kern="1200">
+                <a:solidFill>
+                  <a:schemeClr val="tx1"/>
+                </a:solidFill>
+                <a:latin typeface="+mn-lt"/>
+                <a:ea typeface="+mn-ea"/>
+                <a:cs typeface="+mn-cs"/>
+              </a:defRPr>
+            </a:lvl6pPr>
+            <a:lvl7pPr marL="2971800" indent="-228600" algn="l" defTabSz="914400" rtl="0" eaLnBrk="1" latinLnBrk="0" hangingPunct="1">
+              <a:lnSpc>
+                <a:spcPct val="90000"/>
+              </a:lnSpc>
+              <a:spcBef>
+                <a:spcPts val="500"/>
+              </a:spcBef>
+              <a:buFont typeface="Arial" panose="020B0604020202020204" pitchFamily="34" charset="0"/>
+              <a:buChar char="•"/>
+              <a:defRPr sz="1800" kern="1200">
+                <a:solidFill>
+                  <a:schemeClr val="tx1"/>
+                </a:solidFill>
+                <a:latin typeface="+mn-lt"/>
+                <a:ea typeface="+mn-ea"/>
+                <a:cs typeface="+mn-cs"/>
+              </a:defRPr>
+            </a:lvl7pPr>
+            <a:lvl8pPr marL="3429000" indent="-228600" algn="l" defTabSz="914400" rtl="0" eaLnBrk="1" latinLnBrk="0" hangingPunct="1">
+              <a:lnSpc>
+                <a:spcPct val="90000"/>
+              </a:lnSpc>
+              <a:spcBef>
+                <a:spcPts val="500"/>
+              </a:spcBef>
+              <a:buFont typeface="Arial" panose="020B0604020202020204" pitchFamily="34" charset="0"/>
+              <a:buChar char="•"/>
+              <a:defRPr sz="1800" kern="1200">
+                <a:solidFill>
+                  <a:schemeClr val="tx1"/>
+                </a:solidFill>
+                <a:latin typeface="+mn-lt"/>
+                <a:ea typeface="+mn-ea"/>
+                <a:cs typeface="+mn-cs"/>
+              </a:defRPr>
+            </a:lvl8pPr>
+            <a:lvl9pPr marL="3886200" indent="-228600" algn="l" defTabSz="914400" rtl="0" eaLnBrk="1" latinLnBrk="0" hangingPunct="1">
+              <a:lnSpc>
+                <a:spcPct val="90000"/>
+              </a:lnSpc>
+              <a:spcBef>
+                <a:spcPts val="500"/>
+              </a:spcBef>
+              <a:buFont typeface="Arial" panose="020B0604020202020204" pitchFamily="34" charset="0"/>
+              <a:buChar char="•"/>
+              <a:defRPr sz="1800" kern="1200">
+                <a:solidFill>
+                  <a:schemeClr val="tx1"/>
+                </a:solidFill>
+                <a:latin typeface="+mn-lt"/>
+                <a:ea typeface="+mn-ea"/>
+                <a:cs typeface="+mn-cs"/>
+              </a:defRPr>
+            </a:lvl9pPr>
+          </a:lstStyle>
+          <a:p>
+            <a:endParaRPr lang="en-US" altLang="zh-CN" sz="2000" dirty="0" smtClean="0">
+              <a:solidFill>
+                <a:schemeClr val="bg1">
+                  <a:lumMod val="65000"/>
+                </a:schemeClr>
+              </a:solidFill>
+            </a:endParaRPr>
+          </a:p>
+          <a:p>
+            <a:pPr marL="0" indent="0">
+              <a:buNone/>
+            </a:pPr>
+            <a:endParaRPr lang="en-US" altLang="zh-CN" sz="2000" dirty="0">
+              <a:solidFill>
+                <a:schemeClr val="bg1">
+                  <a:lumMod val="65000"/>
+                </a:schemeClr>
+              </a:solidFill>
+            </a:endParaRPr>
+          </a:p>
+          <a:p>
+            <a:endParaRPr lang="zh-CN" altLang="en-US" sz="2000" dirty="0">
+              <a:solidFill>
+                <a:schemeClr val="bg1">
+                  <a:lumMod val="65000"/>
+                </a:schemeClr>
+              </a:solidFill>
+            </a:endParaRPr>
+          </a:p>
+        </p:txBody>
+      </p:sp>
+      <p:sp>
+        <p:nvSpPr>
+          <p:cNvPr id="6" name="副标题 2"/>
+          <p:cNvSpPr txBox="1">
+            <a:spLocks/>
+          </p:cNvSpPr>
+          <p:nvPr/>
+        </p:nvSpPr>
+        <p:spPr>
+          <a:xfrm>
+            <a:off x="5394558" y="1903211"/>
+            <a:ext cx="6020202" cy="4682646"/>
+          </a:xfrm>
+          <a:prstGeom prst="rect">
+            <a:avLst/>
+          </a:prstGeom>
+        </p:spPr>
+        <p:txBody>
+          <a:bodyPr vert="horz" lIns="91440" tIns="45720" rIns="91440" bIns="45720" rtlCol="0">
+            <a:normAutofit/>
+          </a:bodyPr>
+          <a:lstStyle>
+            <a:lvl1pPr marL="228600" indent="-228600" algn="l" defTabSz="914400" rtl="0" eaLnBrk="1" latinLnBrk="0" hangingPunct="1">
+              <a:lnSpc>
+                <a:spcPct val="90000"/>
+              </a:lnSpc>
+              <a:spcBef>
+                <a:spcPts val="1000"/>
+              </a:spcBef>
+              <a:buFont typeface="Arial" panose="020B0604020202020204" pitchFamily="34" charset="0"/>
+              <a:buChar char="•"/>
+              <a:defRPr sz="2800" kern="1200">
+                <a:solidFill>
+                  <a:schemeClr val="tx1"/>
+                </a:solidFill>
+                <a:latin typeface="+mn-lt"/>
+                <a:ea typeface="+mn-ea"/>
+                <a:cs typeface="+mn-cs"/>
+              </a:defRPr>
+            </a:lvl1pPr>
+            <a:lvl2pPr marL="685800" indent="-228600" algn="l" defTabSz="914400" rtl="0" eaLnBrk="1" latinLnBrk="0" hangingPunct="1">
+              <a:lnSpc>
+                <a:spcPct val="90000"/>
+              </a:lnSpc>
+              <a:spcBef>
+                <a:spcPts val="500"/>
+              </a:spcBef>
+              <a:buFont typeface="Arial" panose="020B0604020202020204" pitchFamily="34" charset="0"/>
+              <a:buChar char="•"/>
+              <a:defRPr sz="2400" kern="1200">
+                <a:solidFill>
+                  <a:schemeClr val="tx1"/>
+                </a:solidFill>
+                <a:latin typeface="+mn-lt"/>
+                <a:ea typeface="+mn-ea"/>
+                <a:cs typeface="+mn-cs"/>
+              </a:defRPr>
+            </a:lvl2pPr>
+            <a:lvl3pPr marL="1143000" indent="-228600" algn="l" defTabSz="914400" rtl="0" eaLnBrk="1" latinLnBrk="0" hangingPunct="1">
+              <a:lnSpc>
+                <a:spcPct val="90000"/>
+              </a:lnSpc>
+              <a:spcBef>
+                <a:spcPts val="500"/>
+              </a:spcBef>
+              <a:buFont typeface="Arial" panose="020B0604020202020204" pitchFamily="34" charset="0"/>
+              <a:buChar char="•"/>
+              <a:defRPr sz="2000" kern="1200">
+                <a:solidFill>
+                  <a:schemeClr val="tx1"/>
+                </a:solidFill>
+                <a:latin typeface="+mn-lt"/>
+                <a:ea typeface="+mn-ea"/>
+                <a:cs typeface="+mn-cs"/>
+              </a:defRPr>
+            </a:lvl3pPr>
+            <a:lvl4pPr marL="1600200" indent="-228600" algn="l" defTabSz="914400" rtl="0" eaLnBrk="1" latinLnBrk="0" hangingPunct="1">
+              <a:lnSpc>
+                <a:spcPct val="90000"/>
+              </a:lnSpc>
+              <a:spcBef>
+                <a:spcPts val="500"/>
+              </a:spcBef>
+              <a:buFont typeface="Arial" panose="020B0604020202020204" pitchFamily="34" charset="0"/>
+              <a:buChar char="•"/>
+              <a:defRPr sz="1800" kern="1200">
+                <a:solidFill>
+                  <a:schemeClr val="tx1"/>
+                </a:solidFill>
+                <a:latin typeface="+mn-lt"/>
+                <a:ea typeface="+mn-ea"/>
+                <a:cs typeface="+mn-cs"/>
+              </a:defRPr>
+            </a:lvl4pPr>
+            <a:lvl5pPr marL="2057400" indent="-228600" algn="l" defTabSz="914400" rtl="0" eaLnBrk="1" latinLnBrk="0" hangingPunct="1">
+              <a:lnSpc>
+                <a:spcPct val="90000"/>
+              </a:lnSpc>
+              <a:spcBef>
+                <a:spcPts val="500"/>
+              </a:spcBef>
+              <a:buFont typeface="Arial" panose="020B0604020202020204" pitchFamily="34" charset="0"/>
+              <a:buChar char="•"/>
+              <a:defRPr sz="1800" kern="1200">
+                <a:solidFill>
+                  <a:schemeClr val="tx1"/>
+                </a:solidFill>
+                <a:latin typeface="+mn-lt"/>
+                <a:ea typeface="+mn-ea"/>
+                <a:cs typeface="+mn-cs"/>
+              </a:defRPr>
+            </a:lvl5pPr>
+            <a:lvl6pPr marL="2514600" indent="-228600" algn="l" defTabSz="914400" rtl="0" eaLnBrk="1" latinLnBrk="0" hangingPunct="1">
+              <a:lnSpc>
+                <a:spcPct val="90000"/>
+              </a:lnSpc>
+              <a:spcBef>
+                <a:spcPts val="500"/>
+              </a:spcBef>
+              <a:buFont typeface="Arial" panose="020B0604020202020204" pitchFamily="34" charset="0"/>
+              <a:buChar char="•"/>
+              <a:defRPr sz="1800" kern="1200">
+                <a:solidFill>
+                  <a:schemeClr val="tx1"/>
+                </a:solidFill>
+                <a:latin typeface="+mn-lt"/>
+                <a:ea typeface="+mn-ea"/>
+                <a:cs typeface="+mn-cs"/>
+              </a:defRPr>
+            </a:lvl6pPr>
+            <a:lvl7pPr marL="2971800" indent="-228600" algn="l" defTabSz="914400" rtl="0" eaLnBrk="1" latinLnBrk="0" hangingPunct="1">
+              <a:lnSpc>
+                <a:spcPct val="90000"/>
+              </a:lnSpc>
+              <a:spcBef>
+                <a:spcPts val="500"/>
+              </a:spcBef>
+              <a:buFont typeface="Arial" panose="020B0604020202020204" pitchFamily="34" charset="0"/>
+              <a:buChar char="•"/>
+              <a:defRPr sz="1800" kern="1200">
+                <a:solidFill>
+                  <a:schemeClr val="tx1"/>
+                </a:solidFill>
+                <a:latin typeface="+mn-lt"/>
+                <a:ea typeface="+mn-ea"/>
+                <a:cs typeface="+mn-cs"/>
+              </a:defRPr>
+            </a:lvl7pPr>
+            <a:lvl8pPr marL="3429000" indent="-228600" algn="l" defTabSz="914400" rtl="0" eaLnBrk="1" latinLnBrk="0" hangingPunct="1">
+              <a:lnSpc>
+                <a:spcPct val="90000"/>
+              </a:lnSpc>
+              <a:spcBef>
+                <a:spcPts val="500"/>
+              </a:spcBef>
+              <a:buFont typeface="Arial" panose="020B0604020202020204" pitchFamily="34" charset="0"/>
+              <a:buChar char="•"/>
+              <a:defRPr sz="1800" kern="1200">
+                <a:solidFill>
+                  <a:schemeClr val="tx1"/>
+                </a:solidFill>
+                <a:latin typeface="+mn-lt"/>
+                <a:ea typeface="+mn-ea"/>
+                <a:cs typeface="+mn-cs"/>
+              </a:defRPr>
+            </a:lvl8pPr>
+            <a:lvl9pPr marL="3886200" indent="-228600" algn="l" defTabSz="914400" rtl="0" eaLnBrk="1" latinLnBrk="0" hangingPunct="1">
+              <a:lnSpc>
+                <a:spcPct val="90000"/>
+              </a:lnSpc>
+              <a:spcBef>
+                <a:spcPts val="500"/>
+              </a:spcBef>
+              <a:buFont typeface="Arial" panose="020B0604020202020204" pitchFamily="34" charset="0"/>
+              <a:buChar char="•"/>
+              <a:defRPr sz="1800" kern="1200">
+                <a:solidFill>
+                  <a:schemeClr val="tx1"/>
+                </a:solidFill>
+                <a:latin typeface="+mn-lt"/>
+                <a:ea typeface="+mn-ea"/>
+                <a:cs typeface="+mn-cs"/>
+              </a:defRPr>
+            </a:lvl9pPr>
+          </a:lstStyle>
+          <a:p>
+            <a:pPr marL="0" indent="0">
+              <a:buNone/>
+            </a:pPr>
+            <a:r>
+              <a:rPr lang="zh-CN" altLang="en-US" dirty="0" smtClean="0">
+                <a:solidFill>
+                  <a:schemeClr val="bg1">
+                    <a:lumMod val="65000"/>
+                  </a:schemeClr>
+                </a:solidFill>
+              </a:rPr>
+              <a:t>注意点</a:t>
+            </a:r>
+            <a:endParaRPr lang="en-US" altLang="zh-CN" dirty="0" smtClean="0">
+              <a:solidFill>
+                <a:schemeClr val="bg1">
+                  <a:lumMod val="65000"/>
+                </a:schemeClr>
+              </a:solidFill>
+            </a:endParaRPr>
+          </a:p>
+          <a:p>
+            <a:pPr marL="0" indent="0">
+              <a:buNone/>
+            </a:pPr>
+            <a:endParaRPr lang="en-US" altLang="zh-CN" sz="2000" dirty="0">
+              <a:solidFill>
+                <a:schemeClr val="bg1">
+                  <a:lumMod val="65000"/>
+                </a:schemeClr>
+              </a:solidFill>
+            </a:endParaRPr>
+          </a:p>
+          <a:p>
+            <a:pPr marL="0" indent="0" algn="just">
+              <a:lnSpc>
+                <a:spcPct val="170000"/>
+              </a:lnSpc>
+              <a:buNone/>
+            </a:pPr>
+            <a:r>
+              <a:rPr lang="en-US" altLang="zh-CN" sz="2000" dirty="0" smtClean="0">
+                <a:solidFill>
+                  <a:schemeClr val="bg1">
+                    <a:lumMod val="65000"/>
+                  </a:schemeClr>
+                </a:solidFill>
+              </a:rPr>
+              <a:t>Model</a:t>
+            </a:r>
+            <a:r>
+              <a:rPr lang="zh-CN" altLang="en-US" sz="2000" dirty="0">
+                <a:solidFill>
+                  <a:schemeClr val="bg1">
+                    <a:lumMod val="65000"/>
+                  </a:schemeClr>
+                </a:solidFill>
+              </a:rPr>
+              <a:t>的更新是通过观察者模式告知</a:t>
+            </a:r>
+            <a:r>
+              <a:rPr lang="en-US" altLang="zh-CN" sz="2000" dirty="0">
+                <a:solidFill>
+                  <a:schemeClr val="bg1">
+                    <a:lumMod val="65000"/>
+                  </a:schemeClr>
+                </a:solidFill>
+              </a:rPr>
+              <a:t>View</a:t>
+            </a:r>
+            <a:r>
+              <a:rPr lang="zh-CN" altLang="en-US" sz="2000" dirty="0">
+                <a:solidFill>
+                  <a:schemeClr val="bg1">
+                    <a:lumMod val="65000"/>
+                  </a:schemeClr>
+                </a:solidFill>
+              </a:rPr>
+              <a:t>的，具体表现形式可以是</a:t>
+            </a:r>
+            <a:r>
+              <a:rPr lang="en-US" altLang="zh-CN" sz="2000" dirty="0">
+                <a:solidFill>
+                  <a:schemeClr val="bg1">
+                    <a:lumMod val="50000"/>
+                  </a:schemeClr>
+                </a:solidFill>
+              </a:rPr>
+              <a:t>Pub/Sub</a:t>
+            </a:r>
+            <a:r>
+              <a:rPr lang="zh-CN" altLang="en-US" sz="2000" dirty="0">
+                <a:solidFill>
+                  <a:schemeClr val="bg1">
+                    <a:lumMod val="65000"/>
+                  </a:schemeClr>
+                </a:solidFill>
+              </a:rPr>
+              <a:t>或者是触发</a:t>
+            </a:r>
+            <a:r>
+              <a:rPr lang="en-US" altLang="zh-CN" sz="2000" dirty="0" smtClean="0">
+                <a:solidFill>
+                  <a:schemeClr val="bg1">
+                    <a:lumMod val="65000"/>
+                  </a:schemeClr>
+                </a:solidFill>
+              </a:rPr>
+              <a:t>Events</a:t>
+            </a:r>
+            <a:r>
+              <a:rPr lang="zh-CN" altLang="en-US" sz="2000" dirty="0" smtClean="0">
+                <a:solidFill>
+                  <a:schemeClr val="bg1">
+                    <a:lumMod val="65000"/>
+                  </a:schemeClr>
+                </a:solidFill>
+              </a:rPr>
+              <a:t>，从而可以实现多视图共享同一个</a:t>
+            </a:r>
+            <a:r>
+              <a:rPr lang="en-US" altLang="zh-CN" sz="2000" dirty="0" smtClean="0">
+                <a:solidFill>
+                  <a:schemeClr val="bg1">
+                    <a:lumMod val="65000"/>
+                  </a:schemeClr>
+                </a:solidFill>
+              </a:rPr>
+              <a:t>Model</a:t>
+            </a:r>
+            <a:r>
+              <a:rPr lang="zh-CN" altLang="en-US" sz="2000" dirty="0" smtClean="0">
+                <a:solidFill>
+                  <a:schemeClr val="bg1">
+                    <a:lumMod val="65000"/>
+                  </a:schemeClr>
+                </a:solidFill>
+              </a:rPr>
+              <a:t>实现更新问题。</a:t>
+            </a:r>
+            <a:endParaRPr lang="en-US" altLang="zh-CN" sz="2000" dirty="0" smtClean="0">
+              <a:solidFill>
+                <a:schemeClr val="bg1">
+                  <a:lumMod val="65000"/>
+                </a:schemeClr>
+              </a:solidFill>
+            </a:endParaRPr>
+          </a:p>
+          <a:p>
+            <a:pPr marL="0" indent="0" algn="just">
+              <a:lnSpc>
+                <a:spcPct val="170000"/>
+              </a:lnSpc>
+              <a:buNone/>
+            </a:pPr>
+            <a:endParaRPr lang="en-US" altLang="zh-CN" sz="2000" dirty="0">
+              <a:solidFill>
+                <a:schemeClr val="bg1">
+                  <a:lumMod val="65000"/>
+                </a:schemeClr>
+              </a:solidFill>
+            </a:endParaRPr>
+          </a:p>
+          <a:p>
+            <a:pPr marL="0" indent="0" algn="just">
+              <a:lnSpc>
+                <a:spcPct val="170000"/>
+              </a:lnSpc>
+              <a:buNone/>
+            </a:pPr>
+            <a:endParaRPr lang="zh-CN" altLang="en-US" sz="2000" dirty="0">
+              <a:solidFill>
+                <a:schemeClr val="bg1">
+                  <a:lumMod val="65000"/>
+                </a:schemeClr>
+              </a:solidFill>
+            </a:endParaRPr>
+          </a:p>
+        </p:txBody>
+      </p:sp>
+    </p:spTree>
+    <p:extLst>
+      <p:ext uri="{BB962C8B-B14F-4D97-AF65-F5344CB8AC3E}">
+        <p14:creationId xmlns:p14="http://schemas.microsoft.com/office/powerpoint/2010/main" val="2631757182"/>
+      </p:ext>
+    </p:extLst>
+  </p:cSld>
+  <p:clrMapOvr>
+    <a:masterClrMapping/>
+  </p:clrMapOvr>
+  <p:timing>
+    <p:tnLst>
+      <p:par>
+        <p:cTn id="1" dur="indefinite" restart="never" nodeType="tmRoot"/>
+      </p:par>
+    </p:tnLst>
+  </p:timing>
+</p:sld>
+</file>
+
+<file path=ppt/slides/slide9.xml><?xml version="1.0" encoding="utf-8"?>
+<p:sld xmlns:a="http://schemas.openxmlformats.org/drawingml/2006/main" xmlns:r="http://schemas.openxmlformats.org/officeDocument/2006/relationships" xmlns:p="http://schemas.openxmlformats.org/presentationml/2006/main">
+  <p:cSld>
+    <p:spTree>
+      <p:nvGrpSpPr>
+        <p:cNvPr id="1" name=""/>
+        <p:cNvGrpSpPr/>
+        <p:nvPr/>
+      </p:nvGrpSpPr>
+      <p:grpSpPr>
+        <a:xfrm>
+          <a:off x="0" y="0"/>
+          <a:ext cx="0" cy="0"/>
+          <a:chOff x="0" y="0"/>
+          <a:chExt cx="0" cy="0"/>
+        </a:xfrm>
+      </p:grpSpPr>
+      <p:sp>
+        <p:nvSpPr>
+          <p:cNvPr id="2" name="标题 1"/>
+          <p:cNvSpPr>
+            <a:spLocks noGrp="1"/>
+          </p:cNvSpPr>
+          <p:nvPr>
+            <p:ph type="title"/>
+          </p:nvPr>
+        </p:nvSpPr>
+        <p:spPr/>
+        <p:txBody>
+          <a:bodyPr/>
+          <a:lstStyle/>
+          <a:p>
+            <a:r>
+              <a:rPr lang="en-US" altLang="zh-CN" dirty="0" smtClean="0">
+                <a:solidFill>
+                  <a:schemeClr val="bg1">
+                    <a:lumMod val="65000"/>
+                  </a:schemeClr>
+                </a:solidFill>
+              </a:rPr>
+              <a:t>MVC</a:t>
+            </a:r>
+            <a:r>
+              <a:rPr lang="zh-CN" altLang="en-US" sz="1800" dirty="0" smtClean="0">
+                <a:solidFill>
+                  <a:schemeClr val="bg1">
+                    <a:lumMod val="65000"/>
+                  </a:schemeClr>
+                </a:solidFill>
+              </a:rPr>
+              <a:t>（模型</a:t>
+            </a:r>
+            <a:r>
+              <a:rPr lang="en-US" altLang="zh-CN" sz="1800" dirty="0" smtClean="0">
+                <a:solidFill>
+                  <a:schemeClr val="bg1">
+                    <a:lumMod val="65000"/>
+                  </a:schemeClr>
+                </a:solidFill>
+              </a:rPr>
+              <a:t>-</a:t>
+            </a:r>
+            <a:r>
+              <a:rPr lang="zh-CN" altLang="en-US" sz="1800" dirty="0" smtClean="0">
+                <a:solidFill>
+                  <a:schemeClr val="bg1">
+                    <a:lumMod val="65000"/>
+                  </a:schemeClr>
+                </a:solidFill>
+              </a:rPr>
+              <a:t>视图</a:t>
+            </a:r>
+            <a:r>
+              <a:rPr lang="en-US" altLang="zh-CN" sz="1800" dirty="0" smtClean="0">
+                <a:solidFill>
+                  <a:schemeClr val="bg1">
+                    <a:lumMod val="65000"/>
+                  </a:schemeClr>
+                </a:solidFill>
+              </a:rPr>
+              <a:t>-</a:t>
+            </a:r>
+            <a:r>
+              <a:rPr lang="zh-CN" altLang="en-US" sz="1800" dirty="0" smtClean="0">
+                <a:solidFill>
+                  <a:schemeClr val="bg1">
+                    <a:lumMod val="65000"/>
+                  </a:schemeClr>
+                </a:solidFill>
+              </a:rPr>
+              <a:t>控制器）</a:t>
+            </a:r>
+            <a:r>
+              <a:rPr lang="zh-CN" altLang="en-US" dirty="0" smtClean="0">
+                <a:solidFill>
+                  <a:schemeClr val="bg1">
+                    <a:lumMod val="65000"/>
+                  </a:schemeClr>
+                </a:solidFill>
+              </a:rPr>
+              <a:t>模式</a:t>
+            </a:r>
+            <a:endParaRPr lang="zh-CN" altLang="en-US" dirty="0"/>
+          </a:p>
+        </p:txBody>
+      </p:sp>
+      <p:pic>
+        <p:nvPicPr>
+          <p:cNvPr id="5" name="图片 4"/>
+          <p:cNvPicPr>
+            <a:picLocks noChangeAspect="1"/>
+          </p:cNvPicPr>
+          <p:nvPr/>
+        </p:nvPicPr>
+        <p:blipFill>
+          <a:blip r:embed="rId2">
+            <a:extLst>
+              <a:ext uri="{28A0092B-C50C-407E-A947-70E740481C1C}">
+                <a14:useLocalDpi xmlns:a14="http://schemas.microsoft.com/office/drawing/2010/main" val="0"/>
+              </a:ext>
+            </a:extLst>
+          </a:blip>
+          <a:stretch>
+            <a:fillRect/>
+          </a:stretch>
+        </p:blipFill>
+        <p:spPr>
+          <a:xfrm>
+            <a:off x="838200" y="2119782"/>
+            <a:ext cx="3821658" cy="3074698"/>
+          </a:xfrm>
+          <a:prstGeom prst="rect">
+            <a:avLst/>
+          </a:prstGeom>
+        </p:spPr>
+      </p:pic>
+      <p:sp>
+        <p:nvSpPr>
+          <p:cNvPr id="8" name="副标题 2"/>
+          <p:cNvSpPr txBox="1">
+            <a:spLocks/>
+          </p:cNvSpPr>
+          <p:nvPr/>
+        </p:nvSpPr>
+        <p:spPr>
+          <a:xfrm>
+            <a:off x="5242158" y="1750811"/>
+            <a:ext cx="6020202" cy="4050808"/>
+          </a:xfrm>
+          <a:prstGeom prst="rect">
+            <a:avLst/>
+          </a:prstGeom>
+        </p:spPr>
+        <p:txBody>
+          <a:bodyPr vert="horz" lIns="91440" tIns="45720" rIns="91440" bIns="45720" rtlCol="0">
+            <a:normAutofit/>
+          </a:bodyPr>
+          <a:lstStyle>
+            <a:lvl1pPr marL="228600" indent="-228600" algn="l" defTabSz="914400" rtl="0" eaLnBrk="1" latinLnBrk="0" hangingPunct="1">
+              <a:lnSpc>
+                <a:spcPct val="90000"/>
+              </a:lnSpc>
+              <a:spcBef>
+                <a:spcPts val="1000"/>
+              </a:spcBef>
+              <a:buFont typeface="Arial" panose="020B0604020202020204" pitchFamily="34" charset="0"/>
+              <a:buChar char="•"/>
+              <a:defRPr sz="2800" kern="1200">
+                <a:solidFill>
+                  <a:schemeClr val="tx1"/>
+                </a:solidFill>
+                <a:latin typeface="+mn-lt"/>
+                <a:ea typeface="+mn-ea"/>
+                <a:cs typeface="+mn-cs"/>
+              </a:defRPr>
+            </a:lvl1pPr>
+            <a:lvl2pPr marL="685800" indent="-228600" algn="l" defTabSz="914400" rtl="0" eaLnBrk="1" latinLnBrk="0" hangingPunct="1">
+              <a:lnSpc>
+                <a:spcPct val="90000"/>
+              </a:lnSpc>
+              <a:spcBef>
+                <a:spcPts val="500"/>
+              </a:spcBef>
+              <a:buFont typeface="Arial" panose="020B0604020202020204" pitchFamily="34" charset="0"/>
+              <a:buChar char="•"/>
+              <a:defRPr sz="2400" kern="1200">
+                <a:solidFill>
+                  <a:schemeClr val="tx1"/>
+                </a:solidFill>
+                <a:latin typeface="+mn-lt"/>
+                <a:ea typeface="+mn-ea"/>
+                <a:cs typeface="+mn-cs"/>
+              </a:defRPr>
+            </a:lvl2pPr>
+            <a:lvl3pPr marL="1143000" indent="-228600" algn="l" defTabSz="914400" rtl="0" eaLnBrk="1" latinLnBrk="0" hangingPunct="1">
+              <a:lnSpc>
+                <a:spcPct val="90000"/>
+              </a:lnSpc>
+              <a:spcBef>
+                <a:spcPts val="500"/>
+              </a:spcBef>
+              <a:buFont typeface="Arial" panose="020B0604020202020204" pitchFamily="34" charset="0"/>
+              <a:buChar char="•"/>
+              <a:defRPr sz="2000" kern="1200">
+                <a:solidFill>
+                  <a:schemeClr val="tx1"/>
+                </a:solidFill>
+                <a:latin typeface="+mn-lt"/>
+                <a:ea typeface="+mn-ea"/>
+                <a:cs typeface="+mn-cs"/>
+              </a:defRPr>
+            </a:lvl3pPr>
+            <a:lvl4pPr marL="1600200" indent="-228600" algn="l" defTabSz="914400" rtl="0" eaLnBrk="1" latinLnBrk="0" hangingPunct="1">
+              <a:lnSpc>
+                <a:spcPct val="90000"/>
+              </a:lnSpc>
+              <a:spcBef>
+                <a:spcPts val="500"/>
+              </a:spcBef>
+              <a:buFont typeface="Arial" panose="020B0604020202020204" pitchFamily="34" charset="0"/>
+              <a:buChar char="•"/>
+              <a:defRPr sz="1800" kern="1200">
+                <a:solidFill>
+                  <a:schemeClr val="tx1"/>
+                </a:solidFill>
+                <a:latin typeface="+mn-lt"/>
+                <a:ea typeface="+mn-ea"/>
+                <a:cs typeface="+mn-cs"/>
+              </a:defRPr>
+            </a:lvl4pPr>
+            <a:lvl5pPr marL="2057400" indent="-228600" algn="l" defTabSz="914400" rtl="0" eaLnBrk="1" latinLnBrk="0" hangingPunct="1">
+              <a:lnSpc>
+                <a:spcPct val="90000"/>
+              </a:lnSpc>
+              <a:spcBef>
+                <a:spcPts val="500"/>
+              </a:spcBef>
+              <a:buFont typeface="Arial" panose="020B0604020202020204" pitchFamily="34" charset="0"/>
+              <a:buChar char="•"/>
+              <a:defRPr sz="1800" kern="1200">
+                <a:solidFill>
+                  <a:schemeClr val="tx1"/>
+                </a:solidFill>
+                <a:latin typeface="+mn-lt"/>
+                <a:ea typeface="+mn-ea"/>
+                <a:cs typeface="+mn-cs"/>
+              </a:defRPr>
+            </a:lvl5pPr>
+            <a:lvl6pPr marL="2514600" indent="-228600" algn="l" defTabSz="914400" rtl="0" eaLnBrk="1" latinLnBrk="0" hangingPunct="1">
+              <a:lnSpc>
+                <a:spcPct val="90000"/>
+              </a:lnSpc>
+              <a:spcBef>
+                <a:spcPts val="500"/>
+              </a:spcBef>
+              <a:buFont typeface="Arial" panose="020B0604020202020204" pitchFamily="34" charset="0"/>
+              <a:buChar char="•"/>
+              <a:defRPr sz="1800" kern="1200">
+                <a:solidFill>
+                  <a:schemeClr val="tx1"/>
+                </a:solidFill>
+                <a:latin typeface="+mn-lt"/>
+                <a:ea typeface="+mn-ea"/>
+                <a:cs typeface="+mn-cs"/>
+              </a:defRPr>
+            </a:lvl6pPr>
+            <a:lvl7pPr marL="2971800" indent="-228600" algn="l" defTabSz="914400" rtl="0" eaLnBrk="1" latinLnBrk="0" hangingPunct="1">
+              <a:lnSpc>
+                <a:spcPct val="90000"/>
+              </a:lnSpc>
+              <a:spcBef>
+                <a:spcPts val="500"/>
+              </a:spcBef>
+              <a:buFont typeface="Arial" panose="020B0604020202020204" pitchFamily="34" charset="0"/>
+              <a:buChar char="•"/>
+              <a:defRPr sz="1800" kern="1200">
+                <a:solidFill>
+                  <a:schemeClr val="tx1"/>
+                </a:solidFill>
+                <a:latin typeface="+mn-lt"/>
+                <a:ea typeface="+mn-ea"/>
+                <a:cs typeface="+mn-cs"/>
+              </a:defRPr>
+            </a:lvl7pPr>
+            <a:lvl8pPr marL="3429000" indent="-228600" algn="l" defTabSz="914400" rtl="0" eaLnBrk="1" latinLnBrk="0" hangingPunct="1">
+              <a:lnSpc>
+                <a:spcPct val="90000"/>
+              </a:lnSpc>
+              <a:spcBef>
+                <a:spcPts val="500"/>
+              </a:spcBef>
+              <a:buFont typeface="Arial" panose="020B0604020202020204" pitchFamily="34" charset="0"/>
+              <a:buChar char="•"/>
+              <a:defRPr sz="1800" kern="1200">
+                <a:solidFill>
+                  <a:schemeClr val="tx1"/>
+                </a:solidFill>
+                <a:latin typeface="+mn-lt"/>
+                <a:ea typeface="+mn-ea"/>
+                <a:cs typeface="+mn-cs"/>
+              </a:defRPr>
+            </a:lvl8pPr>
+            <a:lvl9pPr marL="3886200" indent="-228600" algn="l" defTabSz="914400" rtl="0" eaLnBrk="1" latinLnBrk="0" hangingPunct="1">
+              <a:lnSpc>
+                <a:spcPct val="90000"/>
+              </a:lnSpc>
+              <a:spcBef>
+                <a:spcPts val="500"/>
+              </a:spcBef>
+              <a:buFont typeface="Arial" panose="020B0604020202020204" pitchFamily="34" charset="0"/>
+              <a:buChar char="•"/>
+              <a:defRPr sz="1800" kern="1200">
+                <a:solidFill>
+                  <a:schemeClr val="tx1"/>
+                </a:solidFill>
+                <a:latin typeface="+mn-lt"/>
+                <a:ea typeface="+mn-ea"/>
+                <a:cs typeface="+mn-cs"/>
+              </a:defRPr>
+            </a:lvl9pPr>
+          </a:lstStyle>
+          <a:p>
+            <a:endParaRPr lang="en-US" altLang="zh-CN" sz="2000" dirty="0" smtClean="0">
+              <a:solidFill>
+                <a:schemeClr val="bg1">
+                  <a:lumMod val="65000"/>
+                </a:schemeClr>
+              </a:solidFill>
+            </a:endParaRPr>
+          </a:p>
+          <a:p>
+            <a:pPr marL="0" indent="0">
+              <a:buNone/>
+            </a:pPr>
+            <a:endParaRPr lang="en-US" altLang="zh-CN" sz="2000" dirty="0">
+              <a:solidFill>
+                <a:schemeClr val="bg1">
+                  <a:lumMod val="65000"/>
+                </a:schemeClr>
+              </a:solidFill>
+            </a:endParaRPr>
+          </a:p>
+          <a:p>
+            <a:endParaRPr lang="zh-CN" altLang="en-US" sz="2000" dirty="0">
+              <a:solidFill>
+                <a:schemeClr val="bg1">
+                  <a:lumMod val="65000"/>
+                </a:schemeClr>
+              </a:solidFill>
+            </a:endParaRPr>
+          </a:p>
+        </p:txBody>
+      </p:sp>
+      <p:sp>
+        <p:nvSpPr>
+          <p:cNvPr id="6" name="副标题 2"/>
+          <p:cNvSpPr txBox="1">
+            <a:spLocks/>
+          </p:cNvSpPr>
+          <p:nvPr/>
+        </p:nvSpPr>
+        <p:spPr>
+          <a:xfrm>
+            <a:off x="5394558" y="1903211"/>
+            <a:ext cx="6020202" cy="4682646"/>
+          </a:xfrm>
+          <a:prstGeom prst="rect">
+            <a:avLst/>
+          </a:prstGeom>
+        </p:spPr>
+        <p:txBody>
+          <a:bodyPr vert="horz" lIns="91440" tIns="45720" rIns="91440" bIns="45720" rtlCol="0">
+            <a:normAutofit/>
+          </a:bodyPr>
+          <a:lstStyle>
+            <a:lvl1pPr marL="228600" indent="-228600" algn="l" defTabSz="914400" rtl="0" eaLnBrk="1" latinLnBrk="0" hangingPunct="1">
+              <a:lnSpc>
+                <a:spcPct val="90000"/>
+              </a:lnSpc>
+              <a:spcBef>
+                <a:spcPts val="1000"/>
+              </a:spcBef>
+              <a:buFont typeface="Arial" panose="020B0604020202020204" pitchFamily="34" charset="0"/>
+              <a:buChar char="•"/>
+              <a:defRPr sz="2800" kern="1200">
+                <a:solidFill>
+                  <a:schemeClr val="tx1"/>
+                </a:solidFill>
+                <a:latin typeface="+mn-lt"/>
+                <a:ea typeface="+mn-ea"/>
+                <a:cs typeface="+mn-cs"/>
+              </a:defRPr>
+            </a:lvl1pPr>
+            <a:lvl2pPr marL="685800" indent="-228600" algn="l" defTabSz="914400" rtl="0" eaLnBrk="1" latinLnBrk="0" hangingPunct="1">
+              <a:lnSpc>
+                <a:spcPct val="90000"/>
+              </a:lnSpc>
+              <a:spcBef>
+                <a:spcPts val="500"/>
+              </a:spcBef>
+              <a:buFont typeface="Arial" panose="020B0604020202020204" pitchFamily="34" charset="0"/>
+              <a:buChar char="•"/>
+              <a:defRPr sz="2400" kern="1200">
+                <a:solidFill>
+                  <a:schemeClr val="tx1"/>
+                </a:solidFill>
+                <a:latin typeface="+mn-lt"/>
+                <a:ea typeface="+mn-ea"/>
+                <a:cs typeface="+mn-cs"/>
+              </a:defRPr>
+            </a:lvl2pPr>
+            <a:lvl3pPr marL="1143000" indent="-228600" algn="l" defTabSz="914400" rtl="0" eaLnBrk="1" latinLnBrk="0" hangingPunct="1">
+              <a:lnSpc>
+                <a:spcPct val="90000"/>
+              </a:lnSpc>
+              <a:spcBef>
+                <a:spcPts val="500"/>
+              </a:spcBef>
+              <a:buFont typeface="Arial" panose="020B0604020202020204" pitchFamily="34" charset="0"/>
+              <a:buChar char="•"/>
+              <a:defRPr sz="2000" kern="1200">
+                <a:solidFill>
+                  <a:schemeClr val="tx1"/>
+                </a:solidFill>
+                <a:latin typeface="+mn-lt"/>
+                <a:ea typeface="+mn-ea"/>
+                <a:cs typeface="+mn-cs"/>
+              </a:defRPr>
+            </a:lvl3pPr>
+            <a:lvl4pPr marL="1600200" indent="-228600" algn="l" defTabSz="914400" rtl="0" eaLnBrk="1" latinLnBrk="0" hangingPunct="1">
+              <a:lnSpc>
+                <a:spcPct val="90000"/>
+              </a:lnSpc>
+              <a:spcBef>
+                <a:spcPts val="500"/>
+              </a:spcBef>
+              <a:buFont typeface="Arial" panose="020B0604020202020204" pitchFamily="34" charset="0"/>
+              <a:buChar char="•"/>
+              <a:defRPr sz="1800" kern="1200">
+                <a:solidFill>
+                  <a:schemeClr val="tx1"/>
+                </a:solidFill>
+                <a:latin typeface="+mn-lt"/>
+                <a:ea typeface="+mn-ea"/>
+                <a:cs typeface="+mn-cs"/>
+              </a:defRPr>
+            </a:lvl4pPr>
+            <a:lvl5pPr marL="2057400" indent="-228600" algn="l" defTabSz="914400" rtl="0" eaLnBrk="1" latinLnBrk="0" hangingPunct="1">
+              <a:lnSpc>
+                <a:spcPct val="90000"/>
+              </a:lnSpc>
+              <a:spcBef>
+                <a:spcPts val="500"/>
+              </a:spcBef>
+              <a:buFont typeface="Arial" panose="020B0604020202020204" pitchFamily="34" charset="0"/>
+              <a:buChar char="•"/>
+              <a:defRPr sz="1800" kern="1200">
+                <a:solidFill>
+                  <a:schemeClr val="tx1"/>
+                </a:solidFill>
+                <a:latin typeface="+mn-lt"/>
+                <a:ea typeface="+mn-ea"/>
+                <a:cs typeface="+mn-cs"/>
+              </a:defRPr>
+            </a:lvl5pPr>
+            <a:lvl6pPr marL="2514600" indent="-228600" algn="l" defTabSz="914400" rtl="0" eaLnBrk="1" latinLnBrk="0" hangingPunct="1">
+              <a:lnSpc>
+                <a:spcPct val="90000"/>
+              </a:lnSpc>
+              <a:spcBef>
+                <a:spcPts val="500"/>
+              </a:spcBef>
+              <a:buFont typeface="Arial" panose="020B0604020202020204" pitchFamily="34" charset="0"/>
+              <a:buChar char="•"/>
+              <a:defRPr sz="1800" kern="1200">
+                <a:solidFill>
+                  <a:schemeClr val="tx1"/>
+                </a:solidFill>
+                <a:latin typeface="+mn-lt"/>
+                <a:ea typeface="+mn-ea"/>
+                <a:cs typeface="+mn-cs"/>
+              </a:defRPr>
+            </a:lvl6pPr>
+            <a:lvl7pPr marL="2971800" indent="-228600" algn="l" defTabSz="914400" rtl="0" eaLnBrk="1" latinLnBrk="0" hangingPunct="1">
+              <a:lnSpc>
+                <a:spcPct val="90000"/>
+              </a:lnSpc>
+              <a:spcBef>
+                <a:spcPts val="500"/>
+              </a:spcBef>
+              <a:buFont typeface="Arial" panose="020B0604020202020204" pitchFamily="34" charset="0"/>
+              <a:buChar char="•"/>
+              <a:defRPr sz="1800" kern="1200">
+                <a:solidFill>
+                  <a:schemeClr val="tx1"/>
+                </a:solidFill>
+                <a:latin typeface="+mn-lt"/>
+                <a:ea typeface="+mn-ea"/>
+                <a:cs typeface="+mn-cs"/>
+              </a:defRPr>
+            </a:lvl7pPr>
+            <a:lvl8pPr marL="3429000" indent="-228600" algn="l" defTabSz="914400" rtl="0" eaLnBrk="1" latinLnBrk="0" hangingPunct="1">
+              <a:lnSpc>
+                <a:spcPct val="90000"/>
+              </a:lnSpc>
+              <a:spcBef>
+                <a:spcPts val="500"/>
+              </a:spcBef>
+              <a:buFont typeface="Arial" panose="020B0604020202020204" pitchFamily="34" charset="0"/>
+              <a:buChar char="•"/>
+              <a:defRPr sz="1800" kern="1200">
+                <a:solidFill>
+                  <a:schemeClr val="tx1"/>
+                </a:solidFill>
+                <a:latin typeface="+mn-lt"/>
+                <a:ea typeface="+mn-ea"/>
+                <a:cs typeface="+mn-cs"/>
+              </a:defRPr>
+            </a:lvl8pPr>
+            <a:lvl9pPr marL="3886200" indent="-228600" algn="l" defTabSz="914400" rtl="0" eaLnBrk="1" latinLnBrk="0" hangingPunct="1">
+              <a:lnSpc>
+                <a:spcPct val="90000"/>
+              </a:lnSpc>
+              <a:spcBef>
+                <a:spcPts val="500"/>
+              </a:spcBef>
+              <a:buFont typeface="Arial" panose="020B0604020202020204" pitchFamily="34" charset="0"/>
+              <a:buChar char="•"/>
+              <a:defRPr sz="1800" kern="1200">
+                <a:solidFill>
+                  <a:schemeClr val="tx1"/>
+                </a:solidFill>
+                <a:latin typeface="+mn-lt"/>
+                <a:ea typeface="+mn-ea"/>
+                <a:cs typeface="+mn-cs"/>
+              </a:defRPr>
+            </a:lvl9pPr>
+          </a:lstStyle>
+          <a:p>
+            <a:pPr marL="0" indent="0">
+              <a:buNone/>
+            </a:pPr>
+            <a:r>
+              <a:rPr lang="zh-CN" altLang="en-US" dirty="0" smtClean="0">
+                <a:solidFill>
+                  <a:schemeClr val="bg1">
+                    <a:lumMod val="65000"/>
+                  </a:schemeClr>
+                </a:solidFill>
+              </a:rPr>
+              <a:t>优缺点</a:t>
+            </a:r>
+            <a:endParaRPr lang="en-US" altLang="zh-CN" dirty="0" smtClean="0">
+              <a:solidFill>
+                <a:schemeClr val="bg1">
+                  <a:lumMod val="65000"/>
+                </a:schemeClr>
+              </a:solidFill>
+            </a:endParaRPr>
+          </a:p>
+          <a:p>
+            <a:pPr marL="0" indent="0">
+              <a:buNone/>
+            </a:pPr>
+            <a:endParaRPr lang="en-US" altLang="zh-CN" sz="2000" dirty="0">
+              <a:solidFill>
+                <a:schemeClr val="bg1">
+                  <a:lumMod val="65000"/>
+                </a:schemeClr>
+              </a:solidFill>
+            </a:endParaRPr>
+          </a:p>
+          <a:p>
+            <a:pPr marL="0" indent="0" algn="just">
+              <a:lnSpc>
+                <a:spcPct val="170000"/>
+              </a:lnSpc>
+              <a:buNone/>
+            </a:pPr>
+            <a:r>
+              <a:rPr lang="zh-CN" altLang="en-US" sz="2000" dirty="0" smtClean="0">
+                <a:solidFill>
+                  <a:schemeClr val="bg1">
+                    <a:lumMod val="65000"/>
+                  </a:schemeClr>
+                </a:solidFill>
+              </a:rPr>
+              <a:t>职责分离、观察者模式多视图更新</a:t>
+            </a:r>
+            <a:r>
+              <a:rPr lang="zh-CN" altLang="en-US" sz="2000" dirty="0" smtClean="0">
+                <a:solidFill>
+                  <a:schemeClr val="bg1">
+                    <a:lumMod val="65000"/>
+                  </a:schemeClr>
+                </a:solidFill>
+              </a:rPr>
+              <a:t>、解耦</a:t>
+            </a:r>
+            <a:r>
+              <a:rPr lang="en-US" altLang="zh-CN" sz="2000" dirty="0" smtClean="0">
+                <a:solidFill>
+                  <a:schemeClr val="bg1">
+                    <a:lumMod val="65000"/>
+                  </a:schemeClr>
+                </a:solidFill>
+              </a:rPr>
+              <a:t>Model</a:t>
+            </a:r>
+            <a:r>
+              <a:rPr lang="zh-CN" altLang="en-US" sz="2000" dirty="0" smtClean="0">
+                <a:solidFill>
+                  <a:schemeClr val="bg1">
+                    <a:lumMod val="65000"/>
+                  </a:schemeClr>
+                </a:solidFill>
+              </a:rPr>
+              <a:t>和</a:t>
+            </a:r>
+            <a:r>
+              <a:rPr lang="en-US" altLang="zh-CN" sz="2000" dirty="0" smtClean="0">
+                <a:solidFill>
+                  <a:schemeClr val="bg1">
+                    <a:lumMod val="65000"/>
+                  </a:schemeClr>
+                </a:solidFill>
+              </a:rPr>
+              <a:t>View</a:t>
+            </a:r>
+            <a:endParaRPr lang="en-US" altLang="zh-CN" sz="2000" dirty="0">
+              <a:solidFill>
+                <a:schemeClr val="bg1">
+                  <a:lumMod val="65000"/>
+                </a:schemeClr>
+              </a:solidFill>
+            </a:endParaRPr>
+          </a:p>
+          <a:p>
+            <a:pPr marL="0" indent="0" algn="just">
+              <a:lnSpc>
+                <a:spcPct val="170000"/>
+              </a:lnSpc>
+              <a:buNone/>
+            </a:pPr>
+            <a:r>
+              <a:rPr lang="en-US" altLang="zh-CN" sz="2000" dirty="0" smtClean="0">
+                <a:solidFill>
+                  <a:schemeClr val="bg1">
+                    <a:lumMod val="65000"/>
+                  </a:schemeClr>
+                </a:solidFill>
+              </a:rPr>
+              <a:t>Controller</a:t>
+            </a:r>
+            <a:r>
+              <a:rPr lang="zh-CN" altLang="en-US" sz="2000" dirty="0" smtClean="0">
+                <a:solidFill>
+                  <a:schemeClr val="bg1">
+                    <a:lumMod val="65000"/>
+                  </a:schemeClr>
+                </a:solidFill>
+              </a:rPr>
+              <a:t>测试困难（</a:t>
+            </a:r>
+            <a:r>
+              <a:rPr lang="en-US" altLang="zh-CN" sz="2000" dirty="0" smtClean="0">
+                <a:solidFill>
+                  <a:schemeClr val="bg1">
+                    <a:lumMod val="65000"/>
+                  </a:schemeClr>
+                </a:solidFill>
+              </a:rPr>
+              <a:t>View</a:t>
+            </a:r>
+            <a:r>
+              <a:rPr lang="zh-CN" altLang="en-US" sz="2000" dirty="0" smtClean="0">
+                <a:solidFill>
+                  <a:schemeClr val="bg1">
+                    <a:lumMod val="65000"/>
+                  </a:schemeClr>
+                </a:solidFill>
+              </a:rPr>
+              <a:t>需要</a:t>
+            </a:r>
+            <a:r>
+              <a:rPr lang="en-US" altLang="zh-CN" sz="2000" dirty="0" smtClean="0">
+                <a:solidFill>
+                  <a:schemeClr val="bg1">
+                    <a:lumMod val="65000"/>
+                  </a:schemeClr>
+                </a:solidFill>
+              </a:rPr>
+              <a:t>UI</a:t>
+            </a:r>
+            <a:r>
+              <a:rPr lang="zh-CN" altLang="en-US" sz="2000" dirty="0" smtClean="0">
+                <a:solidFill>
+                  <a:schemeClr val="bg1">
+                    <a:lumMod val="65000"/>
+                  </a:schemeClr>
+                </a:solidFill>
+              </a:rPr>
+              <a:t>环境）</a:t>
+            </a:r>
+            <a:r>
+              <a:rPr lang="zh-CN" altLang="en-US" sz="2000" dirty="0" smtClean="0">
+                <a:solidFill>
+                  <a:schemeClr val="bg1">
+                    <a:lumMod val="65000"/>
+                  </a:schemeClr>
+                </a:solidFill>
+              </a:rPr>
+              <a:t>、</a:t>
+            </a:r>
+            <a:r>
+              <a:rPr lang="en-US" altLang="zh-CN" sz="2000" dirty="0" smtClean="0">
+                <a:solidFill>
+                  <a:schemeClr val="bg1">
+                    <a:lumMod val="65000"/>
+                  </a:schemeClr>
+                </a:solidFill>
+              </a:rPr>
+              <a:t>View</a:t>
+            </a:r>
+            <a:r>
+              <a:rPr lang="zh-CN" altLang="en-US" sz="2000" dirty="0" smtClean="0">
+                <a:solidFill>
+                  <a:schemeClr val="bg1">
+                    <a:lumMod val="65000"/>
+                  </a:schemeClr>
+                </a:solidFill>
+              </a:rPr>
+              <a:t>无法组件化（</a:t>
+            </a:r>
+            <a:r>
+              <a:rPr lang="en-US" altLang="zh-CN" sz="2000" dirty="0" smtClean="0">
+                <a:solidFill>
+                  <a:schemeClr val="bg1">
+                    <a:lumMod val="65000"/>
+                  </a:schemeClr>
+                </a:solidFill>
+              </a:rPr>
+              <a:t>View</a:t>
+            </a:r>
+            <a:r>
+              <a:rPr lang="zh-CN" altLang="en-US" sz="2000" dirty="0" smtClean="0">
+                <a:solidFill>
+                  <a:schemeClr val="bg1">
+                    <a:lumMod val="65000"/>
+                  </a:schemeClr>
+                </a:solidFill>
+              </a:rPr>
+              <a:t>强依赖特定的</a:t>
+            </a:r>
+            <a:r>
+              <a:rPr lang="en-US" altLang="zh-CN" sz="2000" dirty="0" smtClean="0">
+                <a:solidFill>
+                  <a:schemeClr val="bg1">
+                    <a:lumMod val="65000"/>
+                  </a:schemeClr>
+                </a:solidFill>
+              </a:rPr>
+              <a:t>Model</a:t>
+            </a:r>
+            <a:r>
+              <a:rPr lang="zh-CN" altLang="en-US" sz="2000" dirty="0" smtClean="0">
+                <a:solidFill>
+                  <a:schemeClr val="bg1">
+                    <a:lumMod val="65000"/>
+                  </a:schemeClr>
+                </a:solidFill>
+              </a:rPr>
+              <a:t>）</a:t>
+            </a:r>
+            <a:endParaRPr lang="en-US" altLang="zh-CN" sz="2000" dirty="0" smtClean="0">
+              <a:solidFill>
+                <a:schemeClr val="bg1">
+                  <a:lumMod val="65000"/>
+                </a:schemeClr>
+              </a:solidFill>
+            </a:endParaRPr>
+          </a:p>
+          <a:p>
+            <a:pPr marL="0" indent="0" algn="just">
+              <a:lnSpc>
+                <a:spcPct val="170000"/>
+              </a:lnSpc>
+              <a:buNone/>
+            </a:pPr>
+            <a:r>
+              <a:rPr lang="zh-CN" altLang="en-US" sz="2000" dirty="0" smtClean="0">
+                <a:solidFill>
+                  <a:schemeClr val="bg1">
+                    <a:lumMod val="65000"/>
+                  </a:schemeClr>
+                </a:solidFill>
+              </a:rPr>
+              <a:t>   </a:t>
+            </a:r>
+            <a:endParaRPr lang="zh-CN" altLang="en-US" sz="2000" dirty="0">
+              <a:solidFill>
+                <a:schemeClr val="bg1">
+                  <a:lumMod val="65000"/>
+                </a:schemeClr>
+              </a:solidFill>
+            </a:endParaRPr>
+          </a:p>
+        </p:txBody>
+      </p:sp>
+    </p:spTree>
+    <p:extLst>
+      <p:ext uri="{BB962C8B-B14F-4D97-AF65-F5344CB8AC3E}">
+        <p14:creationId xmlns:p14="http://schemas.microsoft.com/office/powerpoint/2010/main" val="504378223"/>
       </p:ext>
     </p:extLst>
   </p:cSld>
